--- a/Slide/Presentazione_Evento.pptx
+++ b/Slide/Presentazione_Evento.pptx
@@ -18,6 +18,20 @@
     <p:sldId id="262" r:id="rId12"/>
     <p:sldId id="263" r:id="rId13"/>
     <p:sldId id="264" r:id="rId14"/>
+    <p:sldId id="266" r:id="rId15"/>
+    <p:sldId id="267" r:id="rId16"/>
+    <p:sldId id="268" r:id="rId17"/>
+    <p:sldId id="269" r:id="rId18"/>
+    <p:sldId id="270" r:id="rId19"/>
+    <p:sldId id="271" r:id="rId20"/>
+    <p:sldId id="272" r:id="rId21"/>
+    <p:sldId id="273" r:id="rId22"/>
+    <p:sldId id="274" r:id="rId23"/>
+    <p:sldId id="275" r:id="rId24"/>
+    <p:sldId id="276" r:id="rId25"/>
+    <p:sldId id="277" r:id="rId26"/>
+    <p:sldId id="278" r:id="rId27"/>
+    <p:sldId id="279" r:id="rId28"/>
   </p:sldIdLst>
   <p:sldSz cx="12192000" cy="6858000"/>
   <p:notesSz cx="6858000" cy="9144000"/>
@@ -117,6 +131,37 @@
     </a:lvl9pPr>
   </p:defaultTextStyle>
   <p:extLst>
+    <p:ext uri="{521415D9-36F7-43E2-AB2F-B90AF26B5E84}">
+      <p14:sectionLst xmlns:p14="http://schemas.microsoft.com/office/powerpoint/2010/main">
+        <p14:section name="Sezione predefinita" id="{C59004EE-BF80-43D0-85FC-BC9316B2F852}">
+          <p14:sldIdLst>
+            <p14:sldId id="256"/>
+            <p14:sldId id="260"/>
+            <p14:sldId id="257"/>
+            <p14:sldId id="258"/>
+            <p14:sldId id="259"/>
+            <p14:sldId id="261"/>
+            <p14:sldId id="262"/>
+            <p14:sldId id="263"/>
+            <p14:sldId id="264"/>
+            <p14:sldId id="266"/>
+            <p14:sldId id="267"/>
+            <p14:sldId id="268"/>
+            <p14:sldId id="269"/>
+            <p14:sldId id="270"/>
+            <p14:sldId id="271"/>
+            <p14:sldId id="272"/>
+            <p14:sldId id="273"/>
+            <p14:sldId id="274"/>
+            <p14:sldId id="275"/>
+            <p14:sldId id="276"/>
+            <p14:sldId id="277"/>
+            <p14:sldId id="278"/>
+            <p14:sldId id="279"/>
+          </p14:sldIdLst>
+        </p14:section>
+      </p14:sectionLst>
+    </p:ext>
     <p:ext uri="{EFAFB233-063F-42B5-8137-9DF3F51BA10A}">
       <p15:sldGuideLst xmlns:p15="http://schemas.microsoft.com/office/powerpoint/2012/main"/>
     </p:ext>
@@ -6142,7 +6187,7 @@
           <a:p>
             <a:fld id="{1C81553D-C06C-4547-89DD-1DAEE2D6FC72}" type="datetimeFigureOut">
               <a:rPr lang="it-IT" smtClean="0"/>
-              <a:t>31/03/2016</a:t>
+              <a:t>21/04/2016</a:t>
             </a:fld>
             <a:endParaRPr lang="it-IT"/>
           </a:p>
@@ -6438,7 +6483,7 @@
           <a:p>
             <a:fld id="{1C81553D-C06C-4547-89DD-1DAEE2D6FC72}" type="datetimeFigureOut">
               <a:rPr lang="it-IT" smtClean="0"/>
-              <a:t>31/03/2016</a:t>
+              <a:t>21/04/2016</a:t>
             </a:fld>
             <a:endParaRPr lang="it-IT"/>
           </a:p>
@@ -6686,7 +6731,7 @@
           <a:p>
             <a:fld id="{1C81553D-C06C-4547-89DD-1DAEE2D6FC72}" type="datetimeFigureOut">
               <a:rPr lang="it-IT" smtClean="0"/>
-              <a:t>31/03/2016</a:t>
+              <a:t>21/04/2016</a:t>
             </a:fld>
             <a:endParaRPr lang="it-IT"/>
           </a:p>
@@ -7226,7 +7271,7 @@
           <a:p>
             <a:fld id="{1C81553D-C06C-4547-89DD-1DAEE2D6FC72}" type="datetimeFigureOut">
               <a:rPr lang="it-IT" smtClean="0"/>
-              <a:t>31/03/2016</a:t>
+              <a:t>21/04/2016</a:t>
             </a:fld>
             <a:endParaRPr lang="it-IT"/>
           </a:p>
@@ -7474,7 +7519,7 @@
           <a:p>
             <a:fld id="{1C81553D-C06C-4547-89DD-1DAEE2D6FC72}" type="datetimeFigureOut">
               <a:rPr lang="it-IT" smtClean="0"/>
-              <a:t>31/03/2016</a:t>
+              <a:t>21/04/2016</a:t>
             </a:fld>
             <a:endParaRPr lang="it-IT"/>
           </a:p>
@@ -8006,7 +8051,7 @@
           <a:p>
             <a:fld id="{1C81553D-C06C-4547-89DD-1DAEE2D6FC72}" type="datetimeFigureOut">
               <a:rPr lang="it-IT" smtClean="0"/>
-              <a:t>31/03/2016</a:t>
+              <a:t>21/04/2016</a:t>
             </a:fld>
             <a:endParaRPr lang="it-IT"/>
           </a:p>
@@ -8303,7 +8348,7 @@
           <a:p>
             <a:fld id="{1C81553D-C06C-4547-89DD-1DAEE2D6FC72}" type="datetimeFigureOut">
               <a:rPr lang="it-IT" smtClean="0"/>
-              <a:t>31/03/2016</a:t>
+              <a:t>21/04/2016</a:t>
             </a:fld>
             <a:endParaRPr lang="it-IT"/>
           </a:p>
@@ -8477,7 +8522,7 @@
           <a:p>
             <a:fld id="{1C81553D-C06C-4547-89DD-1DAEE2D6FC72}" type="datetimeFigureOut">
               <a:rPr lang="it-IT" smtClean="0"/>
-              <a:t>31/03/2016</a:t>
+              <a:t>21/04/2016</a:t>
             </a:fld>
             <a:endParaRPr lang="it-IT"/>
           </a:p>
@@ -8657,7 +8702,7 @@
           <a:p>
             <a:fld id="{1C81553D-C06C-4547-89DD-1DAEE2D6FC72}" type="datetimeFigureOut">
               <a:rPr lang="it-IT" smtClean="0"/>
-              <a:t>31/03/2016</a:t>
+              <a:t>21/04/2016</a:t>
             </a:fld>
             <a:endParaRPr lang="it-IT"/>
           </a:p>
@@ -9230,7 +9275,7 @@
           <a:p>
             <a:fld id="{1C81553D-C06C-4547-89DD-1DAEE2D6FC72}" type="datetimeFigureOut">
               <a:rPr lang="it-IT" smtClean="0"/>
-              <a:t>31/03/2016</a:t>
+              <a:t>21/04/2016</a:t>
             </a:fld>
             <a:endParaRPr lang="it-IT"/>
           </a:p>
@@ -9798,7 +9843,7 @@
           <a:p>
             <a:fld id="{1C81553D-C06C-4547-89DD-1DAEE2D6FC72}" type="datetimeFigureOut">
               <a:rPr lang="it-IT" smtClean="0"/>
-              <a:t>31/03/2016</a:t>
+              <a:t>21/04/2016</a:t>
             </a:fld>
             <a:endParaRPr lang="it-IT"/>
           </a:p>
@@ -9973,7 +10018,7 @@
           <a:p>
             <a:fld id="{1C81553D-C06C-4547-89DD-1DAEE2D6FC72}" type="datetimeFigureOut">
               <a:rPr lang="it-IT" smtClean="0"/>
-              <a:t>31/03/2016</a:t>
+              <a:t>21/04/2016</a:t>
             </a:fld>
             <a:endParaRPr lang="it-IT"/>
           </a:p>
@@ -10224,7 +10269,7 @@
           <a:p>
             <a:fld id="{1C81553D-C06C-4547-89DD-1DAEE2D6FC72}" type="datetimeFigureOut">
               <a:rPr lang="it-IT" smtClean="0"/>
-              <a:t>31/03/2016</a:t>
+              <a:t>21/04/2016</a:t>
             </a:fld>
             <a:endParaRPr lang="it-IT"/>
           </a:p>
@@ -10521,7 +10566,7 @@
           <a:p>
             <a:fld id="{1C81553D-C06C-4547-89DD-1DAEE2D6FC72}" type="datetimeFigureOut">
               <a:rPr lang="it-IT" smtClean="0"/>
-              <a:t>31/03/2016</a:t>
+              <a:t>21/04/2016</a:t>
             </a:fld>
             <a:endParaRPr lang="it-IT"/>
           </a:p>
@@ -10963,7 +11008,7 @@
           <a:p>
             <a:fld id="{1C81553D-C06C-4547-89DD-1DAEE2D6FC72}" type="datetimeFigureOut">
               <a:rPr lang="it-IT" smtClean="0"/>
-              <a:t>31/03/2016</a:t>
+              <a:t>21/04/2016</a:t>
             </a:fld>
             <a:endParaRPr lang="it-IT"/>
           </a:p>
@@ -11081,7 +11126,7 @@
           <a:p>
             <a:fld id="{1C81553D-C06C-4547-89DD-1DAEE2D6FC72}" type="datetimeFigureOut">
               <a:rPr lang="it-IT" smtClean="0"/>
-              <a:t>31/03/2016</a:t>
+              <a:t>21/04/2016</a:t>
             </a:fld>
             <a:endParaRPr lang="it-IT"/>
           </a:p>
@@ -11176,7 +11221,7 @@
           <a:p>
             <a:fld id="{1C81553D-C06C-4547-89DD-1DAEE2D6FC72}" type="datetimeFigureOut">
               <a:rPr lang="it-IT" smtClean="0"/>
-              <a:t>31/03/2016</a:t>
+              <a:t>21/04/2016</a:t>
             </a:fld>
             <a:endParaRPr lang="it-IT"/>
           </a:p>
@@ -11459,7 +11504,7 @@
           <a:p>
             <a:fld id="{1C81553D-C06C-4547-89DD-1DAEE2D6FC72}" type="datetimeFigureOut">
               <a:rPr lang="it-IT" smtClean="0"/>
-              <a:t>31/03/2016</a:t>
+              <a:t>21/04/2016</a:t>
             </a:fld>
             <a:endParaRPr lang="it-IT"/>
           </a:p>
@@ -11750,7 +11795,7 @@
           <a:p>
             <a:fld id="{1C81553D-C06C-4547-89DD-1DAEE2D6FC72}" type="datetimeFigureOut">
               <a:rPr lang="it-IT" smtClean="0"/>
-              <a:t>31/03/2016</a:t>
+              <a:t>21/04/2016</a:t>
             </a:fld>
             <a:endParaRPr lang="it-IT"/>
           </a:p>
@@ -12041,7 +12086,7 @@
           <a:p>
             <a:fld id="{1C81553D-C06C-4547-89DD-1DAEE2D6FC72}" type="datetimeFigureOut">
               <a:rPr lang="it-IT" smtClean="0"/>
-              <a:t>31/03/2016</a:t>
+              <a:t>21/04/2016</a:t>
             </a:fld>
             <a:endParaRPr lang="it-IT"/>
           </a:p>
@@ -12287,7 +12332,7 @@
           <a:p>
             <a:fld id="{1C81553D-C06C-4547-89DD-1DAEE2D6FC72}" type="datetimeFigureOut">
               <a:rPr lang="it-IT" smtClean="0"/>
-              <a:t>31/03/2016</a:t>
+              <a:t>21/04/2016</a:t>
             </a:fld>
             <a:endParaRPr lang="it-IT"/>
           </a:p>
@@ -12535,7 +12580,7 @@
           <a:p>
             <a:fld id="{1C81553D-C06C-4547-89DD-1DAEE2D6FC72}" type="datetimeFigureOut">
               <a:rPr lang="it-IT" smtClean="0"/>
-              <a:t>31/03/2016</a:t>
+              <a:t>21/04/2016</a:t>
             </a:fld>
             <a:endParaRPr lang="it-IT"/>
           </a:p>
@@ -13075,7 +13120,7 @@
           <a:p>
             <a:fld id="{1C81553D-C06C-4547-89DD-1DAEE2D6FC72}" type="datetimeFigureOut">
               <a:rPr lang="it-IT" smtClean="0"/>
-              <a:t>31/03/2016</a:t>
+              <a:t>21/04/2016</a:t>
             </a:fld>
             <a:endParaRPr lang="it-IT"/>
           </a:p>
@@ -13323,7 +13368,7 @@
           <a:p>
             <a:fld id="{1C81553D-C06C-4547-89DD-1DAEE2D6FC72}" type="datetimeFigureOut">
               <a:rPr lang="it-IT" smtClean="0"/>
-              <a:t>31/03/2016</a:t>
+              <a:t>21/04/2016</a:t>
             </a:fld>
             <a:endParaRPr lang="it-IT"/>
           </a:p>
@@ -13855,7 +13900,7 @@
           <a:p>
             <a:fld id="{1C81553D-C06C-4547-89DD-1DAEE2D6FC72}" type="datetimeFigureOut">
               <a:rPr lang="it-IT" smtClean="0"/>
-              <a:t>31/03/2016</a:t>
+              <a:t>21/04/2016</a:t>
             </a:fld>
             <a:endParaRPr lang="it-IT"/>
           </a:p>
@@ -14152,7 +14197,7 @@
           <a:p>
             <a:fld id="{1C81553D-C06C-4547-89DD-1DAEE2D6FC72}" type="datetimeFigureOut">
               <a:rPr lang="it-IT" smtClean="0"/>
-              <a:t>31/03/2016</a:t>
+              <a:t>21/04/2016</a:t>
             </a:fld>
             <a:endParaRPr lang="it-IT"/>
           </a:p>
@@ -14326,7 +14371,7 @@
           <a:p>
             <a:fld id="{1C81553D-C06C-4547-89DD-1DAEE2D6FC72}" type="datetimeFigureOut">
               <a:rPr lang="it-IT" smtClean="0"/>
-              <a:t>31/03/2016</a:t>
+              <a:t>21/04/2016</a:t>
             </a:fld>
             <a:endParaRPr lang="it-IT"/>
           </a:p>
@@ -14506,7 +14551,7 @@
           <a:p>
             <a:fld id="{1C81553D-C06C-4547-89DD-1DAEE2D6FC72}" type="datetimeFigureOut">
               <a:rPr lang="it-IT" smtClean="0"/>
-              <a:t>31/03/2016</a:t>
+              <a:t>21/04/2016</a:t>
             </a:fld>
             <a:endParaRPr lang="it-IT"/>
           </a:p>
@@ -15069,7 +15114,7 @@
           <a:p>
             <a:fld id="{1C81553D-C06C-4547-89DD-1DAEE2D6FC72}" type="datetimeFigureOut">
               <a:rPr lang="it-IT" smtClean="0"/>
-              <a:t>31/03/2016</a:t>
+              <a:t>21/04/2016</a:t>
             </a:fld>
             <a:endParaRPr lang="it-IT"/>
           </a:p>
@@ -15285,7 +15330,7 @@
           <a:p>
             <a:fld id="{1C81553D-C06C-4547-89DD-1DAEE2D6FC72}" type="datetimeFigureOut">
               <a:rPr lang="it-IT" smtClean="0"/>
-              <a:t>31/03/2016</a:t>
+              <a:t>21/04/2016</a:t>
             </a:fld>
             <a:endParaRPr lang="it-IT"/>
           </a:p>
@@ -15536,7 +15581,7 @@
           <a:p>
             <a:fld id="{1C81553D-C06C-4547-89DD-1DAEE2D6FC72}" type="datetimeFigureOut">
               <a:rPr lang="it-IT" smtClean="0"/>
-              <a:t>31/03/2016</a:t>
+              <a:t>21/04/2016</a:t>
             </a:fld>
             <a:endParaRPr lang="it-IT"/>
           </a:p>
@@ -15833,7 +15878,7 @@
           <a:p>
             <a:fld id="{1C81553D-C06C-4547-89DD-1DAEE2D6FC72}" type="datetimeFigureOut">
               <a:rPr lang="it-IT" smtClean="0"/>
-              <a:t>31/03/2016</a:t>
+              <a:t>21/04/2016</a:t>
             </a:fld>
             <a:endParaRPr lang="it-IT"/>
           </a:p>
@@ -16180,7 +16225,7 @@
           <a:p>
             <a:fld id="{1C81553D-C06C-4547-89DD-1DAEE2D6FC72}" type="datetimeFigureOut">
               <a:rPr lang="it-IT" smtClean="0"/>
-              <a:t>31/03/2016</a:t>
+              <a:t>21/04/2016</a:t>
             </a:fld>
             <a:endParaRPr lang="it-IT"/>
           </a:p>
@@ -16672,7 +16717,7 @@
           <a:p>
             <a:fld id="{1C81553D-C06C-4547-89DD-1DAEE2D6FC72}" type="datetimeFigureOut">
               <a:rPr lang="it-IT" smtClean="0"/>
-              <a:t>31/03/2016</a:t>
+              <a:t>21/04/2016</a:t>
             </a:fld>
             <a:endParaRPr lang="it-IT"/>
           </a:p>
@@ -16790,7 +16835,7 @@
           <a:p>
             <a:fld id="{1C81553D-C06C-4547-89DD-1DAEE2D6FC72}" type="datetimeFigureOut">
               <a:rPr lang="it-IT" smtClean="0"/>
-              <a:t>31/03/2016</a:t>
+              <a:t>21/04/2016</a:t>
             </a:fld>
             <a:endParaRPr lang="it-IT"/>
           </a:p>
@@ -16885,7 +16930,7 @@
           <a:p>
             <a:fld id="{1C81553D-C06C-4547-89DD-1DAEE2D6FC72}" type="datetimeFigureOut">
               <a:rPr lang="it-IT" smtClean="0"/>
-              <a:t>31/03/2016</a:t>
+              <a:t>21/04/2016</a:t>
             </a:fld>
             <a:endParaRPr lang="it-IT"/>
           </a:p>
@@ -17168,7 +17213,7 @@
           <a:p>
             <a:fld id="{1C81553D-C06C-4547-89DD-1DAEE2D6FC72}" type="datetimeFigureOut">
               <a:rPr lang="it-IT" smtClean="0"/>
-              <a:t>31/03/2016</a:t>
+              <a:t>21/04/2016</a:t>
             </a:fld>
             <a:endParaRPr lang="it-IT"/>
           </a:p>
@@ -17459,7 +17504,7 @@
           <a:p>
             <a:fld id="{1C81553D-C06C-4547-89DD-1DAEE2D6FC72}" type="datetimeFigureOut">
               <a:rPr lang="it-IT" smtClean="0"/>
-              <a:t>31/03/2016</a:t>
+              <a:t>21/04/2016</a:t>
             </a:fld>
             <a:endParaRPr lang="it-IT"/>
           </a:p>
@@ -17750,7 +17795,7 @@
           <a:p>
             <a:fld id="{1C81553D-C06C-4547-89DD-1DAEE2D6FC72}" type="datetimeFigureOut">
               <a:rPr lang="it-IT" smtClean="0"/>
-              <a:t>31/03/2016</a:t>
+              <a:t>21/04/2016</a:t>
             </a:fld>
             <a:endParaRPr lang="it-IT"/>
           </a:p>
@@ -17998,7 +18043,7 @@
           <a:p>
             <a:fld id="{1C81553D-C06C-4547-89DD-1DAEE2D6FC72}" type="datetimeFigureOut">
               <a:rPr lang="it-IT" smtClean="0"/>
-              <a:t>31/03/2016</a:t>
+              <a:t>21/04/2016</a:t>
             </a:fld>
             <a:endParaRPr lang="it-IT"/>
           </a:p>
@@ -18538,7 +18583,7 @@
           <a:p>
             <a:fld id="{1C81553D-C06C-4547-89DD-1DAEE2D6FC72}" type="datetimeFigureOut">
               <a:rPr lang="it-IT" smtClean="0"/>
-              <a:t>31/03/2016</a:t>
+              <a:t>21/04/2016</a:t>
             </a:fld>
             <a:endParaRPr lang="it-IT"/>
           </a:p>
@@ -18786,7 +18831,7 @@
           <a:p>
             <a:fld id="{1C81553D-C06C-4547-89DD-1DAEE2D6FC72}" type="datetimeFigureOut">
               <a:rPr lang="it-IT" smtClean="0"/>
-              <a:t>31/03/2016</a:t>
+              <a:t>21/04/2016</a:t>
             </a:fld>
             <a:endParaRPr lang="it-IT"/>
           </a:p>
@@ -19228,7 +19273,7 @@
           <a:p>
             <a:fld id="{1C81553D-C06C-4547-89DD-1DAEE2D6FC72}" type="datetimeFigureOut">
               <a:rPr lang="it-IT" smtClean="0"/>
-              <a:t>31/03/2016</a:t>
+              <a:t>21/04/2016</a:t>
             </a:fld>
             <a:endParaRPr lang="it-IT"/>
           </a:p>
@@ -19760,7 +19805,7 @@
           <a:p>
             <a:fld id="{1C81553D-C06C-4547-89DD-1DAEE2D6FC72}" type="datetimeFigureOut">
               <a:rPr lang="it-IT" smtClean="0"/>
-              <a:t>31/03/2016</a:t>
+              <a:t>21/04/2016</a:t>
             </a:fld>
             <a:endParaRPr lang="it-IT"/>
           </a:p>
@@ -20057,7 +20102,7 @@
           <a:p>
             <a:fld id="{1C81553D-C06C-4547-89DD-1DAEE2D6FC72}" type="datetimeFigureOut">
               <a:rPr lang="it-IT" smtClean="0"/>
-              <a:t>31/03/2016</a:t>
+              <a:t>21/04/2016</a:t>
             </a:fld>
             <a:endParaRPr lang="it-IT"/>
           </a:p>
@@ -20231,7 +20276,7 @@
           <a:p>
             <a:fld id="{1C81553D-C06C-4547-89DD-1DAEE2D6FC72}" type="datetimeFigureOut">
               <a:rPr lang="it-IT" smtClean="0"/>
-              <a:t>31/03/2016</a:t>
+              <a:t>21/04/2016</a:t>
             </a:fld>
             <a:endParaRPr lang="it-IT"/>
           </a:p>
@@ -20411,7 +20456,7 @@
           <a:p>
             <a:fld id="{1C81553D-C06C-4547-89DD-1DAEE2D6FC72}" type="datetimeFigureOut">
               <a:rPr lang="it-IT" smtClean="0"/>
-              <a:t>31/03/2016</a:t>
+              <a:t>21/04/2016</a:t>
             </a:fld>
             <a:endParaRPr lang="it-IT"/>
           </a:p>
@@ -20974,7 +21019,7 @@
           <a:p>
             <a:fld id="{1C81553D-C06C-4547-89DD-1DAEE2D6FC72}" type="datetimeFigureOut">
               <a:rPr lang="it-IT" smtClean="0"/>
-              <a:t>31/03/2016</a:t>
+              <a:t>21/04/2016</a:t>
             </a:fld>
             <a:endParaRPr lang="it-IT"/>
           </a:p>
@@ -21149,7 +21194,7 @@
           <a:p>
             <a:fld id="{1C81553D-C06C-4547-89DD-1DAEE2D6FC72}" type="datetimeFigureOut">
               <a:rPr lang="it-IT" smtClean="0"/>
-              <a:t>31/03/2016</a:t>
+              <a:t>21/04/2016</a:t>
             </a:fld>
             <a:endParaRPr lang="it-IT"/>
           </a:p>
@@ -21400,7 +21445,7 @@
           <a:p>
             <a:fld id="{1C81553D-C06C-4547-89DD-1DAEE2D6FC72}" type="datetimeFigureOut">
               <a:rPr lang="it-IT" smtClean="0"/>
-              <a:t>31/03/2016</a:t>
+              <a:t>21/04/2016</a:t>
             </a:fld>
             <a:endParaRPr lang="it-IT"/>
           </a:p>
@@ -21697,7 +21742,7 @@
           <a:p>
             <a:fld id="{1C81553D-C06C-4547-89DD-1DAEE2D6FC72}" type="datetimeFigureOut">
               <a:rPr lang="it-IT" smtClean="0"/>
-              <a:t>31/03/2016</a:t>
+              <a:t>21/04/2016</a:t>
             </a:fld>
             <a:endParaRPr lang="it-IT"/>
           </a:p>
@@ -22139,7 +22184,7 @@
           <a:p>
             <a:fld id="{1C81553D-C06C-4547-89DD-1DAEE2D6FC72}" type="datetimeFigureOut">
               <a:rPr lang="it-IT" smtClean="0"/>
-              <a:t>31/03/2016</a:t>
+              <a:t>21/04/2016</a:t>
             </a:fld>
             <a:endParaRPr lang="it-IT"/>
           </a:p>
@@ -22257,7 +22302,7 @@
           <a:p>
             <a:fld id="{1C81553D-C06C-4547-89DD-1DAEE2D6FC72}" type="datetimeFigureOut">
               <a:rPr lang="it-IT" smtClean="0"/>
-              <a:t>31/03/2016</a:t>
+              <a:t>21/04/2016</a:t>
             </a:fld>
             <a:endParaRPr lang="it-IT"/>
           </a:p>
@@ -22375,7 +22420,7 @@
           <a:p>
             <a:fld id="{1C81553D-C06C-4547-89DD-1DAEE2D6FC72}" type="datetimeFigureOut">
               <a:rPr lang="it-IT" smtClean="0"/>
-              <a:t>31/03/2016</a:t>
+              <a:t>21/04/2016</a:t>
             </a:fld>
             <a:endParaRPr lang="it-IT"/>
           </a:p>
@@ -22470,7 +22515,7 @@
           <a:p>
             <a:fld id="{1C81553D-C06C-4547-89DD-1DAEE2D6FC72}" type="datetimeFigureOut">
               <a:rPr lang="it-IT" smtClean="0"/>
-              <a:t>31/03/2016</a:t>
+              <a:t>21/04/2016</a:t>
             </a:fld>
             <a:endParaRPr lang="it-IT"/>
           </a:p>
@@ -22753,7 +22798,7 @@
           <a:p>
             <a:fld id="{1C81553D-C06C-4547-89DD-1DAEE2D6FC72}" type="datetimeFigureOut">
               <a:rPr lang="it-IT" smtClean="0"/>
-              <a:t>31/03/2016</a:t>
+              <a:t>21/04/2016</a:t>
             </a:fld>
             <a:endParaRPr lang="it-IT"/>
           </a:p>
@@ -23044,7 +23089,7 @@
           <a:p>
             <a:fld id="{1C81553D-C06C-4547-89DD-1DAEE2D6FC72}" type="datetimeFigureOut">
               <a:rPr lang="it-IT" smtClean="0"/>
-              <a:t>31/03/2016</a:t>
+              <a:t>21/04/2016</a:t>
             </a:fld>
             <a:endParaRPr lang="it-IT"/>
           </a:p>
@@ -23335,7 +23380,7 @@
           <a:p>
             <a:fld id="{1C81553D-C06C-4547-89DD-1DAEE2D6FC72}" type="datetimeFigureOut">
               <a:rPr lang="it-IT" smtClean="0"/>
-              <a:t>31/03/2016</a:t>
+              <a:t>21/04/2016</a:t>
             </a:fld>
             <a:endParaRPr lang="it-IT"/>
           </a:p>
@@ -23583,7 +23628,7 @@
           <a:p>
             <a:fld id="{1C81553D-C06C-4547-89DD-1DAEE2D6FC72}" type="datetimeFigureOut">
               <a:rPr lang="it-IT" smtClean="0"/>
-              <a:t>31/03/2016</a:t>
+              <a:t>21/04/2016</a:t>
             </a:fld>
             <a:endParaRPr lang="it-IT"/>
           </a:p>
@@ -24123,7 +24168,7 @@
           <a:p>
             <a:fld id="{1C81553D-C06C-4547-89DD-1DAEE2D6FC72}" type="datetimeFigureOut">
               <a:rPr lang="it-IT" smtClean="0"/>
-              <a:t>31/03/2016</a:t>
+              <a:t>21/04/2016</a:t>
             </a:fld>
             <a:endParaRPr lang="it-IT"/>
           </a:p>
@@ -24371,7 +24416,7 @@
           <a:p>
             <a:fld id="{1C81553D-C06C-4547-89DD-1DAEE2D6FC72}" type="datetimeFigureOut">
               <a:rPr lang="it-IT" smtClean="0"/>
-              <a:t>31/03/2016</a:t>
+              <a:t>21/04/2016</a:t>
             </a:fld>
             <a:endParaRPr lang="it-IT"/>
           </a:p>
@@ -24903,7 +24948,7 @@
           <a:p>
             <a:fld id="{1C81553D-C06C-4547-89DD-1DAEE2D6FC72}" type="datetimeFigureOut">
               <a:rPr lang="it-IT" smtClean="0"/>
-              <a:t>31/03/2016</a:t>
+              <a:t>21/04/2016</a:t>
             </a:fld>
             <a:endParaRPr lang="it-IT"/>
           </a:p>
@@ -25200,7 +25245,7 @@
           <a:p>
             <a:fld id="{1C81553D-C06C-4547-89DD-1DAEE2D6FC72}" type="datetimeFigureOut">
               <a:rPr lang="it-IT" smtClean="0"/>
-              <a:t>31/03/2016</a:t>
+              <a:t>21/04/2016</a:t>
             </a:fld>
             <a:endParaRPr lang="it-IT"/>
           </a:p>
@@ -25374,7 +25419,7 @@
           <a:p>
             <a:fld id="{1C81553D-C06C-4547-89DD-1DAEE2D6FC72}" type="datetimeFigureOut">
               <a:rPr lang="it-IT" smtClean="0"/>
-              <a:t>31/03/2016</a:t>
+              <a:t>21/04/2016</a:t>
             </a:fld>
             <a:endParaRPr lang="it-IT"/>
           </a:p>
@@ -25469,7 +25514,7 @@
           <a:p>
             <a:fld id="{1C81553D-C06C-4547-89DD-1DAEE2D6FC72}" type="datetimeFigureOut">
               <a:rPr lang="it-IT" smtClean="0"/>
-              <a:t>31/03/2016</a:t>
+              <a:t>21/04/2016</a:t>
             </a:fld>
             <a:endParaRPr lang="it-IT"/>
           </a:p>
@@ -25649,7 +25694,7 @@
           <a:p>
             <a:fld id="{1C81553D-C06C-4547-89DD-1DAEE2D6FC72}" type="datetimeFigureOut">
               <a:rPr lang="it-IT" smtClean="0"/>
-              <a:t>31/03/2016</a:t>
+              <a:t>21/04/2016</a:t>
             </a:fld>
             <a:endParaRPr lang="it-IT"/>
           </a:p>
@@ -25932,7 +25977,7 @@
           <a:p>
             <a:fld id="{1C81553D-C06C-4547-89DD-1DAEE2D6FC72}" type="datetimeFigureOut">
               <a:rPr lang="it-IT" smtClean="0"/>
-              <a:t>31/03/2016</a:t>
+              <a:t>21/04/2016</a:t>
             </a:fld>
             <a:endParaRPr lang="it-IT"/>
           </a:p>
@@ -26223,7 +26268,7 @@
           <a:p>
             <a:fld id="{1C81553D-C06C-4547-89DD-1DAEE2D6FC72}" type="datetimeFigureOut">
               <a:rPr lang="it-IT" smtClean="0"/>
-              <a:t>31/03/2016</a:t>
+              <a:t>21/04/2016</a:t>
             </a:fld>
             <a:endParaRPr lang="it-IT"/>
           </a:p>
@@ -26753,7 +26798,7 @@
           <a:p>
             <a:fld id="{1C81553D-C06C-4547-89DD-1DAEE2D6FC72}" type="datetimeFigureOut">
               <a:rPr lang="it-IT" smtClean="0"/>
-              <a:t>31/03/2016</a:t>
+              <a:t>21/04/2016</a:t>
             </a:fld>
             <a:endParaRPr lang="it-IT"/>
           </a:p>
@@ -28053,7 +28098,7 @@
           <a:p>
             <a:fld id="{1C81553D-C06C-4547-89DD-1DAEE2D6FC72}" type="datetimeFigureOut">
               <a:rPr lang="it-IT" smtClean="0"/>
-              <a:t>31/03/2016</a:t>
+              <a:t>21/04/2016</a:t>
             </a:fld>
             <a:endParaRPr lang="it-IT"/>
           </a:p>
@@ -29036,7 +29081,7 @@
           <a:p>
             <a:fld id="{1C81553D-C06C-4547-89DD-1DAEE2D6FC72}" type="datetimeFigureOut">
               <a:rPr lang="it-IT" smtClean="0"/>
-              <a:t>31/03/2016</a:t>
+              <a:t>21/04/2016</a:t>
             </a:fld>
             <a:endParaRPr lang="it-IT"/>
           </a:p>
@@ -30019,7 +30064,7 @@
           <a:p>
             <a:fld id="{1C81553D-C06C-4547-89DD-1DAEE2D6FC72}" type="datetimeFigureOut">
               <a:rPr lang="it-IT" smtClean="0"/>
-              <a:t>31/03/2016</a:t>
+              <a:t>21/04/2016</a:t>
             </a:fld>
             <a:endParaRPr lang="it-IT"/>
           </a:p>
@@ -30633,8 +30678,9 @@
           <a:p>
             <a:r>
               <a:rPr lang="it-IT" dirty="0" smtClean="0"/>
-              <a:t>Xx-04-2016</a:t>
-            </a:r>
+              <a:t>28-04-2016</a:t>
+            </a:r>
+            <a:endParaRPr lang="it-IT" dirty="0" smtClean="0"/>
           </a:p>
         </p:txBody>
       </p:sp>
@@ -30642,6 +30688,4217 @@
     <p:extLst>
       <p:ext uri="{BB962C8B-B14F-4D97-AF65-F5344CB8AC3E}">
         <p14:creationId xmlns:p14="http://schemas.microsoft.com/office/powerpoint/2010/main" val="572896413"/>
+      </p:ext>
+    </p:extLst>
+  </p:cSld>
+  <p:clrMapOvr>
+    <a:masterClrMapping/>
+  </p:clrMapOvr>
+  <p:timing>
+    <p:tnLst>
+      <p:par>
+        <p:cTn id="1" dur="indefinite" restart="never" nodeType="tmRoot"/>
+      </p:par>
+    </p:tnLst>
+  </p:timing>
+</p:sld>
+</file>
+
+<file path=ppt/slides/slide10.xml><?xml version="1.0" encoding="utf-8"?>
+<p:sld xmlns:a="http://schemas.openxmlformats.org/drawingml/2006/main" xmlns:r="http://schemas.openxmlformats.org/officeDocument/2006/relationships" xmlns:p="http://schemas.openxmlformats.org/presentationml/2006/main">
+  <p:cSld>
+    <p:spTree>
+      <p:nvGrpSpPr>
+        <p:cNvPr id="1" name=""/>
+        <p:cNvGrpSpPr/>
+        <p:nvPr/>
+      </p:nvGrpSpPr>
+      <p:grpSpPr>
+        <a:xfrm>
+          <a:off x="0" y="0"/>
+          <a:ext cx="0" cy="0"/>
+          <a:chOff x="0" y="0"/>
+          <a:chExt cx="0" cy="0"/>
+        </a:xfrm>
+      </p:grpSpPr>
+      <p:sp>
+        <p:nvSpPr>
+          <p:cNvPr id="2" name="Titolo 1"/>
+          <p:cNvSpPr>
+            <a:spLocks noGrp="1"/>
+          </p:cNvSpPr>
+          <p:nvPr>
+            <p:ph type="title"/>
+          </p:nvPr>
+        </p:nvSpPr>
+        <p:spPr/>
+        <p:txBody>
+          <a:bodyPr/>
+          <a:lstStyle/>
+          <a:p>
+            <a:r>
+              <a:rPr lang="it-IT" dirty="0" smtClean="0"/>
+              <a:t>Le funzioni</a:t>
+            </a:r>
+            <a:endParaRPr lang="it-IT" dirty="0"/>
+          </a:p>
+        </p:txBody>
+      </p:sp>
+      <p:sp>
+        <p:nvSpPr>
+          <p:cNvPr id="3" name="Segnaposto contenuto 2"/>
+          <p:cNvSpPr>
+            <a:spLocks noGrp="1"/>
+          </p:cNvSpPr>
+          <p:nvPr>
+            <p:ph idx="1"/>
+          </p:nvPr>
+        </p:nvSpPr>
+        <p:spPr/>
+        <p:txBody>
+          <a:bodyPr/>
+          <a:lstStyle/>
+          <a:p>
+            <a:r>
+              <a:rPr lang="it-IT" dirty="0" smtClean="0"/>
+              <a:t>Definiremo l’intero programma all’interno del file Logica.js.</a:t>
+            </a:r>
+          </a:p>
+          <a:p>
+            <a:r>
+              <a:rPr lang="it-IT" dirty="0" smtClean="0"/>
+              <a:t>Iniziamo dalla prima funzione ( chiamata </a:t>
+            </a:r>
+            <a:r>
+              <a:rPr lang="it-IT" dirty="0" err="1" smtClean="0"/>
+              <a:t>rules</a:t>
+            </a:r>
+            <a:r>
+              <a:rPr lang="it-IT" dirty="0" smtClean="0"/>
+              <a:t>()) che come vedete è </a:t>
+            </a:r>
+            <a:r>
+              <a:rPr lang="it-IT" dirty="0"/>
+              <a:t>richiamata tramite la stringa &lt;body </a:t>
+            </a:r>
+            <a:r>
+              <a:rPr lang="it-IT" dirty="0" err="1"/>
+              <a:t>onload</a:t>
+            </a:r>
+            <a:r>
+              <a:rPr lang="it-IT" dirty="0"/>
+              <a:t>="</a:t>
+            </a:r>
+            <a:r>
+              <a:rPr lang="it-IT" dirty="0" err="1"/>
+              <a:t>rules</a:t>
+            </a:r>
+            <a:r>
+              <a:rPr lang="it-IT" dirty="0" smtClean="0"/>
+              <a:t>()"&gt; nel file index.html.</a:t>
+            </a:r>
+            <a:endParaRPr lang="it-IT" dirty="0"/>
+          </a:p>
+        </p:txBody>
+      </p:sp>
+    </p:spTree>
+    <p:extLst>
+      <p:ext uri="{BB962C8B-B14F-4D97-AF65-F5344CB8AC3E}">
+        <p14:creationId xmlns:p14="http://schemas.microsoft.com/office/powerpoint/2010/main" val="3306605119"/>
+      </p:ext>
+    </p:extLst>
+  </p:cSld>
+  <p:clrMapOvr>
+    <a:masterClrMapping/>
+  </p:clrMapOvr>
+  <p:timing>
+    <p:tnLst>
+      <p:par>
+        <p:cTn id="1" dur="indefinite" restart="never" nodeType="tmRoot"/>
+      </p:par>
+    </p:tnLst>
+  </p:timing>
+</p:sld>
+</file>
+
+<file path=ppt/slides/slide11.xml><?xml version="1.0" encoding="utf-8"?>
+<p:sld xmlns:a="http://schemas.openxmlformats.org/drawingml/2006/main" xmlns:r="http://schemas.openxmlformats.org/officeDocument/2006/relationships" xmlns:p="http://schemas.openxmlformats.org/presentationml/2006/main">
+  <p:cSld>
+    <p:spTree>
+      <p:nvGrpSpPr>
+        <p:cNvPr id="1" name=""/>
+        <p:cNvGrpSpPr/>
+        <p:nvPr/>
+      </p:nvGrpSpPr>
+      <p:grpSpPr>
+        <a:xfrm>
+          <a:off x="0" y="0"/>
+          <a:ext cx="0" cy="0"/>
+          <a:chOff x="0" y="0"/>
+          <a:chExt cx="0" cy="0"/>
+        </a:xfrm>
+      </p:grpSpPr>
+      <p:sp>
+        <p:nvSpPr>
+          <p:cNvPr id="2" name="Titolo 1"/>
+          <p:cNvSpPr>
+            <a:spLocks noGrp="1"/>
+          </p:cNvSpPr>
+          <p:nvPr>
+            <p:ph type="title"/>
+          </p:nvPr>
+        </p:nvSpPr>
+        <p:spPr/>
+        <p:txBody>
+          <a:bodyPr/>
+          <a:lstStyle/>
+          <a:p>
+            <a:r>
+              <a:rPr lang="it-IT" dirty="0" smtClean="0"/>
+              <a:t>Funzione </a:t>
+            </a:r>
+            <a:r>
+              <a:rPr lang="it-IT" dirty="0" err="1" smtClean="0"/>
+              <a:t>Rules</a:t>
+            </a:r>
+            <a:r>
+              <a:rPr lang="it-IT" dirty="0" smtClean="0"/>
+              <a:t>()</a:t>
+            </a:r>
+            <a:br>
+              <a:rPr lang="it-IT" dirty="0" smtClean="0"/>
+            </a:br>
+            <a:endParaRPr lang="it-IT" dirty="0"/>
+          </a:p>
+        </p:txBody>
+      </p:sp>
+      <p:sp>
+        <p:nvSpPr>
+          <p:cNvPr id="4" name="Segnaposto contenuto 3"/>
+          <p:cNvSpPr>
+            <a:spLocks noGrp="1"/>
+          </p:cNvSpPr>
+          <p:nvPr>
+            <p:ph sz="half" idx="1"/>
+          </p:nvPr>
+        </p:nvSpPr>
+        <p:spPr/>
+        <p:txBody>
+          <a:bodyPr>
+            <a:normAutofit fontScale="85000" lnSpcReduction="20000"/>
+          </a:bodyPr>
+          <a:lstStyle/>
+          <a:p>
+            <a:pPr marL="0" indent="0">
+              <a:buNone/>
+            </a:pPr>
+            <a:r>
+              <a:rPr lang="it-IT" b="1" dirty="0" err="1"/>
+              <a:t>function</a:t>
+            </a:r>
+            <a:r>
+              <a:rPr lang="it-IT" dirty="0"/>
+              <a:t> </a:t>
+            </a:r>
+            <a:r>
+              <a:rPr lang="it-IT" dirty="0" err="1"/>
+              <a:t>rules</a:t>
+            </a:r>
+            <a:r>
+              <a:rPr lang="it-IT" b="1" dirty="0"/>
+              <a:t>()</a:t>
+            </a:r>
+            <a:r>
+              <a:rPr lang="it-IT" dirty="0"/>
+              <a:t> </a:t>
+            </a:r>
+            <a:r>
+              <a:rPr lang="it-IT" b="1" dirty="0"/>
+              <a:t>{</a:t>
+            </a:r>
+            <a:endParaRPr lang="it-IT" dirty="0"/>
+          </a:p>
+          <a:p>
+            <a:pPr marL="0" indent="0">
+              <a:buNone/>
+            </a:pPr>
+            <a:r>
+              <a:rPr lang="it-IT" dirty="0"/>
+              <a:t>	</a:t>
+            </a:r>
+            <a:r>
+              <a:rPr lang="it-IT" b="1" dirty="0" err="1"/>
+              <a:t>var</a:t>
+            </a:r>
+            <a:r>
+              <a:rPr lang="it-IT" dirty="0"/>
+              <a:t> </a:t>
+            </a:r>
+            <a:r>
+              <a:rPr lang="it-IT" dirty="0" err="1"/>
+              <a:t>rules</a:t>
+            </a:r>
+            <a:r>
+              <a:rPr lang="it-IT" b="1" dirty="0"/>
+              <a:t>=</a:t>
+            </a:r>
+            <a:r>
+              <a:rPr lang="it-IT" dirty="0"/>
+              <a:t>"Premere sui pulsanti nella stessa sequenza in cui si spengono\n Il gioco inizierà appena chiusa questa finestra!\n Inserisci il tuo nome:"</a:t>
+            </a:r>
+            <a:r>
+              <a:rPr lang="it-IT" b="1" dirty="0"/>
+              <a:t>;</a:t>
+            </a:r>
+            <a:endParaRPr lang="it-IT" dirty="0"/>
+          </a:p>
+          <a:p>
+            <a:pPr marL="0" indent="0">
+              <a:buNone/>
+            </a:pPr>
+            <a:r>
+              <a:rPr lang="it-IT" dirty="0"/>
+              <a:t>	</a:t>
+            </a:r>
+            <a:r>
+              <a:rPr lang="it-IT" b="1" dirty="0" err="1"/>
+              <a:t>var</a:t>
+            </a:r>
+            <a:r>
+              <a:rPr lang="it-IT" dirty="0"/>
+              <a:t> nome </a:t>
+            </a:r>
+            <a:r>
+              <a:rPr lang="it-IT" b="1" dirty="0"/>
+              <a:t>=</a:t>
+            </a:r>
+            <a:r>
+              <a:rPr lang="it-IT" dirty="0"/>
+              <a:t> </a:t>
+            </a:r>
+            <a:r>
+              <a:rPr lang="it-IT" b="1" dirty="0" err="1"/>
+              <a:t>prompt</a:t>
+            </a:r>
+            <a:r>
+              <a:rPr lang="it-IT" b="1" dirty="0"/>
+              <a:t>(</a:t>
+            </a:r>
+            <a:r>
+              <a:rPr lang="it-IT" dirty="0" err="1"/>
+              <a:t>rules</a:t>
+            </a:r>
+            <a:r>
+              <a:rPr lang="it-IT" b="1" dirty="0"/>
+              <a:t>);</a:t>
+            </a:r>
+            <a:endParaRPr lang="it-IT" dirty="0"/>
+          </a:p>
+          <a:p>
+            <a:pPr marL="0" indent="0">
+              <a:buNone/>
+            </a:pPr>
+            <a:r>
+              <a:rPr lang="it-IT" dirty="0"/>
+              <a:t>	nome </a:t>
+            </a:r>
+            <a:r>
+              <a:rPr lang="it-IT" b="1" dirty="0"/>
+              <a:t>=</a:t>
+            </a:r>
+            <a:r>
+              <a:rPr lang="it-IT" dirty="0"/>
+              <a:t> </a:t>
+            </a:r>
+            <a:r>
+              <a:rPr lang="it-IT" b="1" dirty="0"/>
+              <a:t>((</a:t>
+            </a:r>
+            <a:r>
+              <a:rPr lang="it-IT" dirty="0"/>
+              <a:t>nome</a:t>
+            </a:r>
+            <a:r>
+              <a:rPr lang="it-IT" b="1" dirty="0"/>
+              <a:t>==</a:t>
+            </a:r>
+            <a:r>
+              <a:rPr lang="it-IT" b="1" dirty="0" err="1"/>
+              <a:t>null</a:t>
+            </a:r>
+            <a:r>
+              <a:rPr lang="it-IT" b="1" dirty="0"/>
+              <a:t>)</a:t>
+            </a:r>
+            <a:r>
+              <a:rPr lang="it-IT" dirty="0"/>
+              <a:t> </a:t>
+            </a:r>
+            <a:r>
+              <a:rPr lang="it-IT" b="1" dirty="0"/>
+              <a:t>?</a:t>
+            </a:r>
+            <a:r>
+              <a:rPr lang="it-IT" dirty="0"/>
+              <a:t> 'Ospite' </a:t>
+            </a:r>
+            <a:r>
+              <a:rPr lang="it-IT" b="1" dirty="0"/>
+              <a:t>:</a:t>
+            </a:r>
+            <a:r>
+              <a:rPr lang="it-IT" dirty="0"/>
+              <a:t> nome</a:t>
+            </a:r>
+            <a:r>
+              <a:rPr lang="it-IT" b="1" dirty="0"/>
+              <a:t>);</a:t>
+            </a:r>
+            <a:endParaRPr lang="it-IT" dirty="0"/>
+          </a:p>
+          <a:p>
+            <a:pPr marL="0" indent="0">
+              <a:buNone/>
+            </a:pPr>
+            <a:r>
+              <a:rPr lang="it-IT" dirty="0"/>
+              <a:t>	</a:t>
+            </a:r>
+            <a:r>
+              <a:rPr lang="it-IT" b="1" dirty="0" err="1"/>
+              <a:t>document.</a:t>
+            </a:r>
+            <a:r>
+              <a:rPr lang="it-IT" dirty="0" err="1"/>
+              <a:t>getElementById</a:t>
+            </a:r>
+            <a:r>
+              <a:rPr lang="it-IT" b="1" dirty="0"/>
+              <a:t>(</a:t>
+            </a:r>
+            <a:r>
+              <a:rPr lang="it-IT" dirty="0"/>
+              <a:t>"nome"</a:t>
+            </a:r>
+            <a:r>
+              <a:rPr lang="it-IT" b="1" dirty="0"/>
+              <a:t>).</a:t>
+            </a:r>
+            <a:r>
+              <a:rPr lang="it-IT" dirty="0" err="1"/>
+              <a:t>innerHTML</a:t>
+            </a:r>
+            <a:r>
+              <a:rPr lang="it-IT" dirty="0"/>
+              <a:t> </a:t>
+            </a:r>
+            <a:r>
+              <a:rPr lang="it-IT" b="1" dirty="0"/>
+              <a:t>=</a:t>
+            </a:r>
+            <a:r>
+              <a:rPr lang="it-IT" dirty="0"/>
+              <a:t> </a:t>
+            </a:r>
+            <a:r>
+              <a:rPr lang="it-IT" b="1" dirty="0" err="1"/>
+              <a:t>document.</a:t>
+            </a:r>
+            <a:r>
+              <a:rPr lang="it-IT" dirty="0" err="1"/>
+              <a:t>getElementById</a:t>
+            </a:r>
+            <a:r>
+              <a:rPr lang="it-IT" b="1" dirty="0"/>
+              <a:t>(</a:t>
+            </a:r>
+            <a:r>
+              <a:rPr lang="it-IT" dirty="0"/>
+              <a:t>"nome"</a:t>
+            </a:r>
+            <a:r>
+              <a:rPr lang="it-IT" b="1" dirty="0"/>
+              <a:t>).</a:t>
+            </a:r>
+            <a:r>
+              <a:rPr lang="it-IT" dirty="0" err="1"/>
+              <a:t>innerHTML</a:t>
+            </a:r>
+            <a:r>
+              <a:rPr lang="it-IT" b="1" dirty="0" err="1"/>
+              <a:t>.</a:t>
+            </a:r>
+            <a:r>
+              <a:rPr lang="it-IT" dirty="0" err="1"/>
+              <a:t>concat</a:t>
+            </a:r>
+            <a:r>
+              <a:rPr lang="it-IT" b="1" dirty="0"/>
+              <a:t>(</a:t>
+            </a:r>
+            <a:r>
+              <a:rPr lang="it-IT" dirty="0"/>
+              <a:t>nome</a:t>
+            </a:r>
+            <a:r>
+              <a:rPr lang="it-IT" b="1" dirty="0"/>
+              <a:t>);</a:t>
+            </a:r>
+            <a:endParaRPr lang="it-IT" dirty="0"/>
+          </a:p>
+          <a:p>
+            <a:pPr marL="0" indent="0">
+              <a:buNone/>
+            </a:pPr>
+            <a:r>
+              <a:rPr lang="it-IT" dirty="0"/>
+              <a:t>	</a:t>
+            </a:r>
+            <a:r>
+              <a:rPr lang="it-IT" dirty="0" err="1"/>
+              <a:t>inizio_gioco</a:t>
+            </a:r>
+            <a:r>
+              <a:rPr lang="it-IT" b="1" dirty="0"/>
+              <a:t>();</a:t>
+            </a:r>
+            <a:endParaRPr lang="it-IT" dirty="0"/>
+          </a:p>
+          <a:p>
+            <a:pPr marL="0" indent="0">
+              <a:buNone/>
+            </a:pPr>
+            <a:r>
+              <a:rPr lang="it-IT" b="1" dirty="0"/>
+              <a:t>}</a:t>
+            </a:r>
+            <a:endParaRPr lang="it-IT" dirty="0"/>
+          </a:p>
+          <a:p>
+            <a:endParaRPr lang="it-IT" dirty="0"/>
+          </a:p>
+        </p:txBody>
+      </p:sp>
+      <p:sp>
+        <p:nvSpPr>
+          <p:cNvPr id="5" name="Segnaposto contenuto 4"/>
+          <p:cNvSpPr>
+            <a:spLocks noGrp="1"/>
+          </p:cNvSpPr>
+          <p:nvPr>
+            <p:ph sz="half" idx="2"/>
+          </p:nvPr>
+        </p:nvSpPr>
+        <p:spPr/>
+        <p:txBody>
+          <a:bodyPr>
+            <a:normAutofit fontScale="85000" lnSpcReduction="20000"/>
+          </a:bodyPr>
+          <a:lstStyle/>
+          <a:p>
+            <a:r>
+              <a:rPr lang="it-IT" dirty="0" smtClean="0"/>
+              <a:t>Osserviamo la funzione:</a:t>
+            </a:r>
+          </a:p>
+          <a:p>
+            <a:pPr marL="342900" indent="-342900">
+              <a:buFont typeface="+mj-lt"/>
+              <a:buAutoNum type="arabicPeriod"/>
+            </a:pPr>
+            <a:r>
+              <a:rPr lang="it-IT" dirty="0" smtClean="0"/>
+              <a:t>Nella variabile </a:t>
+            </a:r>
+            <a:r>
+              <a:rPr lang="it-IT" dirty="0" err="1" smtClean="0"/>
+              <a:t>rules</a:t>
+            </a:r>
+            <a:r>
+              <a:rPr lang="it-IT" dirty="0" smtClean="0"/>
+              <a:t> definiamo il testo che apparirà a schermo.</a:t>
+            </a:r>
+          </a:p>
+          <a:p>
+            <a:pPr marL="342900" indent="-342900">
+              <a:buFont typeface="+mj-lt"/>
+              <a:buAutoNum type="arabicPeriod"/>
+            </a:pPr>
+            <a:r>
+              <a:rPr lang="it-IT" dirty="0" smtClean="0"/>
+              <a:t>Nella variabile nome salviamo l’input dell’utente, cioè il nome scritto nella finestra che è apparsa all’inizio del gioco.</a:t>
+            </a:r>
+          </a:p>
+          <a:p>
+            <a:pPr marL="342900" indent="-342900">
+              <a:buFont typeface="+mj-lt"/>
+              <a:buAutoNum type="arabicPeriod"/>
+            </a:pPr>
+            <a:r>
+              <a:rPr lang="it-IT" dirty="0" smtClean="0"/>
+              <a:t>Testiamo che il nome non sia vuoto, nel caso lo sia inseriamo la stringa «Ospite»</a:t>
+            </a:r>
+          </a:p>
+          <a:p>
+            <a:pPr marL="342900" indent="-342900">
+              <a:buFont typeface="+mj-lt"/>
+              <a:buAutoNum type="arabicPeriod"/>
+            </a:pPr>
+            <a:r>
+              <a:rPr lang="it-IT" dirty="0" smtClean="0"/>
+              <a:t>Scriviamo il nome all’interno della pagina html Index.</a:t>
+            </a:r>
+          </a:p>
+          <a:p>
+            <a:pPr marL="342900" indent="-342900">
+              <a:buFont typeface="+mj-lt"/>
+              <a:buAutoNum type="arabicPeriod"/>
+            </a:pPr>
+            <a:r>
+              <a:rPr lang="it-IT" dirty="0" smtClean="0"/>
+              <a:t>Richiamiamo la funzione che effettivamente da inizio al gioco!</a:t>
+            </a:r>
+            <a:endParaRPr lang="it-IT" dirty="0"/>
+          </a:p>
+        </p:txBody>
+      </p:sp>
+    </p:spTree>
+    <p:extLst>
+      <p:ext uri="{BB962C8B-B14F-4D97-AF65-F5344CB8AC3E}">
+        <p14:creationId xmlns:p14="http://schemas.microsoft.com/office/powerpoint/2010/main" val="4137878244"/>
+      </p:ext>
+    </p:extLst>
+  </p:cSld>
+  <p:clrMapOvr>
+    <a:masterClrMapping/>
+  </p:clrMapOvr>
+  <p:timing>
+    <p:tnLst>
+      <p:par>
+        <p:cTn id="1" dur="indefinite" restart="never" nodeType="tmRoot"/>
+      </p:par>
+    </p:tnLst>
+  </p:timing>
+</p:sld>
+</file>
+
+<file path=ppt/slides/slide12.xml><?xml version="1.0" encoding="utf-8"?>
+<p:sld xmlns:a="http://schemas.openxmlformats.org/drawingml/2006/main" xmlns:r="http://schemas.openxmlformats.org/officeDocument/2006/relationships" xmlns:p="http://schemas.openxmlformats.org/presentationml/2006/main">
+  <p:cSld>
+    <p:spTree>
+      <p:nvGrpSpPr>
+        <p:cNvPr id="1" name=""/>
+        <p:cNvGrpSpPr/>
+        <p:nvPr/>
+      </p:nvGrpSpPr>
+      <p:grpSpPr>
+        <a:xfrm>
+          <a:off x="0" y="0"/>
+          <a:ext cx="0" cy="0"/>
+          <a:chOff x="0" y="0"/>
+          <a:chExt cx="0" cy="0"/>
+        </a:xfrm>
+      </p:grpSpPr>
+      <p:sp>
+        <p:nvSpPr>
+          <p:cNvPr id="2" name="Titolo 1"/>
+          <p:cNvSpPr>
+            <a:spLocks noGrp="1"/>
+          </p:cNvSpPr>
+          <p:nvPr>
+            <p:ph type="title"/>
+          </p:nvPr>
+        </p:nvSpPr>
+        <p:spPr/>
+        <p:txBody>
+          <a:bodyPr/>
+          <a:lstStyle/>
+          <a:p>
+            <a:r>
+              <a:rPr lang="it-IT" dirty="0" smtClean="0"/>
+              <a:t>Funzione </a:t>
+            </a:r>
+            <a:r>
+              <a:rPr lang="it-IT" dirty="0" err="1" smtClean="0"/>
+              <a:t>inizio_gioco</a:t>
+            </a:r>
+            <a:r>
+              <a:rPr lang="it-IT" dirty="0" smtClean="0"/>
+              <a:t>()</a:t>
+            </a:r>
+            <a:endParaRPr lang="it-IT" dirty="0"/>
+          </a:p>
+        </p:txBody>
+      </p:sp>
+      <p:sp>
+        <p:nvSpPr>
+          <p:cNvPr id="3" name="Segnaposto contenuto 2"/>
+          <p:cNvSpPr>
+            <a:spLocks noGrp="1"/>
+          </p:cNvSpPr>
+          <p:nvPr>
+            <p:ph sz="half" idx="1"/>
+          </p:nvPr>
+        </p:nvSpPr>
+        <p:spPr/>
+        <p:txBody>
+          <a:bodyPr>
+            <a:normAutofit fontScale="92500" lnSpcReduction="10000"/>
+          </a:bodyPr>
+          <a:lstStyle/>
+          <a:p>
+            <a:pPr marL="0" indent="0">
+              <a:buNone/>
+            </a:pPr>
+            <a:r>
+              <a:rPr lang="it-IT" b="1" dirty="0" err="1"/>
+              <a:t>function</a:t>
+            </a:r>
+            <a:r>
+              <a:rPr lang="it-IT" dirty="0"/>
+              <a:t> </a:t>
+            </a:r>
+            <a:r>
+              <a:rPr lang="it-IT" dirty="0" err="1"/>
+              <a:t>inizio_gioco</a:t>
+            </a:r>
+            <a:r>
+              <a:rPr lang="it-IT" b="1" dirty="0"/>
+              <a:t>()</a:t>
+            </a:r>
+            <a:r>
+              <a:rPr lang="it-IT" dirty="0"/>
+              <a:t> </a:t>
+            </a:r>
+            <a:r>
+              <a:rPr lang="it-IT" b="1" dirty="0"/>
+              <a:t>{</a:t>
+            </a:r>
+            <a:endParaRPr lang="it-IT" dirty="0"/>
+          </a:p>
+          <a:p>
+            <a:pPr marL="0" indent="0">
+              <a:buNone/>
+            </a:pPr>
+            <a:r>
+              <a:rPr lang="it-IT" dirty="0"/>
+              <a:t>	punteggio</a:t>
+            </a:r>
+            <a:r>
+              <a:rPr lang="it-IT" b="1" dirty="0"/>
+              <a:t>=</a:t>
+            </a:r>
+            <a:r>
+              <a:rPr lang="it-IT" dirty="0"/>
+              <a:t>0</a:t>
+            </a:r>
+            <a:r>
+              <a:rPr lang="it-IT" b="1" dirty="0"/>
+              <a:t>;</a:t>
+            </a:r>
+            <a:endParaRPr lang="it-IT" dirty="0"/>
+          </a:p>
+          <a:p>
+            <a:pPr marL="0" indent="0">
+              <a:buNone/>
+            </a:pPr>
+            <a:r>
+              <a:rPr lang="it-IT" dirty="0"/>
+              <a:t>	volte</a:t>
+            </a:r>
+            <a:r>
+              <a:rPr lang="it-IT" b="1" dirty="0"/>
+              <a:t>=</a:t>
+            </a:r>
+            <a:r>
+              <a:rPr lang="it-IT" dirty="0"/>
+              <a:t>3</a:t>
+            </a:r>
+            <a:r>
+              <a:rPr lang="it-IT" b="1" dirty="0"/>
+              <a:t>;</a:t>
+            </a:r>
+            <a:endParaRPr lang="it-IT" dirty="0"/>
+          </a:p>
+          <a:p>
+            <a:pPr marL="0" indent="0">
+              <a:buNone/>
+            </a:pPr>
+            <a:r>
+              <a:rPr lang="it-IT" dirty="0"/>
+              <a:t>	</a:t>
+            </a:r>
+            <a:r>
+              <a:rPr lang="it-IT" dirty="0" err="1"/>
+              <a:t>aggiungiListener</a:t>
+            </a:r>
+            <a:r>
+              <a:rPr lang="it-IT" b="1" dirty="0"/>
+              <a:t>();</a:t>
+            </a:r>
+            <a:endParaRPr lang="it-IT" dirty="0"/>
+          </a:p>
+          <a:p>
+            <a:pPr marL="0" indent="0">
+              <a:buNone/>
+            </a:pPr>
+            <a:r>
+              <a:rPr lang="it-IT" dirty="0"/>
+              <a:t>	inizia</a:t>
+            </a:r>
+            <a:r>
+              <a:rPr lang="it-IT" b="1" dirty="0"/>
+              <a:t>(</a:t>
+            </a:r>
+            <a:r>
+              <a:rPr lang="it-IT" dirty="0"/>
+              <a:t>volte</a:t>
+            </a:r>
+            <a:r>
+              <a:rPr lang="it-IT" b="1" dirty="0"/>
+              <a:t>);</a:t>
+            </a:r>
+            <a:endParaRPr lang="it-IT" dirty="0"/>
+          </a:p>
+          <a:p>
+            <a:pPr marL="0" indent="0">
+              <a:buNone/>
+            </a:pPr>
+            <a:r>
+              <a:rPr lang="it-IT" b="1" dirty="0"/>
+              <a:t>}</a:t>
+            </a:r>
+            <a:endParaRPr lang="it-IT" dirty="0"/>
+          </a:p>
+        </p:txBody>
+      </p:sp>
+      <p:sp>
+        <p:nvSpPr>
+          <p:cNvPr id="4" name="Segnaposto contenuto 3"/>
+          <p:cNvSpPr>
+            <a:spLocks noGrp="1"/>
+          </p:cNvSpPr>
+          <p:nvPr>
+            <p:ph sz="half" idx="2"/>
+          </p:nvPr>
+        </p:nvSpPr>
+        <p:spPr/>
+        <p:txBody>
+          <a:bodyPr>
+            <a:normAutofit fontScale="92500" lnSpcReduction="10000"/>
+          </a:bodyPr>
+          <a:lstStyle/>
+          <a:p>
+            <a:r>
+              <a:rPr lang="it-IT" dirty="0" smtClean="0"/>
+              <a:t>La funzione di inizio gioco si occupa solamente di inizializzare le variabili esterne e fare dei controlli sui </a:t>
+            </a:r>
+            <a:r>
+              <a:rPr lang="it-IT" b="1" dirty="0" err="1" smtClean="0"/>
+              <a:t>Listener</a:t>
+            </a:r>
+            <a:r>
+              <a:rPr lang="it-IT" dirty="0" smtClean="0"/>
+              <a:t>. </a:t>
+            </a:r>
+          </a:p>
+          <a:p>
+            <a:r>
+              <a:rPr lang="it-IT" dirty="0" smtClean="0"/>
+              <a:t>Cosa sono il </a:t>
+            </a:r>
+            <a:r>
+              <a:rPr lang="it-IT" b="1" dirty="0" err="1" smtClean="0"/>
+              <a:t>Listener</a:t>
+            </a:r>
+            <a:r>
+              <a:rPr lang="it-IT" dirty="0" smtClean="0"/>
+              <a:t>? I </a:t>
+            </a:r>
+            <a:r>
+              <a:rPr lang="it-IT" b="1" dirty="0" err="1" smtClean="0"/>
+              <a:t>listener</a:t>
+            </a:r>
+            <a:r>
+              <a:rPr lang="it-IT" dirty="0" smtClean="0"/>
+              <a:t> sono ‘ascoltatori’, cioè porzioni di codice che hanno come obiettivo intercettare determinati input da parte degli utenti.</a:t>
+            </a:r>
+          </a:p>
+          <a:p>
+            <a:r>
+              <a:rPr lang="it-IT" dirty="0" smtClean="0"/>
+              <a:t>Dopo aver richiamato la funzione </a:t>
+            </a:r>
+            <a:r>
+              <a:rPr lang="it-IT" dirty="0" err="1" smtClean="0"/>
+              <a:t>aggiungiListener</a:t>
+            </a:r>
+            <a:r>
+              <a:rPr lang="it-IT" dirty="0" smtClean="0"/>
+              <a:t>(), richiamo la funzione inizia passando come parametro il numero di volte che voglio far lampeggiare un quadrato.</a:t>
+            </a:r>
+          </a:p>
+          <a:p>
+            <a:endParaRPr lang="it-IT" dirty="0" smtClean="0"/>
+          </a:p>
+        </p:txBody>
+      </p:sp>
+    </p:spTree>
+    <p:extLst>
+      <p:ext uri="{BB962C8B-B14F-4D97-AF65-F5344CB8AC3E}">
+        <p14:creationId xmlns:p14="http://schemas.microsoft.com/office/powerpoint/2010/main" val="879697751"/>
+      </p:ext>
+    </p:extLst>
+  </p:cSld>
+  <p:clrMapOvr>
+    <a:masterClrMapping/>
+  </p:clrMapOvr>
+  <p:timing>
+    <p:tnLst>
+      <p:par>
+        <p:cTn id="1" dur="indefinite" restart="never" nodeType="tmRoot"/>
+      </p:par>
+    </p:tnLst>
+  </p:timing>
+</p:sld>
+</file>
+
+<file path=ppt/slides/slide13.xml><?xml version="1.0" encoding="utf-8"?>
+<p:sld xmlns:a="http://schemas.openxmlformats.org/drawingml/2006/main" xmlns:r="http://schemas.openxmlformats.org/officeDocument/2006/relationships" xmlns:p="http://schemas.openxmlformats.org/presentationml/2006/main">
+  <p:cSld>
+    <p:spTree>
+      <p:nvGrpSpPr>
+        <p:cNvPr id="1" name=""/>
+        <p:cNvGrpSpPr/>
+        <p:nvPr/>
+      </p:nvGrpSpPr>
+      <p:grpSpPr>
+        <a:xfrm>
+          <a:off x="0" y="0"/>
+          <a:ext cx="0" cy="0"/>
+          <a:chOff x="0" y="0"/>
+          <a:chExt cx="0" cy="0"/>
+        </a:xfrm>
+      </p:grpSpPr>
+      <p:sp>
+        <p:nvSpPr>
+          <p:cNvPr id="8" name="Titolo 1"/>
+          <p:cNvSpPr txBox="1">
+            <a:spLocks/>
+          </p:cNvSpPr>
+          <p:nvPr/>
+        </p:nvSpPr>
+        <p:spPr>
+          <a:xfrm>
+            <a:off x="1484309" y="163287"/>
+            <a:ext cx="10018713" cy="659673"/>
+          </a:xfrm>
+          <a:prstGeom prst="rect">
+            <a:avLst/>
+          </a:prstGeom>
+        </p:spPr>
+        <p:txBody>
+          <a:bodyPr>
+            <a:normAutofit fontScale="97500" lnSpcReduction="10000"/>
+          </a:bodyPr>
+          <a:lstStyle>
+            <a:lvl1pPr algn="ctr" defTabSz="457200" rtl="0" eaLnBrk="1" latinLnBrk="0" hangingPunct="1">
+              <a:spcBef>
+                <a:spcPct val="0"/>
+              </a:spcBef>
+              <a:buNone/>
+              <a:defRPr sz="4000" kern="1200" cap="none">
+                <a:ln w="3175" cmpd="sng">
+                  <a:noFill/>
+                </a:ln>
+                <a:solidFill>
+                  <a:schemeClr val="tx1"/>
+                </a:solidFill>
+                <a:effectLst/>
+                <a:latin typeface="+mj-lt"/>
+                <a:ea typeface="+mj-ea"/>
+                <a:cs typeface="+mj-cs"/>
+              </a:defRPr>
+            </a:lvl1pPr>
+            <a:lvl2pPr eaLnBrk="1" hangingPunct="1">
+              <a:defRPr>
+                <a:solidFill>
+                  <a:schemeClr val="tx2"/>
+                </a:solidFill>
+              </a:defRPr>
+            </a:lvl2pPr>
+            <a:lvl3pPr eaLnBrk="1" hangingPunct="1">
+              <a:defRPr>
+                <a:solidFill>
+                  <a:schemeClr val="tx2"/>
+                </a:solidFill>
+              </a:defRPr>
+            </a:lvl3pPr>
+            <a:lvl4pPr eaLnBrk="1" hangingPunct="1">
+              <a:defRPr>
+                <a:solidFill>
+                  <a:schemeClr val="tx2"/>
+                </a:solidFill>
+              </a:defRPr>
+            </a:lvl4pPr>
+            <a:lvl5pPr eaLnBrk="1" hangingPunct="1">
+              <a:defRPr>
+                <a:solidFill>
+                  <a:schemeClr val="tx2"/>
+                </a:solidFill>
+              </a:defRPr>
+            </a:lvl5pPr>
+            <a:lvl6pPr eaLnBrk="1" hangingPunct="1">
+              <a:defRPr>
+                <a:solidFill>
+                  <a:schemeClr val="tx2"/>
+                </a:solidFill>
+              </a:defRPr>
+            </a:lvl6pPr>
+            <a:lvl7pPr eaLnBrk="1" hangingPunct="1">
+              <a:defRPr>
+                <a:solidFill>
+                  <a:schemeClr val="tx2"/>
+                </a:solidFill>
+              </a:defRPr>
+            </a:lvl7pPr>
+            <a:lvl8pPr eaLnBrk="1" hangingPunct="1">
+              <a:defRPr>
+                <a:solidFill>
+                  <a:schemeClr val="tx2"/>
+                </a:solidFill>
+              </a:defRPr>
+            </a:lvl8pPr>
+            <a:lvl9pPr eaLnBrk="1" hangingPunct="1">
+              <a:defRPr>
+                <a:solidFill>
+                  <a:schemeClr val="tx2"/>
+                </a:solidFill>
+              </a:defRPr>
+            </a:lvl9pPr>
+          </a:lstStyle>
+          <a:p>
+            <a:r>
+              <a:rPr lang="it-IT" smtClean="0"/>
+              <a:t>Funzione aggiungiListener()</a:t>
+            </a:r>
+            <a:endParaRPr lang="it-IT" dirty="0"/>
+          </a:p>
+        </p:txBody>
+      </p:sp>
+      <p:sp>
+        <p:nvSpPr>
+          <p:cNvPr id="9" name="Segnaposto contenuto 2"/>
+          <p:cNvSpPr txBox="1">
+            <a:spLocks/>
+          </p:cNvSpPr>
+          <p:nvPr/>
+        </p:nvSpPr>
+        <p:spPr>
+          <a:xfrm>
+            <a:off x="1484311" y="822960"/>
+            <a:ext cx="10018711" cy="3124201"/>
+          </a:xfrm>
+          <a:prstGeom prst="rect">
+            <a:avLst/>
+          </a:prstGeom>
+        </p:spPr>
+        <p:txBody>
+          <a:bodyPr>
+            <a:normAutofit fontScale="77500" lnSpcReduction="20000"/>
+          </a:bodyPr>
+          <a:lstStyle>
+            <a:lvl1pPr marL="285750" indent="-285750" algn="l" defTabSz="457200" rtl="0" eaLnBrk="1" latinLnBrk="0" hangingPunct="1">
+              <a:spcBef>
+                <a:spcPct val="20000"/>
+              </a:spcBef>
+              <a:spcAft>
+                <a:spcPts val="600"/>
+              </a:spcAft>
+              <a:buClr>
+                <a:schemeClr val="accent1">
+                  <a:lumMod val="75000"/>
+                </a:schemeClr>
+              </a:buClr>
+              <a:buSzPct val="145000"/>
+              <a:buFont typeface="Arial"/>
+              <a:buChar char="•"/>
+              <a:defRPr sz="2400" kern="1200" cap="none">
+                <a:solidFill>
+                  <a:schemeClr val="tx1"/>
+                </a:solidFill>
+                <a:effectLst/>
+                <a:latin typeface="+mn-lt"/>
+                <a:ea typeface="+mn-ea"/>
+                <a:cs typeface="+mn-cs"/>
+              </a:defRPr>
+            </a:lvl1pPr>
+            <a:lvl2pPr marL="742950" indent="-285750" algn="l" defTabSz="457200" rtl="0" eaLnBrk="1" latinLnBrk="0" hangingPunct="1">
+              <a:spcBef>
+                <a:spcPct val="20000"/>
+              </a:spcBef>
+              <a:spcAft>
+                <a:spcPts val="600"/>
+              </a:spcAft>
+              <a:buClr>
+                <a:schemeClr val="accent1">
+                  <a:lumMod val="75000"/>
+                </a:schemeClr>
+              </a:buClr>
+              <a:buSzPct val="145000"/>
+              <a:buFont typeface="Arial"/>
+              <a:buChar char="•"/>
+              <a:defRPr sz="2000" kern="1200" cap="none">
+                <a:solidFill>
+                  <a:schemeClr val="tx1"/>
+                </a:solidFill>
+                <a:effectLst/>
+                <a:latin typeface="+mn-lt"/>
+                <a:ea typeface="+mn-ea"/>
+                <a:cs typeface="+mn-cs"/>
+              </a:defRPr>
+            </a:lvl2pPr>
+            <a:lvl3pPr marL="1200150" indent="-285750" algn="l" defTabSz="457200" rtl="0" eaLnBrk="1" latinLnBrk="0" hangingPunct="1">
+              <a:spcBef>
+                <a:spcPct val="20000"/>
+              </a:spcBef>
+              <a:spcAft>
+                <a:spcPts val="600"/>
+              </a:spcAft>
+              <a:buClr>
+                <a:schemeClr val="accent1">
+                  <a:lumMod val="75000"/>
+                </a:schemeClr>
+              </a:buClr>
+              <a:buSzPct val="145000"/>
+              <a:buFont typeface="Arial"/>
+              <a:buChar char="•"/>
+              <a:defRPr sz="1800" kern="1200" cap="none">
+                <a:solidFill>
+                  <a:schemeClr val="tx1"/>
+                </a:solidFill>
+                <a:effectLst/>
+                <a:latin typeface="+mn-lt"/>
+                <a:ea typeface="+mn-ea"/>
+                <a:cs typeface="+mn-cs"/>
+              </a:defRPr>
+            </a:lvl3pPr>
+            <a:lvl4pPr marL="1543050" indent="-171450" algn="l" defTabSz="457200" rtl="0" eaLnBrk="1" latinLnBrk="0" hangingPunct="1">
+              <a:spcBef>
+                <a:spcPct val="20000"/>
+              </a:spcBef>
+              <a:spcAft>
+                <a:spcPts val="600"/>
+              </a:spcAft>
+              <a:buClr>
+                <a:schemeClr val="accent1">
+                  <a:lumMod val="75000"/>
+                </a:schemeClr>
+              </a:buClr>
+              <a:buSzPct val="145000"/>
+              <a:buFont typeface="Arial"/>
+              <a:buChar char="•"/>
+              <a:defRPr sz="1600" kern="1200" cap="none">
+                <a:solidFill>
+                  <a:schemeClr val="tx1"/>
+                </a:solidFill>
+                <a:effectLst/>
+                <a:latin typeface="+mn-lt"/>
+                <a:ea typeface="+mn-ea"/>
+                <a:cs typeface="+mn-cs"/>
+              </a:defRPr>
+            </a:lvl4pPr>
+            <a:lvl5pPr marL="2000250" indent="-171450" algn="l" defTabSz="457200" rtl="0" eaLnBrk="1" latinLnBrk="0" hangingPunct="1">
+              <a:spcBef>
+                <a:spcPct val="20000"/>
+              </a:spcBef>
+              <a:spcAft>
+                <a:spcPts val="600"/>
+              </a:spcAft>
+              <a:buClr>
+                <a:schemeClr val="accent1">
+                  <a:lumMod val="75000"/>
+                </a:schemeClr>
+              </a:buClr>
+              <a:buSzPct val="145000"/>
+              <a:buFont typeface="Arial"/>
+              <a:buChar char="•"/>
+              <a:defRPr sz="1400" kern="1200" cap="none">
+                <a:solidFill>
+                  <a:schemeClr val="tx1"/>
+                </a:solidFill>
+                <a:effectLst/>
+                <a:latin typeface="+mn-lt"/>
+                <a:ea typeface="+mn-ea"/>
+                <a:cs typeface="+mn-cs"/>
+              </a:defRPr>
+            </a:lvl5pPr>
+            <a:lvl6pPr marL="2514600" indent="-228600" algn="l" defTabSz="457200" rtl="0" eaLnBrk="1" latinLnBrk="0" hangingPunct="1">
+              <a:spcBef>
+                <a:spcPct val="20000"/>
+              </a:spcBef>
+              <a:spcAft>
+                <a:spcPts val="600"/>
+              </a:spcAft>
+              <a:buClr>
+                <a:schemeClr val="accent1">
+                  <a:lumMod val="75000"/>
+                </a:schemeClr>
+              </a:buClr>
+              <a:buSzPct val="145000"/>
+              <a:buFont typeface="Arial"/>
+              <a:buChar char="•"/>
+              <a:defRPr sz="1400" kern="1200" cap="none">
+                <a:solidFill>
+                  <a:schemeClr val="tx1"/>
+                </a:solidFill>
+                <a:effectLst/>
+                <a:latin typeface="+mn-lt"/>
+                <a:ea typeface="+mn-ea"/>
+                <a:cs typeface="+mn-cs"/>
+              </a:defRPr>
+            </a:lvl6pPr>
+            <a:lvl7pPr marL="2971800" indent="-228600" algn="l" defTabSz="457200" rtl="0" eaLnBrk="1" latinLnBrk="0" hangingPunct="1">
+              <a:spcBef>
+                <a:spcPct val="20000"/>
+              </a:spcBef>
+              <a:spcAft>
+                <a:spcPts val="600"/>
+              </a:spcAft>
+              <a:buClr>
+                <a:schemeClr val="accent1">
+                  <a:lumMod val="75000"/>
+                </a:schemeClr>
+              </a:buClr>
+              <a:buSzPct val="145000"/>
+              <a:buFont typeface="Arial"/>
+              <a:buChar char="•"/>
+              <a:defRPr sz="1400" kern="1200" cap="none">
+                <a:solidFill>
+                  <a:schemeClr val="tx1"/>
+                </a:solidFill>
+                <a:effectLst/>
+                <a:latin typeface="+mn-lt"/>
+                <a:ea typeface="+mn-ea"/>
+                <a:cs typeface="+mn-cs"/>
+              </a:defRPr>
+            </a:lvl7pPr>
+            <a:lvl8pPr marL="3429000" indent="-228600" algn="l" defTabSz="457200" rtl="0" eaLnBrk="1" latinLnBrk="0" hangingPunct="1">
+              <a:spcBef>
+                <a:spcPct val="20000"/>
+              </a:spcBef>
+              <a:spcAft>
+                <a:spcPts val="600"/>
+              </a:spcAft>
+              <a:buClr>
+                <a:schemeClr val="accent1">
+                  <a:lumMod val="75000"/>
+                </a:schemeClr>
+              </a:buClr>
+              <a:buSzPct val="145000"/>
+              <a:buFont typeface="Arial"/>
+              <a:buChar char="•"/>
+              <a:defRPr sz="1400" kern="1200" cap="none">
+                <a:solidFill>
+                  <a:schemeClr val="tx1"/>
+                </a:solidFill>
+                <a:effectLst/>
+                <a:latin typeface="+mn-lt"/>
+                <a:ea typeface="+mn-ea"/>
+                <a:cs typeface="+mn-cs"/>
+              </a:defRPr>
+            </a:lvl8pPr>
+            <a:lvl9pPr marL="3886200" indent="-228600" algn="l" defTabSz="457200" rtl="0" eaLnBrk="1" latinLnBrk="0" hangingPunct="1">
+              <a:spcBef>
+                <a:spcPct val="20000"/>
+              </a:spcBef>
+              <a:spcAft>
+                <a:spcPts val="600"/>
+              </a:spcAft>
+              <a:buClr>
+                <a:schemeClr val="accent1">
+                  <a:lumMod val="75000"/>
+                </a:schemeClr>
+              </a:buClr>
+              <a:buSzPct val="145000"/>
+              <a:buFont typeface="Arial"/>
+              <a:buChar char="•"/>
+              <a:defRPr sz="1400" kern="1200" cap="none">
+                <a:solidFill>
+                  <a:schemeClr val="tx1"/>
+                </a:solidFill>
+                <a:effectLst/>
+                <a:latin typeface="+mn-lt"/>
+                <a:ea typeface="+mn-ea"/>
+                <a:cs typeface="+mn-cs"/>
+              </a:defRPr>
+            </a:lvl9pPr>
+          </a:lstStyle>
+          <a:p>
+            <a:pPr marL="0" indent="0">
+              <a:buFont typeface="Arial"/>
+              <a:buNone/>
+            </a:pPr>
+            <a:r>
+              <a:rPr lang="it-IT" b="1" dirty="0" err="1" smtClean="0"/>
+              <a:t>function</a:t>
+            </a:r>
+            <a:r>
+              <a:rPr lang="it-IT" dirty="0" smtClean="0"/>
+              <a:t> </a:t>
+            </a:r>
+            <a:r>
+              <a:rPr lang="it-IT" dirty="0" err="1" smtClean="0"/>
+              <a:t>aggiungiListener</a:t>
+            </a:r>
+            <a:r>
+              <a:rPr lang="it-IT" b="1" dirty="0" smtClean="0"/>
+              <a:t>()</a:t>
+            </a:r>
+            <a:r>
+              <a:rPr lang="it-IT" dirty="0" smtClean="0"/>
+              <a:t> </a:t>
+            </a:r>
+            <a:r>
+              <a:rPr lang="it-IT" b="1" dirty="0" smtClean="0"/>
+              <a:t>{</a:t>
+            </a:r>
+            <a:endParaRPr lang="it-IT" dirty="0" smtClean="0"/>
+          </a:p>
+          <a:p>
+            <a:pPr marL="0" indent="0">
+              <a:buFont typeface="Arial"/>
+              <a:buNone/>
+            </a:pPr>
+            <a:r>
+              <a:rPr lang="it-IT" dirty="0" smtClean="0"/>
+              <a:t>	</a:t>
+            </a:r>
+            <a:r>
+              <a:rPr lang="it-IT" b="1" dirty="0" err="1" smtClean="0"/>
+              <a:t>document.</a:t>
+            </a:r>
+            <a:r>
+              <a:rPr lang="it-IT" dirty="0" err="1" smtClean="0"/>
+              <a:t>getElementById</a:t>
+            </a:r>
+            <a:r>
+              <a:rPr lang="it-IT" b="1" dirty="0" smtClean="0"/>
+              <a:t>(</a:t>
+            </a:r>
+            <a:r>
+              <a:rPr lang="it-IT" dirty="0" smtClean="0"/>
+              <a:t>"q1"</a:t>
+            </a:r>
+            <a:r>
+              <a:rPr lang="it-IT" b="1" dirty="0" smtClean="0"/>
+              <a:t>).</a:t>
+            </a:r>
+            <a:r>
+              <a:rPr lang="it-IT" dirty="0" err="1" smtClean="0"/>
+              <a:t>addEventListener</a:t>
+            </a:r>
+            <a:r>
+              <a:rPr lang="it-IT" b="1" dirty="0" smtClean="0"/>
+              <a:t>(</a:t>
+            </a:r>
+            <a:r>
+              <a:rPr lang="it-IT" dirty="0" smtClean="0"/>
+              <a:t>"click"</a:t>
+            </a:r>
+            <a:r>
+              <a:rPr lang="it-IT" b="1" dirty="0" smtClean="0"/>
+              <a:t>,</a:t>
+            </a:r>
+            <a:r>
+              <a:rPr lang="it-IT" dirty="0" smtClean="0"/>
+              <a:t> </a:t>
+            </a:r>
+            <a:r>
+              <a:rPr lang="it-IT" b="1" dirty="0" err="1" smtClean="0"/>
+              <a:t>function</a:t>
+            </a:r>
+            <a:r>
+              <a:rPr lang="it-IT" b="1" dirty="0" smtClean="0"/>
+              <a:t>()</a:t>
+            </a:r>
+            <a:r>
+              <a:rPr lang="it-IT" dirty="0" smtClean="0"/>
+              <a:t> </a:t>
+            </a:r>
+            <a:r>
+              <a:rPr lang="it-IT" b="1" dirty="0" smtClean="0"/>
+              <a:t>{</a:t>
+            </a:r>
+            <a:r>
+              <a:rPr lang="it-IT" dirty="0" err="1" smtClean="0"/>
+              <a:t>aggiungi_seq_ins</a:t>
+            </a:r>
+            <a:r>
+              <a:rPr lang="it-IT" b="1" dirty="0" smtClean="0"/>
+              <a:t>(</a:t>
+            </a:r>
+            <a:r>
+              <a:rPr lang="it-IT" dirty="0" smtClean="0"/>
+              <a:t>"1"</a:t>
+            </a:r>
+            <a:r>
+              <a:rPr lang="it-IT" b="1" dirty="0" smtClean="0"/>
+              <a:t>);});</a:t>
+            </a:r>
+            <a:endParaRPr lang="it-IT" dirty="0" smtClean="0"/>
+          </a:p>
+          <a:p>
+            <a:pPr marL="0" indent="0">
+              <a:buFont typeface="Arial"/>
+              <a:buNone/>
+            </a:pPr>
+            <a:r>
+              <a:rPr lang="it-IT" dirty="0" smtClean="0"/>
+              <a:t>	</a:t>
+            </a:r>
+            <a:r>
+              <a:rPr lang="it-IT" b="1" dirty="0" err="1" smtClean="0"/>
+              <a:t>document.</a:t>
+            </a:r>
+            <a:r>
+              <a:rPr lang="it-IT" dirty="0" err="1" smtClean="0"/>
+              <a:t>getElementById</a:t>
+            </a:r>
+            <a:r>
+              <a:rPr lang="it-IT" b="1" dirty="0" smtClean="0"/>
+              <a:t>(</a:t>
+            </a:r>
+            <a:r>
+              <a:rPr lang="it-IT" dirty="0" smtClean="0"/>
+              <a:t>"q2"</a:t>
+            </a:r>
+            <a:r>
+              <a:rPr lang="it-IT" b="1" dirty="0" smtClean="0"/>
+              <a:t>).</a:t>
+            </a:r>
+            <a:r>
+              <a:rPr lang="it-IT" dirty="0" err="1" smtClean="0"/>
+              <a:t>addEventListener</a:t>
+            </a:r>
+            <a:r>
+              <a:rPr lang="it-IT" b="1" dirty="0" smtClean="0"/>
+              <a:t>(</a:t>
+            </a:r>
+            <a:r>
+              <a:rPr lang="it-IT" dirty="0" smtClean="0"/>
+              <a:t>"click"</a:t>
+            </a:r>
+            <a:r>
+              <a:rPr lang="it-IT" b="1" dirty="0" smtClean="0"/>
+              <a:t>,</a:t>
+            </a:r>
+            <a:r>
+              <a:rPr lang="it-IT" dirty="0" smtClean="0"/>
+              <a:t> </a:t>
+            </a:r>
+            <a:r>
+              <a:rPr lang="it-IT" b="1" dirty="0" err="1" smtClean="0"/>
+              <a:t>function</a:t>
+            </a:r>
+            <a:r>
+              <a:rPr lang="it-IT" b="1" dirty="0" smtClean="0"/>
+              <a:t>()</a:t>
+            </a:r>
+            <a:r>
+              <a:rPr lang="it-IT" dirty="0" smtClean="0"/>
+              <a:t> </a:t>
+            </a:r>
+            <a:r>
+              <a:rPr lang="it-IT" b="1" dirty="0" smtClean="0"/>
+              <a:t>{</a:t>
+            </a:r>
+            <a:r>
+              <a:rPr lang="it-IT" dirty="0" err="1" smtClean="0"/>
+              <a:t>aggiungi_seq_ins</a:t>
+            </a:r>
+            <a:r>
+              <a:rPr lang="it-IT" b="1" dirty="0" smtClean="0"/>
+              <a:t>(</a:t>
+            </a:r>
+            <a:r>
+              <a:rPr lang="it-IT" dirty="0" smtClean="0"/>
+              <a:t>"2"</a:t>
+            </a:r>
+            <a:r>
+              <a:rPr lang="it-IT" b="1" dirty="0" smtClean="0"/>
+              <a:t>);});</a:t>
+            </a:r>
+            <a:endParaRPr lang="it-IT" dirty="0" smtClean="0"/>
+          </a:p>
+          <a:p>
+            <a:pPr marL="0" indent="0">
+              <a:buFont typeface="Arial"/>
+              <a:buNone/>
+            </a:pPr>
+            <a:r>
+              <a:rPr lang="it-IT" dirty="0" smtClean="0"/>
+              <a:t>	</a:t>
+            </a:r>
+            <a:r>
+              <a:rPr lang="it-IT" b="1" dirty="0" err="1" smtClean="0"/>
+              <a:t>document.</a:t>
+            </a:r>
+            <a:r>
+              <a:rPr lang="it-IT" dirty="0" err="1" smtClean="0"/>
+              <a:t>getElementById</a:t>
+            </a:r>
+            <a:r>
+              <a:rPr lang="it-IT" b="1" dirty="0" smtClean="0"/>
+              <a:t>(</a:t>
+            </a:r>
+            <a:r>
+              <a:rPr lang="it-IT" dirty="0" smtClean="0"/>
+              <a:t>"q3"</a:t>
+            </a:r>
+            <a:r>
+              <a:rPr lang="it-IT" b="1" dirty="0" smtClean="0"/>
+              <a:t>).</a:t>
+            </a:r>
+            <a:r>
+              <a:rPr lang="it-IT" dirty="0" err="1" smtClean="0"/>
+              <a:t>addEventListener</a:t>
+            </a:r>
+            <a:r>
+              <a:rPr lang="it-IT" b="1" dirty="0" smtClean="0"/>
+              <a:t>(</a:t>
+            </a:r>
+            <a:r>
+              <a:rPr lang="it-IT" dirty="0" smtClean="0"/>
+              <a:t>"click"</a:t>
+            </a:r>
+            <a:r>
+              <a:rPr lang="it-IT" b="1" dirty="0" smtClean="0"/>
+              <a:t>,</a:t>
+            </a:r>
+            <a:r>
+              <a:rPr lang="it-IT" dirty="0" smtClean="0"/>
+              <a:t> </a:t>
+            </a:r>
+            <a:r>
+              <a:rPr lang="it-IT" b="1" dirty="0" err="1" smtClean="0"/>
+              <a:t>function</a:t>
+            </a:r>
+            <a:r>
+              <a:rPr lang="it-IT" b="1" dirty="0" smtClean="0"/>
+              <a:t>()</a:t>
+            </a:r>
+            <a:r>
+              <a:rPr lang="it-IT" dirty="0" smtClean="0"/>
+              <a:t> </a:t>
+            </a:r>
+            <a:r>
+              <a:rPr lang="it-IT" b="1" dirty="0" smtClean="0"/>
+              <a:t>{</a:t>
+            </a:r>
+            <a:r>
+              <a:rPr lang="it-IT" dirty="0" err="1" smtClean="0"/>
+              <a:t>aggiungi_seq_ins</a:t>
+            </a:r>
+            <a:r>
+              <a:rPr lang="it-IT" b="1" dirty="0" smtClean="0"/>
+              <a:t>(</a:t>
+            </a:r>
+            <a:r>
+              <a:rPr lang="it-IT" dirty="0" smtClean="0"/>
+              <a:t>"3"</a:t>
+            </a:r>
+            <a:r>
+              <a:rPr lang="it-IT" b="1" dirty="0" smtClean="0"/>
+              <a:t>);});</a:t>
+            </a:r>
+            <a:endParaRPr lang="it-IT" dirty="0" smtClean="0"/>
+          </a:p>
+          <a:p>
+            <a:pPr marL="0" indent="0">
+              <a:buFont typeface="Arial"/>
+              <a:buNone/>
+            </a:pPr>
+            <a:r>
+              <a:rPr lang="it-IT" dirty="0" smtClean="0"/>
+              <a:t>	</a:t>
+            </a:r>
+            <a:r>
+              <a:rPr lang="it-IT" b="1" dirty="0" err="1" smtClean="0"/>
+              <a:t>document.</a:t>
+            </a:r>
+            <a:r>
+              <a:rPr lang="it-IT" dirty="0" err="1" smtClean="0"/>
+              <a:t>getElementById</a:t>
+            </a:r>
+            <a:r>
+              <a:rPr lang="it-IT" b="1" dirty="0" smtClean="0"/>
+              <a:t>(</a:t>
+            </a:r>
+            <a:r>
+              <a:rPr lang="it-IT" dirty="0" smtClean="0"/>
+              <a:t>"q4"</a:t>
+            </a:r>
+            <a:r>
+              <a:rPr lang="it-IT" b="1" dirty="0" smtClean="0"/>
+              <a:t>).</a:t>
+            </a:r>
+            <a:r>
+              <a:rPr lang="it-IT" dirty="0" err="1" smtClean="0"/>
+              <a:t>addEventListener</a:t>
+            </a:r>
+            <a:r>
+              <a:rPr lang="it-IT" b="1" dirty="0" smtClean="0"/>
+              <a:t>(</a:t>
+            </a:r>
+            <a:r>
+              <a:rPr lang="it-IT" dirty="0" smtClean="0"/>
+              <a:t>"click"</a:t>
+            </a:r>
+            <a:r>
+              <a:rPr lang="it-IT" b="1" dirty="0" smtClean="0"/>
+              <a:t>,</a:t>
+            </a:r>
+            <a:r>
+              <a:rPr lang="it-IT" dirty="0" smtClean="0"/>
+              <a:t> </a:t>
+            </a:r>
+            <a:r>
+              <a:rPr lang="it-IT" b="1" dirty="0" err="1" smtClean="0"/>
+              <a:t>function</a:t>
+            </a:r>
+            <a:r>
+              <a:rPr lang="it-IT" b="1" dirty="0" smtClean="0"/>
+              <a:t>()</a:t>
+            </a:r>
+            <a:r>
+              <a:rPr lang="it-IT" dirty="0" smtClean="0"/>
+              <a:t> </a:t>
+            </a:r>
+            <a:r>
+              <a:rPr lang="it-IT" b="1" dirty="0" smtClean="0"/>
+              <a:t>{</a:t>
+            </a:r>
+            <a:r>
+              <a:rPr lang="it-IT" dirty="0" err="1" smtClean="0"/>
+              <a:t>aggiungi_seq_ins</a:t>
+            </a:r>
+            <a:r>
+              <a:rPr lang="it-IT" b="1" dirty="0" smtClean="0"/>
+              <a:t>(</a:t>
+            </a:r>
+            <a:r>
+              <a:rPr lang="it-IT" dirty="0" smtClean="0"/>
+              <a:t>"4"</a:t>
+            </a:r>
+            <a:r>
+              <a:rPr lang="it-IT" b="1" dirty="0" smtClean="0"/>
+              <a:t>);});</a:t>
+            </a:r>
+            <a:endParaRPr lang="it-IT" dirty="0" smtClean="0"/>
+          </a:p>
+          <a:p>
+            <a:pPr marL="0" indent="0">
+              <a:buFont typeface="Arial"/>
+              <a:buNone/>
+            </a:pPr>
+            <a:r>
+              <a:rPr lang="it-IT" b="1" dirty="0" smtClean="0"/>
+              <a:t>}</a:t>
+            </a:r>
+            <a:endParaRPr lang="it-IT" dirty="0"/>
+          </a:p>
+        </p:txBody>
+      </p:sp>
+      <p:sp>
+        <p:nvSpPr>
+          <p:cNvPr id="10" name="Segnaposto contenuto 3"/>
+          <p:cNvSpPr txBox="1">
+            <a:spLocks/>
+          </p:cNvSpPr>
+          <p:nvPr/>
+        </p:nvSpPr>
+        <p:spPr>
+          <a:xfrm>
+            <a:off x="1484309" y="3947161"/>
+            <a:ext cx="10018713" cy="2675708"/>
+          </a:xfrm>
+          <a:prstGeom prst="rect">
+            <a:avLst/>
+          </a:prstGeom>
+        </p:spPr>
+        <p:txBody>
+          <a:bodyPr>
+            <a:normAutofit/>
+          </a:bodyPr>
+          <a:lstStyle>
+            <a:lvl1pPr marL="285750" indent="-285750" algn="l" defTabSz="457200" rtl="0" eaLnBrk="1" latinLnBrk="0" hangingPunct="1">
+              <a:spcBef>
+                <a:spcPct val="20000"/>
+              </a:spcBef>
+              <a:spcAft>
+                <a:spcPts val="600"/>
+              </a:spcAft>
+              <a:buClr>
+                <a:schemeClr val="accent1">
+                  <a:lumMod val="75000"/>
+                </a:schemeClr>
+              </a:buClr>
+              <a:buSzPct val="145000"/>
+              <a:buFont typeface="Arial"/>
+              <a:buChar char="•"/>
+              <a:defRPr sz="2400" kern="1200" cap="none">
+                <a:solidFill>
+                  <a:schemeClr val="tx1"/>
+                </a:solidFill>
+                <a:effectLst/>
+                <a:latin typeface="+mn-lt"/>
+                <a:ea typeface="+mn-ea"/>
+                <a:cs typeface="+mn-cs"/>
+              </a:defRPr>
+            </a:lvl1pPr>
+            <a:lvl2pPr marL="742950" indent="-285750" algn="l" defTabSz="457200" rtl="0" eaLnBrk="1" latinLnBrk="0" hangingPunct="1">
+              <a:spcBef>
+                <a:spcPct val="20000"/>
+              </a:spcBef>
+              <a:spcAft>
+                <a:spcPts val="600"/>
+              </a:spcAft>
+              <a:buClr>
+                <a:schemeClr val="accent1">
+                  <a:lumMod val="75000"/>
+                </a:schemeClr>
+              </a:buClr>
+              <a:buSzPct val="145000"/>
+              <a:buFont typeface="Arial"/>
+              <a:buChar char="•"/>
+              <a:defRPr sz="2000" kern="1200" cap="none">
+                <a:solidFill>
+                  <a:schemeClr val="tx1"/>
+                </a:solidFill>
+                <a:effectLst/>
+                <a:latin typeface="+mn-lt"/>
+                <a:ea typeface="+mn-ea"/>
+                <a:cs typeface="+mn-cs"/>
+              </a:defRPr>
+            </a:lvl2pPr>
+            <a:lvl3pPr marL="1200150" indent="-285750" algn="l" defTabSz="457200" rtl="0" eaLnBrk="1" latinLnBrk="0" hangingPunct="1">
+              <a:spcBef>
+                <a:spcPct val="20000"/>
+              </a:spcBef>
+              <a:spcAft>
+                <a:spcPts val="600"/>
+              </a:spcAft>
+              <a:buClr>
+                <a:schemeClr val="accent1">
+                  <a:lumMod val="75000"/>
+                </a:schemeClr>
+              </a:buClr>
+              <a:buSzPct val="145000"/>
+              <a:buFont typeface="Arial"/>
+              <a:buChar char="•"/>
+              <a:defRPr sz="1800" kern="1200" cap="none">
+                <a:solidFill>
+                  <a:schemeClr val="tx1"/>
+                </a:solidFill>
+                <a:effectLst/>
+                <a:latin typeface="+mn-lt"/>
+                <a:ea typeface="+mn-ea"/>
+                <a:cs typeface="+mn-cs"/>
+              </a:defRPr>
+            </a:lvl3pPr>
+            <a:lvl4pPr marL="1543050" indent="-171450" algn="l" defTabSz="457200" rtl="0" eaLnBrk="1" latinLnBrk="0" hangingPunct="1">
+              <a:spcBef>
+                <a:spcPct val="20000"/>
+              </a:spcBef>
+              <a:spcAft>
+                <a:spcPts val="600"/>
+              </a:spcAft>
+              <a:buClr>
+                <a:schemeClr val="accent1">
+                  <a:lumMod val="75000"/>
+                </a:schemeClr>
+              </a:buClr>
+              <a:buSzPct val="145000"/>
+              <a:buFont typeface="Arial"/>
+              <a:buChar char="•"/>
+              <a:defRPr sz="1600" kern="1200" cap="none">
+                <a:solidFill>
+                  <a:schemeClr val="tx1"/>
+                </a:solidFill>
+                <a:effectLst/>
+                <a:latin typeface="+mn-lt"/>
+                <a:ea typeface="+mn-ea"/>
+                <a:cs typeface="+mn-cs"/>
+              </a:defRPr>
+            </a:lvl4pPr>
+            <a:lvl5pPr marL="2000250" indent="-171450" algn="l" defTabSz="457200" rtl="0" eaLnBrk="1" latinLnBrk="0" hangingPunct="1">
+              <a:spcBef>
+                <a:spcPct val="20000"/>
+              </a:spcBef>
+              <a:spcAft>
+                <a:spcPts val="600"/>
+              </a:spcAft>
+              <a:buClr>
+                <a:schemeClr val="accent1">
+                  <a:lumMod val="75000"/>
+                </a:schemeClr>
+              </a:buClr>
+              <a:buSzPct val="145000"/>
+              <a:buFont typeface="Arial"/>
+              <a:buChar char="•"/>
+              <a:defRPr sz="1400" kern="1200" cap="none">
+                <a:solidFill>
+                  <a:schemeClr val="tx1"/>
+                </a:solidFill>
+                <a:effectLst/>
+                <a:latin typeface="+mn-lt"/>
+                <a:ea typeface="+mn-ea"/>
+                <a:cs typeface="+mn-cs"/>
+              </a:defRPr>
+            </a:lvl5pPr>
+            <a:lvl6pPr marL="2514600" indent="-228600" algn="l" defTabSz="457200" rtl="0" eaLnBrk="1" latinLnBrk="0" hangingPunct="1">
+              <a:spcBef>
+                <a:spcPct val="20000"/>
+              </a:spcBef>
+              <a:spcAft>
+                <a:spcPts val="600"/>
+              </a:spcAft>
+              <a:buClr>
+                <a:schemeClr val="accent1">
+                  <a:lumMod val="75000"/>
+                </a:schemeClr>
+              </a:buClr>
+              <a:buSzPct val="145000"/>
+              <a:buFont typeface="Arial"/>
+              <a:buChar char="•"/>
+              <a:defRPr sz="1400" kern="1200" cap="none">
+                <a:solidFill>
+                  <a:schemeClr val="tx1"/>
+                </a:solidFill>
+                <a:effectLst/>
+                <a:latin typeface="+mn-lt"/>
+                <a:ea typeface="+mn-ea"/>
+                <a:cs typeface="+mn-cs"/>
+              </a:defRPr>
+            </a:lvl6pPr>
+            <a:lvl7pPr marL="2971800" indent="-228600" algn="l" defTabSz="457200" rtl="0" eaLnBrk="1" latinLnBrk="0" hangingPunct="1">
+              <a:spcBef>
+                <a:spcPct val="20000"/>
+              </a:spcBef>
+              <a:spcAft>
+                <a:spcPts val="600"/>
+              </a:spcAft>
+              <a:buClr>
+                <a:schemeClr val="accent1">
+                  <a:lumMod val="75000"/>
+                </a:schemeClr>
+              </a:buClr>
+              <a:buSzPct val="145000"/>
+              <a:buFont typeface="Arial"/>
+              <a:buChar char="•"/>
+              <a:defRPr sz="1400" kern="1200" cap="none">
+                <a:solidFill>
+                  <a:schemeClr val="tx1"/>
+                </a:solidFill>
+                <a:effectLst/>
+                <a:latin typeface="+mn-lt"/>
+                <a:ea typeface="+mn-ea"/>
+                <a:cs typeface="+mn-cs"/>
+              </a:defRPr>
+            </a:lvl7pPr>
+            <a:lvl8pPr marL="3429000" indent="-228600" algn="l" defTabSz="457200" rtl="0" eaLnBrk="1" latinLnBrk="0" hangingPunct="1">
+              <a:spcBef>
+                <a:spcPct val="20000"/>
+              </a:spcBef>
+              <a:spcAft>
+                <a:spcPts val="600"/>
+              </a:spcAft>
+              <a:buClr>
+                <a:schemeClr val="accent1">
+                  <a:lumMod val="75000"/>
+                </a:schemeClr>
+              </a:buClr>
+              <a:buSzPct val="145000"/>
+              <a:buFont typeface="Arial"/>
+              <a:buChar char="•"/>
+              <a:defRPr sz="1400" kern="1200" cap="none">
+                <a:solidFill>
+                  <a:schemeClr val="tx1"/>
+                </a:solidFill>
+                <a:effectLst/>
+                <a:latin typeface="+mn-lt"/>
+                <a:ea typeface="+mn-ea"/>
+                <a:cs typeface="+mn-cs"/>
+              </a:defRPr>
+            </a:lvl8pPr>
+            <a:lvl9pPr marL="3886200" indent="-228600" algn="l" defTabSz="457200" rtl="0" eaLnBrk="1" latinLnBrk="0" hangingPunct="1">
+              <a:spcBef>
+                <a:spcPct val="20000"/>
+              </a:spcBef>
+              <a:spcAft>
+                <a:spcPts val="600"/>
+              </a:spcAft>
+              <a:buClr>
+                <a:schemeClr val="accent1">
+                  <a:lumMod val="75000"/>
+                </a:schemeClr>
+              </a:buClr>
+              <a:buSzPct val="145000"/>
+              <a:buFont typeface="Arial"/>
+              <a:buChar char="•"/>
+              <a:defRPr sz="1400" kern="1200" cap="none">
+                <a:solidFill>
+                  <a:schemeClr val="tx1"/>
+                </a:solidFill>
+                <a:effectLst/>
+                <a:latin typeface="+mn-lt"/>
+                <a:ea typeface="+mn-ea"/>
+                <a:cs typeface="+mn-cs"/>
+              </a:defRPr>
+            </a:lvl9pPr>
+          </a:lstStyle>
+          <a:p>
+            <a:r>
+              <a:rPr lang="it-IT" sz="2000" dirty="0" smtClean="0"/>
+              <a:t>All’interno della funzione </a:t>
+            </a:r>
+            <a:r>
+              <a:rPr lang="it-IT" sz="2000" dirty="0" err="1" smtClean="0"/>
+              <a:t>aggiungi_listener</a:t>
+            </a:r>
+            <a:r>
+              <a:rPr lang="it-IT" sz="2000" dirty="0" smtClean="0"/>
+              <a:t>() andiamo ad aggiungere l’evento ‘click’ alle div identificate dagli id q1,q2,q3,q4. Questo ci permette di associare il click su una di queste div (per capirsi, uno dei quattro quadrati) ad un evento.</a:t>
+            </a:r>
+          </a:p>
+          <a:p>
+            <a:r>
+              <a:rPr lang="it-IT" sz="2000" dirty="0" smtClean="0"/>
+              <a:t>Nel nostro caso l’evento è la chiamata della funzione </a:t>
+            </a:r>
+            <a:r>
+              <a:rPr lang="it-IT" sz="2000" dirty="0" err="1" smtClean="0"/>
+              <a:t>aggiungi_seq_ins</a:t>
+            </a:r>
+            <a:r>
+              <a:rPr lang="it-IT" sz="2000" dirty="0" smtClean="0"/>
+              <a:t>() e passa come parametro una stringa.</a:t>
+            </a:r>
+          </a:p>
+          <a:p>
+            <a:r>
+              <a:rPr lang="it-IT" sz="2000" dirty="0" smtClean="0"/>
+              <a:t>Come vedremo prossimamente, la funzione </a:t>
+            </a:r>
+            <a:r>
+              <a:rPr lang="it-IT" sz="2000" dirty="0" err="1" smtClean="0"/>
+              <a:t>aggiungi_seq_ins</a:t>
+            </a:r>
+            <a:r>
+              <a:rPr lang="it-IT" sz="2000" dirty="0" smtClean="0"/>
+              <a:t>() serve per tenere traccia dei quadrati premuti dall’utente.</a:t>
+            </a:r>
+            <a:endParaRPr lang="it-IT" sz="2000" dirty="0" smtClean="0"/>
+          </a:p>
+        </p:txBody>
+      </p:sp>
+    </p:spTree>
+    <p:extLst>
+      <p:ext uri="{BB962C8B-B14F-4D97-AF65-F5344CB8AC3E}">
+        <p14:creationId xmlns:p14="http://schemas.microsoft.com/office/powerpoint/2010/main" val="3457320019"/>
+      </p:ext>
+    </p:extLst>
+  </p:cSld>
+  <p:clrMapOvr>
+    <a:masterClrMapping/>
+  </p:clrMapOvr>
+  <p:timing>
+    <p:tnLst>
+      <p:par>
+        <p:cTn id="1" dur="indefinite" restart="never" nodeType="tmRoot"/>
+      </p:par>
+    </p:tnLst>
+  </p:timing>
+</p:sld>
+</file>
+
+<file path=ppt/slides/slide14.xml><?xml version="1.0" encoding="utf-8"?>
+<p:sld xmlns:a="http://schemas.openxmlformats.org/drawingml/2006/main" xmlns:r="http://schemas.openxmlformats.org/officeDocument/2006/relationships" xmlns:p="http://schemas.openxmlformats.org/presentationml/2006/main">
+  <p:cSld>
+    <p:spTree>
+      <p:nvGrpSpPr>
+        <p:cNvPr id="1" name=""/>
+        <p:cNvGrpSpPr/>
+        <p:nvPr/>
+      </p:nvGrpSpPr>
+      <p:grpSpPr>
+        <a:xfrm>
+          <a:off x="0" y="0"/>
+          <a:ext cx="0" cy="0"/>
+          <a:chOff x="0" y="0"/>
+          <a:chExt cx="0" cy="0"/>
+        </a:xfrm>
+      </p:grpSpPr>
+      <p:sp>
+        <p:nvSpPr>
+          <p:cNvPr id="4" name="Titolo 3"/>
+          <p:cNvSpPr>
+            <a:spLocks noGrp="1"/>
+          </p:cNvSpPr>
+          <p:nvPr>
+            <p:ph type="title"/>
+          </p:nvPr>
+        </p:nvSpPr>
+        <p:spPr/>
+        <p:txBody>
+          <a:bodyPr/>
+          <a:lstStyle/>
+          <a:p>
+            <a:r>
+              <a:rPr lang="it-IT" dirty="0" smtClean="0"/>
+              <a:t>Funzione inizia()</a:t>
+            </a:r>
+            <a:endParaRPr lang="it-IT" dirty="0"/>
+          </a:p>
+        </p:txBody>
+      </p:sp>
+      <p:sp>
+        <p:nvSpPr>
+          <p:cNvPr id="5" name="Segnaposto contenuto 4"/>
+          <p:cNvSpPr>
+            <a:spLocks noGrp="1"/>
+          </p:cNvSpPr>
+          <p:nvPr>
+            <p:ph sz="half" idx="1"/>
+          </p:nvPr>
+        </p:nvSpPr>
+        <p:spPr/>
+        <p:txBody>
+          <a:bodyPr/>
+          <a:lstStyle/>
+          <a:p>
+            <a:pPr marL="0" indent="0">
+              <a:buNone/>
+            </a:pPr>
+            <a:r>
+              <a:rPr lang="it-IT" b="1" dirty="0" err="1"/>
+              <a:t>function</a:t>
+            </a:r>
+            <a:r>
+              <a:rPr lang="it-IT" dirty="0"/>
+              <a:t> inizia</a:t>
+            </a:r>
+            <a:r>
+              <a:rPr lang="it-IT" b="1" dirty="0"/>
+              <a:t>(</a:t>
+            </a:r>
+            <a:r>
+              <a:rPr lang="it-IT" dirty="0"/>
+              <a:t>volte</a:t>
+            </a:r>
+            <a:r>
+              <a:rPr lang="it-IT" b="1" dirty="0"/>
+              <a:t>)</a:t>
+            </a:r>
+            <a:r>
+              <a:rPr lang="it-IT" dirty="0"/>
+              <a:t> </a:t>
+            </a:r>
+            <a:r>
+              <a:rPr lang="it-IT" b="1" dirty="0"/>
+              <a:t>{</a:t>
+            </a:r>
+            <a:endParaRPr lang="it-IT" dirty="0"/>
+          </a:p>
+          <a:p>
+            <a:pPr marL="0" indent="0">
+              <a:buNone/>
+            </a:pPr>
+            <a:r>
+              <a:rPr lang="it-IT" dirty="0"/>
+              <a:t>	</a:t>
+            </a:r>
+            <a:r>
+              <a:rPr lang="it-IT" dirty="0" err="1"/>
+              <a:t>sequenza_inserita</a:t>
+            </a:r>
+            <a:r>
+              <a:rPr lang="it-IT" b="1" dirty="0"/>
+              <a:t>=</a:t>
+            </a:r>
+            <a:r>
+              <a:rPr lang="it-IT" dirty="0"/>
+              <a:t>""</a:t>
+            </a:r>
+            <a:r>
+              <a:rPr lang="it-IT" b="1" dirty="0"/>
+              <a:t>;</a:t>
+            </a:r>
+            <a:endParaRPr lang="it-IT" dirty="0"/>
+          </a:p>
+          <a:p>
+            <a:pPr marL="0" indent="0">
+              <a:buNone/>
+            </a:pPr>
+            <a:r>
+              <a:rPr lang="it-IT" dirty="0"/>
+              <a:t>	sequenza</a:t>
+            </a:r>
+            <a:r>
+              <a:rPr lang="it-IT" b="1" dirty="0"/>
+              <a:t>=</a:t>
+            </a:r>
+            <a:r>
+              <a:rPr lang="it-IT" dirty="0"/>
+              <a:t>""</a:t>
+            </a:r>
+            <a:r>
+              <a:rPr lang="it-IT" b="1" dirty="0"/>
+              <a:t>;</a:t>
+            </a:r>
+            <a:endParaRPr lang="it-IT" dirty="0"/>
+          </a:p>
+          <a:p>
+            <a:pPr marL="0" indent="0">
+              <a:buNone/>
+            </a:pPr>
+            <a:r>
+              <a:rPr lang="it-IT" dirty="0"/>
+              <a:t>	</a:t>
+            </a:r>
+            <a:r>
+              <a:rPr lang="it-IT" dirty="0" err="1"/>
+              <a:t>inizializza_array</a:t>
+            </a:r>
+            <a:r>
+              <a:rPr lang="it-IT" b="1" dirty="0"/>
+              <a:t>(</a:t>
+            </a:r>
+            <a:r>
+              <a:rPr lang="it-IT" dirty="0"/>
+              <a:t>volte</a:t>
+            </a:r>
+            <a:r>
+              <a:rPr lang="it-IT" b="1" dirty="0"/>
+              <a:t>);</a:t>
+            </a:r>
+            <a:endParaRPr lang="it-IT" dirty="0"/>
+          </a:p>
+          <a:p>
+            <a:pPr marL="0" indent="0">
+              <a:buNone/>
+            </a:pPr>
+            <a:r>
+              <a:rPr lang="it-IT" dirty="0"/>
+              <a:t>	colora</a:t>
+            </a:r>
+            <a:r>
+              <a:rPr lang="it-IT" b="1" dirty="0"/>
+              <a:t>(</a:t>
+            </a:r>
+            <a:r>
+              <a:rPr lang="it-IT" dirty="0"/>
+              <a:t>volte</a:t>
+            </a:r>
+            <a:r>
+              <a:rPr lang="it-IT" b="1" dirty="0"/>
+              <a:t>);</a:t>
+            </a:r>
+            <a:endParaRPr lang="it-IT" dirty="0"/>
+          </a:p>
+          <a:p>
+            <a:pPr marL="0" indent="0">
+              <a:buNone/>
+            </a:pPr>
+            <a:r>
+              <a:rPr lang="it-IT" b="1" dirty="0"/>
+              <a:t>}</a:t>
+            </a:r>
+            <a:endParaRPr lang="it-IT" dirty="0"/>
+          </a:p>
+          <a:p>
+            <a:pPr marL="0" indent="0">
+              <a:buNone/>
+            </a:pPr>
+            <a:endParaRPr lang="it-IT" dirty="0"/>
+          </a:p>
+        </p:txBody>
+      </p:sp>
+      <p:sp>
+        <p:nvSpPr>
+          <p:cNvPr id="6" name="Segnaposto contenuto 5"/>
+          <p:cNvSpPr>
+            <a:spLocks noGrp="1"/>
+          </p:cNvSpPr>
+          <p:nvPr>
+            <p:ph sz="half" idx="2"/>
+          </p:nvPr>
+        </p:nvSpPr>
+        <p:spPr/>
+        <p:txBody>
+          <a:bodyPr/>
+          <a:lstStyle/>
+          <a:p>
+            <a:r>
+              <a:rPr lang="it-IT" dirty="0" smtClean="0"/>
+              <a:t>All’interno di questa funzione proseguiamo con l’inizializzazione delle variabili che ci serviranno prossimamente. </a:t>
+            </a:r>
+          </a:p>
+          <a:p>
+            <a:r>
+              <a:rPr lang="it-IT" dirty="0" smtClean="0"/>
+              <a:t>Inizializziamo le stringhe «</a:t>
+            </a:r>
+            <a:r>
+              <a:rPr lang="it-IT" dirty="0" err="1" smtClean="0"/>
+              <a:t>sequenza_inserita</a:t>
+            </a:r>
+            <a:r>
+              <a:rPr lang="it-IT" dirty="0" smtClean="0"/>
+              <a:t>» e «sequenza» a vuoto.</a:t>
+            </a:r>
+          </a:p>
+          <a:p>
+            <a:r>
+              <a:rPr lang="it-IT" dirty="0" smtClean="0"/>
+              <a:t>Richiamiamo le funzioni </a:t>
+            </a:r>
+            <a:r>
+              <a:rPr lang="it-IT" dirty="0" err="1" smtClean="0"/>
+              <a:t>inizializza_array</a:t>
+            </a:r>
+            <a:r>
+              <a:rPr lang="it-IT" dirty="0" smtClean="0"/>
+              <a:t>() e colora() passando come parametro il numero di volte.</a:t>
+            </a:r>
+            <a:endParaRPr lang="it-IT" dirty="0"/>
+          </a:p>
+        </p:txBody>
+      </p:sp>
+    </p:spTree>
+    <p:extLst>
+      <p:ext uri="{BB962C8B-B14F-4D97-AF65-F5344CB8AC3E}">
+        <p14:creationId xmlns:p14="http://schemas.microsoft.com/office/powerpoint/2010/main" val="3250895860"/>
+      </p:ext>
+    </p:extLst>
+  </p:cSld>
+  <p:clrMapOvr>
+    <a:masterClrMapping/>
+  </p:clrMapOvr>
+  <p:timing>
+    <p:tnLst>
+      <p:par>
+        <p:cTn id="1" dur="indefinite" restart="never" nodeType="tmRoot"/>
+      </p:par>
+    </p:tnLst>
+  </p:timing>
+</p:sld>
+</file>
+
+<file path=ppt/slides/slide15.xml><?xml version="1.0" encoding="utf-8"?>
+<p:sld xmlns:a="http://schemas.openxmlformats.org/drawingml/2006/main" xmlns:r="http://schemas.openxmlformats.org/officeDocument/2006/relationships" xmlns:p="http://schemas.openxmlformats.org/presentationml/2006/main">
+  <p:cSld>
+    <p:spTree>
+      <p:nvGrpSpPr>
+        <p:cNvPr id="1" name=""/>
+        <p:cNvGrpSpPr/>
+        <p:nvPr/>
+      </p:nvGrpSpPr>
+      <p:grpSpPr>
+        <a:xfrm>
+          <a:off x="0" y="0"/>
+          <a:ext cx="0" cy="0"/>
+          <a:chOff x="0" y="0"/>
+          <a:chExt cx="0" cy="0"/>
+        </a:xfrm>
+      </p:grpSpPr>
+      <p:sp>
+        <p:nvSpPr>
+          <p:cNvPr id="2" name="Titolo 1"/>
+          <p:cNvSpPr>
+            <a:spLocks noGrp="1"/>
+          </p:cNvSpPr>
+          <p:nvPr>
+            <p:ph type="title"/>
+          </p:nvPr>
+        </p:nvSpPr>
+        <p:spPr/>
+        <p:txBody>
+          <a:bodyPr/>
+          <a:lstStyle/>
+          <a:p>
+            <a:r>
+              <a:rPr lang="it-IT" dirty="0" smtClean="0"/>
+              <a:t>Funzione </a:t>
+            </a:r>
+            <a:r>
+              <a:rPr lang="it-IT" dirty="0" err="1" smtClean="0"/>
+              <a:t>inizializza_array</a:t>
+            </a:r>
+            <a:r>
+              <a:rPr lang="it-IT" dirty="0" smtClean="0"/>
+              <a:t>()</a:t>
+            </a:r>
+            <a:endParaRPr lang="it-IT" dirty="0"/>
+          </a:p>
+        </p:txBody>
+      </p:sp>
+      <p:sp>
+        <p:nvSpPr>
+          <p:cNvPr id="3" name="Segnaposto contenuto 2"/>
+          <p:cNvSpPr>
+            <a:spLocks noGrp="1"/>
+          </p:cNvSpPr>
+          <p:nvPr>
+            <p:ph sz="half" idx="1"/>
+          </p:nvPr>
+        </p:nvSpPr>
+        <p:spPr/>
+        <p:txBody>
+          <a:bodyPr/>
+          <a:lstStyle/>
+          <a:p>
+            <a:pPr marL="0" indent="0">
+              <a:buNone/>
+            </a:pPr>
+            <a:r>
+              <a:rPr lang="it-IT" b="1" dirty="0" err="1"/>
+              <a:t>function</a:t>
+            </a:r>
+            <a:r>
+              <a:rPr lang="it-IT" dirty="0"/>
+              <a:t> </a:t>
+            </a:r>
+            <a:r>
+              <a:rPr lang="it-IT" dirty="0" err="1"/>
+              <a:t>inizializza_array</a:t>
+            </a:r>
+            <a:r>
+              <a:rPr lang="it-IT" b="1" dirty="0"/>
+              <a:t>(</a:t>
+            </a:r>
+            <a:r>
+              <a:rPr lang="it-IT" dirty="0"/>
+              <a:t>volte</a:t>
+            </a:r>
+            <a:r>
+              <a:rPr lang="it-IT" b="1" dirty="0"/>
+              <a:t>)</a:t>
+            </a:r>
+            <a:r>
+              <a:rPr lang="it-IT" dirty="0"/>
+              <a:t> </a:t>
+            </a:r>
+            <a:r>
+              <a:rPr lang="it-IT" b="1" dirty="0"/>
+              <a:t>{</a:t>
+            </a:r>
+            <a:endParaRPr lang="it-IT" dirty="0"/>
+          </a:p>
+          <a:p>
+            <a:pPr marL="0" indent="0">
+              <a:buNone/>
+            </a:pPr>
+            <a:r>
+              <a:rPr lang="it-IT" dirty="0"/>
+              <a:t>	finito </a:t>
+            </a:r>
+            <a:r>
+              <a:rPr lang="it-IT" b="1" dirty="0"/>
+              <a:t>=</a:t>
+            </a:r>
+            <a:r>
+              <a:rPr lang="it-IT" dirty="0"/>
+              <a:t> </a:t>
+            </a:r>
+            <a:r>
+              <a:rPr lang="it-IT" b="1" dirty="0"/>
+              <a:t>new</a:t>
+            </a:r>
+            <a:r>
+              <a:rPr lang="it-IT" dirty="0"/>
+              <a:t> Array</a:t>
+            </a:r>
+            <a:r>
+              <a:rPr lang="it-IT" b="1" dirty="0"/>
+              <a:t>();</a:t>
+            </a:r>
+            <a:endParaRPr lang="it-IT" dirty="0"/>
+          </a:p>
+          <a:p>
+            <a:pPr marL="0" indent="0">
+              <a:buNone/>
+            </a:pPr>
+            <a:r>
+              <a:rPr lang="it-IT" dirty="0"/>
+              <a:t>	</a:t>
+            </a:r>
+            <a:r>
+              <a:rPr lang="it-IT" b="1" dirty="0"/>
+              <a:t>for(</a:t>
+            </a:r>
+            <a:r>
+              <a:rPr lang="it-IT" b="1" dirty="0" err="1"/>
+              <a:t>var</a:t>
+            </a:r>
+            <a:r>
+              <a:rPr lang="it-IT" dirty="0"/>
+              <a:t> i</a:t>
+            </a:r>
+            <a:r>
+              <a:rPr lang="it-IT" b="1" dirty="0"/>
+              <a:t>=</a:t>
+            </a:r>
+            <a:r>
+              <a:rPr lang="it-IT" dirty="0"/>
+              <a:t>0</a:t>
+            </a:r>
+            <a:r>
+              <a:rPr lang="it-IT" b="1" dirty="0"/>
+              <a:t>;</a:t>
+            </a:r>
+            <a:r>
+              <a:rPr lang="it-IT" dirty="0"/>
+              <a:t>i</a:t>
+            </a:r>
+            <a:r>
+              <a:rPr lang="it-IT" b="1" dirty="0"/>
+              <a:t>&lt;</a:t>
+            </a:r>
+            <a:r>
+              <a:rPr lang="it-IT" dirty="0" err="1"/>
+              <a:t>volte</a:t>
+            </a:r>
+            <a:r>
+              <a:rPr lang="it-IT" b="1" dirty="0" err="1"/>
+              <a:t>;</a:t>
+            </a:r>
+            <a:r>
+              <a:rPr lang="it-IT" dirty="0" err="1"/>
+              <a:t>i</a:t>
+            </a:r>
+            <a:r>
+              <a:rPr lang="it-IT" b="1" dirty="0"/>
+              <a:t>++)</a:t>
+            </a:r>
+            <a:r>
+              <a:rPr lang="it-IT" dirty="0"/>
+              <a:t> </a:t>
+            </a:r>
+            <a:r>
+              <a:rPr lang="it-IT" b="1" dirty="0"/>
+              <a:t>{</a:t>
+            </a:r>
+            <a:endParaRPr lang="it-IT" dirty="0"/>
+          </a:p>
+          <a:p>
+            <a:pPr marL="0" indent="0">
+              <a:buNone/>
+            </a:pPr>
+            <a:r>
+              <a:rPr lang="it-IT" dirty="0"/>
+              <a:t>		</a:t>
+            </a:r>
+            <a:r>
+              <a:rPr lang="it-IT" dirty="0" err="1"/>
+              <a:t>finito</a:t>
+            </a:r>
+            <a:r>
+              <a:rPr lang="it-IT" b="1" dirty="0" err="1"/>
+              <a:t>.</a:t>
+            </a:r>
+            <a:r>
+              <a:rPr lang="it-IT" dirty="0" err="1"/>
+              <a:t>push</a:t>
+            </a:r>
+            <a:r>
+              <a:rPr lang="it-IT" b="1" dirty="0"/>
+              <a:t>(false);</a:t>
+            </a:r>
+            <a:endParaRPr lang="it-IT" dirty="0"/>
+          </a:p>
+          <a:p>
+            <a:pPr marL="0" indent="0">
+              <a:buNone/>
+            </a:pPr>
+            <a:r>
+              <a:rPr lang="it-IT" dirty="0"/>
+              <a:t>	</a:t>
+            </a:r>
+            <a:r>
+              <a:rPr lang="it-IT" b="1" dirty="0"/>
+              <a:t>}</a:t>
+            </a:r>
+            <a:endParaRPr lang="it-IT" dirty="0"/>
+          </a:p>
+          <a:p>
+            <a:pPr marL="0" indent="0">
+              <a:buNone/>
+            </a:pPr>
+            <a:r>
+              <a:rPr lang="it-IT" b="1" dirty="0"/>
+              <a:t>}</a:t>
+            </a:r>
+            <a:endParaRPr lang="it-IT" dirty="0"/>
+          </a:p>
+        </p:txBody>
+      </p:sp>
+      <p:sp>
+        <p:nvSpPr>
+          <p:cNvPr id="4" name="Segnaposto contenuto 3"/>
+          <p:cNvSpPr>
+            <a:spLocks noGrp="1"/>
+          </p:cNvSpPr>
+          <p:nvPr>
+            <p:ph sz="half" idx="2"/>
+          </p:nvPr>
+        </p:nvSpPr>
+        <p:spPr/>
+        <p:txBody>
+          <a:bodyPr/>
+          <a:lstStyle/>
+          <a:p>
+            <a:r>
+              <a:rPr lang="it-IT" dirty="0" smtClean="0"/>
+              <a:t>All’interno di questa funzione andremo a costruire un array contenente un numero ‘volte’ di «</a:t>
+            </a:r>
+            <a:r>
+              <a:rPr lang="it-IT" b="1" dirty="0" smtClean="0"/>
+              <a:t>false</a:t>
+            </a:r>
+            <a:r>
+              <a:rPr lang="it-IT" dirty="0" smtClean="0"/>
+              <a:t>».</a:t>
+            </a:r>
+          </a:p>
+          <a:p>
+            <a:r>
+              <a:rPr lang="it-IT" dirty="0" smtClean="0"/>
+              <a:t>Questo array ci servirà più tardi per controllare se è terminata la sequenza di inserimento, poiché la sequenza di inserimento pone l’intero array a </a:t>
+            </a:r>
+            <a:r>
+              <a:rPr lang="it-IT" b="1" dirty="0" err="1" smtClean="0"/>
+              <a:t>true</a:t>
+            </a:r>
+            <a:r>
+              <a:rPr lang="it-IT" dirty="0" smtClean="0"/>
+              <a:t> quando termina.</a:t>
+            </a:r>
+          </a:p>
+        </p:txBody>
+      </p:sp>
+    </p:spTree>
+    <p:extLst>
+      <p:ext uri="{BB962C8B-B14F-4D97-AF65-F5344CB8AC3E}">
+        <p14:creationId xmlns:p14="http://schemas.microsoft.com/office/powerpoint/2010/main" val="2988586791"/>
+      </p:ext>
+    </p:extLst>
+  </p:cSld>
+  <p:clrMapOvr>
+    <a:masterClrMapping/>
+  </p:clrMapOvr>
+  <p:timing>
+    <p:tnLst>
+      <p:par>
+        <p:cTn id="1" dur="indefinite" restart="never" nodeType="tmRoot"/>
+      </p:par>
+    </p:tnLst>
+  </p:timing>
+</p:sld>
+</file>
+
+<file path=ppt/slides/slide16.xml><?xml version="1.0" encoding="utf-8"?>
+<p:sld xmlns:a="http://schemas.openxmlformats.org/drawingml/2006/main" xmlns:r="http://schemas.openxmlformats.org/officeDocument/2006/relationships" xmlns:p="http://schemas.openxmlformats.org/presentationml/2006/main">
+  <p:cSld>
+    <p:spTree>
+      <p:nvGrpSpPr>
+        <p:cNvPr id="1" name=""/>
+        <p:cNvGrpSpPr/>
+        <p:nvPr/>
+      </p:nvGrpSpPr>
+      <p:grpSpPr>
+        <a:xfrm>
+          <a:off x="0" y="0"/>
+          <a:ext cx="0" cy="0"/>
+          <a:chOff x="0" y="0"/>
+          <a:chExt cx="0" cy="0"/>
+        </a:xfrm>
+      </p:grpSpPr>
+      <p:sp>
+        <p:nvSpPr>
+          <p:cNvPr id="2" name="Titolo 1"/>
+          <p:cNvSpPr>
+            <a:spLocks noGrp="1"/>
+          </p:cNvSpPr>
+          <p:nvPr>
+            <p:ph type="title"/>
+          </p:nvPr>
+        </p:nvSpPr>
+        <p:spPr/>
+        <p:txBody>
+          <a:bodyPr/>
+          <a:lstStyle/>
+          <a:p>
+            <a:r>
+              <a:rPr lang="it-IT" dirty="0" smtClean="0"/>
+              <a:t>Funzione colora() </a:t>
+            </a:r>
+            <a:r>
+              <a:rPr lang="it-IT" sz="2000" dirty="0" smtClean="0"/>
+              <a:t>Prima Parte</a:t>
+            </a:r>
+            <a:endParaRPr lang="it-IT" sz="2000" dirty="0"/>
+          </a:p>
+        </p:txBody>
+      </p:sp>
+      <p:sp>
+        <p:nvSpPr>
+          <p:cNvPr id="3" name="Segnaposto contenuto 2"/>
+          <p:cNvSpPr>
+            <a:spLocks noGrp="1"/>
+          </p:cNvSpPr>
+          <p:nvPr>
+            <p:ph sz="half" idx="1"/>
+          </p:nvPr>
+        </p:nvSpPr>
+        <p:spPr>
+          <a:xfrm>
+            <a:off x="849085" y="1841862"/>
+            <a:ext cx="6844937" cy="4219303"/>
+          </a:xfrm>
+        </p:spPr>
+        <p:txBody>
+          <a:bodyPr>
+            <a:normAutofit/>
+          </a:bodyPr>
+          <a:lstStyle/>
+          <a:p>
+            <a:pPr marL="0" indent="0">
+              <a:buNone/>
+            </a:pPr>
+            <a:r>
+              <a:rPr lang="it-IT" b="1" dirty="0" err="1"/>
+              <a:t>function</a:t>
+            </a:r>
+            <a:r>
+              <a:rPr lang="it-IT" dirty="0"/>
+              <a:t> colora</a:t>
+            </a:r>
+            <a:r>
+              <a:rPr lang="it-IT" b="1" dirty="0"/>
+              <a:t>(</a:t>
+            </a:r>
+            <a:r>
+              <a:rPr lang="it-IT" dirty="0"/>
+              <a:t>volte</a:t>
+            </a:r>
+            <a:r>
+              <a:rPr lang="it-IT" b="1" dirty="0"/>
+              <a:t>)</a:t>
+            </a:r>
+            <a:r>
+              <a:rPr lang="it-IT" dirty="0"/>
+              <a:t> </a:t>
+            </a:r>
+            <a:r>
+              <a:rPr lang="it-IT" b="1" dirty="0"/>
+              <a:t>{</a:t>
+            </a:r>
+            <a:endParaRPr lang="it-IT" dirty="0"/>
+          </a:p>
+          <a:p>
+            <a:pPr marL="0" indent="0">
+              <a:buNone/>
+            </a:pPr>
+            <a:r>
+              <a:rPr lang="it-IT" dirty="0"/>
+              <a:t>	</a:t>
+            </a:r>
+            <a:r>
+              <a:rPr lang="it-IT" b="1" dirty="0" err="1"/>
+              <a:t>var</a:t>
+            </a:r>
+            <a:r>
+              <a:rPr lang="it-IT" dirty="0"/>
+              <a:t> </a:t>
+            </a:r>
+            <a:r>
+              <a:rPr lang="it-IT" dirty="0" err="1"/>
+              <a:t>millis</a:t>
+            </a:r>
+            <a:r>
+              <a:rPr lang="it-IT" dirty="0"/>
+              <a:t> </a:t>
+            </a:r>
+            <a:r>
+              <a:rPr lang="it-IT" b="1" dirty="0"/>
+              <a:t>=</a:t>
+            </a:r>
+            <a:r>
+              <a:rPr lang="it-IT" dirty="0"/>
+              <a:t> 0</a:t>
+            </a:r>
+            <a:r>
+              <a:rPr lang="it-IT" b="1" dirty="0"/>
+              <a:t>;</a:t>
+            </a:r>
+            <a:endParaRPr lang="it-IT" dirty="0"/>
+          </a:p>
+          <a:p>
+            <a:pPr marL="0" indent="0">
+              <a:buNone/>
+            </a:pPr>
+            <a:r>
+              <a:rPr lang="it-IT" dirty="0"/>
+              <a:t>	</a:t>
+            </a:r>
+            <a:r>
+              <a:rPr lang="it-IT" b="1" dirty="0"/>
+              <a:t>for(</a:t>
+            </a:r>
+            <a:r>
+              <a:rPr lang="it-IT" b="1" dirty="0" err="1"/>
+              <a:t>var</a:t>
+            </a:r>
+            <a:r>
+              <a:rPr lang="it-IT" dirty="0"/>
+              <a:t> i</a:t>
+            </a:r>
+            <a:r>
+              <a:rPr lang="it-IT" b="1" dirty="0"/>
+              <a:t>=</a:t>
+            </a:r>
+            <a:r>
+              <a:rPr lang="it-IT" dirty="0"/>
+              <a:t>0</a:t>
+            </a:r>
+            <a:r>
+              <a:rPr lang="it-IT" b="1" dirty="0"/>
+              <a:t>;</a:t>
+            </a:r>
+            <a:r>
+              <a:rPr lang="it-IT" dirty="0"/>
+              <a:t>i</a:t>
+            </a:r>
+            <a:r>
+              <a:rPr lang="it-IT" b="1" dirty="0"/>
+              <a:t>&lt;</a:t>
+            </a:r>
+            <a:r>
+              <a:rPr lang="it-IT" dirty="0" err="1"/>
+              <a:t>volte</a:t>
+            </a:r>
+            <a:r>
+              <a:rPr lang="it-IT" b="1" dirty="0" err="1"/>
+              <a:t>;</a:t>
+            </a:r>
+            <a:r>
+              <a:rPr lang="it-IT" dirty="0" err="1"/>
+              <a:t>i</a:t>
+            </a:r>
+            <a:r>
+              <a:rPr lang="it-IT" b="1" dirty="0"/>
+              <a:t>++)</a:t>
+            </a:r>
+            <a:r>
+              <a:rPr lang="it-IT" dirty="0"/>
+              <a:t> </a:t>
+            </a:r>
+            <a:r>
+              <a:rPr lang="it-IT" b="1" dirty="0"/>
+              <a:t>{</a:t>
+            </a:r>
+            <a:endParaRPr lang="it-IT" dirty="0"/>
+          </a:p>
+          <a:p>
+            <a:pPr marL="0" indent="0">
+              <a:buNone/>
+            </a:pPr>
+            <a:r>
+              <a:rPr lang="it-IT" dirty="0"/>
+              <a:t>		</a:t>
+            </a:r>
+            <a:r>
+              <a:rPr lang="it-IT" dirty="0" err="1"/>
+              <a:t>millis</a:t>
+            </a:r>
+            <a:r>
+              <a:rPr lang="it-IT" b="1" dirty="0"/>
+              <a:t>=</a:t>
+            </a:r>
+            <a:r>
+              <a:rPr lang="it-IT" dirty="0"/>
+              <a:t>1000</a:t>
+            </a:r>
+            <a:r>
+              <a:rPr lang="it-IT" b="1" dirty="0"/>
+              <a:t>*</a:t>
+            </a:r>
+            <a:r>
+              <a:rPr lang="it-IT" dirty="0"/>
+              <a:t>i</a:t>
+            </a:r>
+            <a:r>
+              <a:rPr lang="it-IT" b="1" dirty="0"/>
+              <a:t>;</a:t>
+            </a:r>
+            <a:endParaRPr lang="it-IT" dirty="0"/>
+          </a:p>
+          <a:p>
+            <a:pPr marL="0" indent="0">
+              <a:buNone/>
+            </a:pPr>
+            <a:r>
+              <a:rPr lang="it-IT" dirty="0"/>
+              <a:t>		</a:t>
+            </a:r>
+            <a:r>
+              <a:rPr lang="it-IT" b="1" dirty="0" err="1"/>
+              <a:t>setTimeout</a:t>
+            </a:r>
+            <a:r>
+              <a:rPr lang="it-IT" b="1" dirty="0"/>
+              <a:t>(</a:t>
+            </a:r>
+            <a:r>
+              <a:rPr lang="it-IT" b="1" dirty="0" err="1"/>
+              <a:t>function</a:t>
+            </a:r>
+            <a:r>
+              <a:rPr lang="it-IT" b="1" dirty="0"/>
+              <a:t>()</a:t>
+            </a:r>
+            <a:r>
+              <a:rPr lang="it-IT" dirty="0"/>
+              <a:t> </a:t>
+            </a:r>
+            <a:r>
+              <a:rPr lang="it-IT" b="1" dirty="0"/>
+              <a:t>{</a:t>
+            </a:r>
+            <a:r>
+              <a:rPr lang="it-IT" dirty="0" err="1"/>
+              <a:t>colora_quadrato</a:t>
+            </a:r>
+            <a:r>
+              <a:rPr lang="it-IT" b="1" dirty="0"/>
+              <a:t>();},</a:t>
+            </a:r>
+            <a:r>
+              <a:rPr lang="it-IT" dirty="0"/>
+              <a:t> </a:t>
+            </a:r>
+            <a:r>
+              <a:rPr lang="it-IT" dirty="0" err="1"/>
+              <a:t>millis</a:t>
+            </a:r>
+            <a:r>
+              <a:rPr lang="it-IT" b="1" dirty="0"/>
+              <a:t>);</a:t>
+            </a:r>
+            <a:endParaRPr lang="it-IT" dirty="0"/>
+          </a:p>
+          <a:p>
+            <a:pPr marL="0" indent="0">
+              <a:buNone/>
+            </a:pPr>
+            <a:r>
+              <a:rPr lang="it-IT" dirty="0"/>
+              <a:t>		</a:t>
+            </a:r>
+            <a:r>
+              <a:rPr lang="it-IT" b="1" dirty="0" err="1"/>
+              <a:t>setTimeout</a:t>
+            </a:r>
+            <a:r>
+              <a:rPr lang="it-IT" b="1" dirty="0"/>
+              <a:t>(</a:t>
+            </a:r>
+            <a:r>
+              <a:rPr lang="it-IT" b="1" dirty="0" err="1"/>
+              <a:t>function</a:t>
+            </a:r>
+            <a:r>
+              <a:rPr lang="it-IT" b="1" dirty="0"/>
+              <a:t>()</a:t>
+            </a:r>
+            <a:r>
+              <a:rPr lang="it-IT" dirty="0"/>
+              <a:t> </a:t>
+            </a:r>
+            <a:r>
+              <a:rPr lang="it-IT" b="1" dirty="0"/>
+              <a:t>{</a:t>
+            </a:r>
+            <a:r>
+              <a:rPr lang="it-IT" dirty="0" err="1"/>
+              <a:t>colora_originale</a:t>
+            </a:r>
+            <a:r>
+              <a:rPr lang="it-IT" b="1" dirty="0"/>
+              <a:t>();},</a:t>
+            </a:r>
+            <a:r>
+              <a:rPr lang="it-IT" dirty="0"/>
+              <a:t> millis</a:t>
+            </a:r>
+            <a:r>
+              <a:rPr lang="it-IT" b="1" dirty="0"/>
+              <a:t>+</a:t>
+            </a:r>
+            <a:r>
+              <a:rPr lang="it-IT" dirty="0"/>
+              <a:t>500</a:t>
+            </a:r>
+            <a:r>
+              <a:rPr lang="it-IT" b="1" dirty="0"/>
+              <a:t>);</a:t>
+            </a:r>
+            <a:endParaRPr lang="it-IT" dirty="0"/>
+          </a:p>
+          <a:p>
+            <a:pPr marL="0" indent="0">
+              <a:buNone/>
+            </a:pPr>
+            <a:r>
+              <a:rPr lang="it-IT" dirty="0"/>
+              <a:t>	</a:t>
+            </a:r>
+            <a:r>
+              <a:rPr lang="it-IT" b="1" dirty="0"/>
+              <a:t>}</a:t>
+            </a:r>
+            <a:endParaRPr lang="it-IT" dirty="0"/>
+          </a:p>
+          <a:p>
+            <a:pPr marL="0" indent="0">
+              <a:buNone/>
+            </a:pPr>
+            <a:r>
+              <a:rPr lang="it-IT" dirty="0"/>
+              <a:t>	</a:t>
+            </a:r>
+            <a:r>
+              <a:rPr lang="it-IT" b="1" dirty="0" err="1"/>
+              <a:t>setTimeout</a:t>
+            </a:r>
+            <a:r>
+              <a:rPr lang="it-IT" b="1" dirty="0"/>
+              <a:t>(</a:t>
+            </a:r>
+            <a:r>
+              <a:rPr lang="it-IT" b="1" dirty="0" err="1"/>
+              <a:t>function</a:t>
+            </a:r>
+            <a:r>
+              <a:rPr lang="it-IT" b="1" dirty="0"/>
+              <a:t>(){</a:t>
+            </a:r>
+            <a:r>
+              <a:rPr lang="it-IT" b="1" dirty="0" err="1"/>
+              <a:t>alert</a:t>
+            </a:r>
+            <a:r>
+              <a:rPr lang="it-IT" b="1" dirty="0"/>
+              <a:t>(</a:t>
+            </a:r>
+            <a:r>
+              <a:rPr lang="it-IT" dirty="0"/>
+              <a:t>'Tocca a te!'</a:t>
+            </a:r>
+            <a:r>
+              <a:rPr lang="it-IT" b="1" dirty="0"/>
+              <a:t>);},</a:t>
+            </a:r>
+            <a:r>
+              <a:rPr lang="it-IT" dirty="0"/>
+              <a:t>millis</a:t>
+            </a:r>
+            <a:r>
+              <a:rPr lang="it-IT" b="1" dirty="0"/>
+              <a:t>+</a:t>
+            </a:r>
+            <a:r>
+              <a:rPr lang="it-IT" dirty="0"/>
+              <a:t>1000</a:t>
+            </a:r>
+            <a:r>
+              <a:rPr lang="it-IT" b="1" dirty="0"/>
+              <a:t>);</a:t>
+            </a:r>
+            <a:endParaRPr lang="it-IT" dirty="0"/>
+          </a:p>
+          <a:p>
+            <a:pPr marL="0" indent="0">
+              <a:buNone/>
+            </a:pPr>
+            <a:r>
+              <a:rPr lang="it-IT" b="1" dirty="0"/>
+              <a:t>}</a:t>
+            </a:r>
+            <a:endParaRPr lang="it-IT" dirty="0"/>
+          </a:p>
+        </p:txBody>
+      </p:sp>
+      <p:sp>
+        <p:nvSpPr>
+          <p:cNvPr id="4" name="Segnaposto contenuto 3"/>
+          <p:cNvSpPr>
+            <a:spLocks noGrp="1"/>
+          </p:cNvSpPr>
+          <p:nvPr>
+            <p:ph sz="half" idx="2"/>
+          </p:nvPr>
+        </p:nvSpPr>
+        <p:spPr>
+          <a:xfrm>
+            <a:off x="7837713" y="1841861"/>
+            <a:ext cx="3665309" cy="4219303"/>
+          </a:xfrm>
+        </p:spPr>
+        <p:txBody>
+          <a:bodyPr>
+            <a:normAutofit/>
+          </a:bodyPr>
+          <a:lstStyle/>
+          <a:p>
+            <a:r>
+              <a:rPr lang="it-IT" dirty="0" smtClean="0"/>
+              <a:t>All’interno della funzione colora() coloriamo i vari quadrati prima di bianco e dopo li riportiamo al colore di partenza.</a:t>
+            </a:r>
+          </a:p>
+          <a:p>
+            <a:r>
+              <a:rPr lang="it-IT" dirty="0" smtClean="0"/>
+              <a:t>Questo serve a dare l’illusione di accensione/spegnimento che crea la sequenza.</a:t>
+            </a:r>
+          </a:p>
+          <a:p>
+            <a:r>
+              <a:rPr lang="it-IT" dirty="0" smtClean="0"/>
+              <a:t>Questo avviene tramite la funzione </a:t>
+            </a:r>
+            <a:r>
+              <a:rPr lang="it-IT" dirty="0" err="1" smtClean="0"/>
+              <a:t>colora_quadrato</a:t>
+            </a:r>
+            <a:r>
+              <a:rPr lang="it-IT" dirty="0" smtClean="0"/>
+              <a:t> e </a:t>
+            </a:r>
+            <a:r>
+              <a:rPr lang="it-IT" dirty="0" err="1" smtClean="0"/>
+              <a:t>colora_originale</a:t>
+            </a:r>
+            <a:r>
+              <a:rPr lang="it-IT" dirty="0"/>
+              <a:t> </a:t>
+            </a:r>
+            <a:r>
+              <a:rPr lang="it-IT" dirty="0" smtClean="0"/>
+              <a:t>che sono </a:t>
+            </a:r>
+            <a:r>
+              <a:rPr lang="it-IT" b="1" dirty="0" smtClean="0"/>
+              <a:t>asincrone.</a:t>
+            </a:r>
+            <a:endParaRPr lang="it-IT" b="1" dirty="0"/>
+          </a:p>
+        </p:txBody>
+      </p:sp>
+    </p:spTree>
+    <p:extLst>
+      <p:ext uri="{BB962C8B-B14F-4D97-AF65-F5344CB8AC3E}">
+        <p14:creationId xmlns:p14="http://schemas.microsoft.com/office/powerpoint/2010/main" val="4210924781"/>
+      </p:ext>
+    </p:extLst>
+  </p:cSld>
+  <p:clrMapOvr>
+    <a:masterClrMapping/>
+  </p:clrMapOvr>
+  <p:timing>
+    <p:tnLst>
+      <p:par>
+        <p:cTn id="1" dur="indefinite" restart="never" nodeType="tmRoot"/>
+      </p:par>
+    </p:tnLst>
+  </p:timing>
+</p:sld>
+</file>
+
+<file path=ppt/slides/slide17.xml><?xml version="1.0" encoding="utf-8"?>
+<p:sld xmlns:a="http://schemas.openxmlformats.org/drawingml/2006/main" xmlns:r="http://schemas.openxmlformats.org/officeDocument/2006/relationships" xmlns:p="http://schemas.openxmlformats.org/presentationml/2006/main">
+  <p:cSld>
+    <p:spTree>
+      <p:nvGrpSpPr>
+        <p:cNvPr id="1" name=""/>
+        <p:cNvGrpSpPr/>
+        <p:nvPr/>
+      </p:nvGrpSpPr>
+      <p:grpSpPr>
+        <a:xfrm>
+          <a:off x="0" y="0"/>
+          <a:ext cx="0" cy="0"/>
+          <a:chOff x="0" y="0"/>
+          <a:chExt cx="0" cy="0"/>
+        </a:xfrm>
+      </p:grpSpPr>
+      <p:sp>
+        <p:nvSpPr>
+          <p:cNvPr id="2" name="Titolo 1"/>
+          <p:cNvSpPr>
+            <a:spLocks noGrp="1"/>
+          </p:cNvSpPr>
+          <p:nvPr>
+            <p:ph type="title"/>
+          </p:nvPr>
+        </p:nvSpPr>
+        <p:spPr/>
+        <p:txBody>
+          <a:bodyPr/>
+          <a:lstStyle/>
+          <a:p>
+            <a:r>
+              <a:rPr lang="it-IT" dirty="0"/>
+              <a:t>Funzione colora() </a:t>
+            </a:r>
+            <a:r>
+              <a:rPr lang="it-IT" sz="2000" dirty="0" smtClean="0"/>
+              <a:t>Seconda </a:t>
+            </a:r>
+            <a:r>
+              <a:rPr lang="it-IT" sz="2000" dirty="0"/>
+              <a:t>Parte</a:t>
+            </a:r>
+          </a:p>
+        </p:txBody>
+      </p:sp>
+      <p:sp>
+        <p:nvSpPr>
+          <p:cNvPr id="3" name="Segnaposto contenuto 2"/>
+          <p:cNvSpPr>
+            <a:spLocks noGrp="1"/>
+          </p:cNvSpPr>
+          <p:nvPr>
+            <p:ph idx="1"/>
+          </p:nvPr>
+        </p:nvSpPr>
+        <p:spPr/>
+        <p:txBody>
+          <a:bodyPr>
+            <a:normAutofit fontScale="92500" lnSpcReduction="10000"/>
+          </a:bodyPr>
+          <a:lstStyle/>
+          <a:p>
+            <a:r>
+              <a:rPr lang="it-IT" dirty="0" smtClean="0"/>
+              <a:t>Cos’è una funzione </a:t>
+            </a:r>
+            <a:r>
+              <a:rPr lang="it-IT" b="1" dirty="0" smtClean="0"/>
+              <a:t>asincrona?</a:t>
+            </a:r>
+          </a:p>
+          <a:p>
+            <a:pPr marL="457200" indent="-457200">
+              <a:buFont typeface="+mj-lt"/>
+              <a:buAutoNum type="arabicPeriod"/>
+            </a:pPr>
+            <a:r>
+              <a:rPr lang="it-IT" dirty="0" smtClean="0"/>
+              <a:t>Una funzione asincrona è una funzione che viene eseguita in maniera indipendente dal normale corso del programma.</a:t>
+            </a:r>
+          </a:p>
+          <a:p>
+            <a:pPr marL="457200" indent="-457200">
+              <a:buFont typeface="+mj-lt"/>
+              <a:buAutoNum type="arabicPeriod"/>
+            </a:pPr>
+            <a:r>
+              <a:rPr lang="it-IT" dirty="0" smtClean="0"/>
+              <a:t>Il programma cioè non aspetta la terminazione della funzione per continuare con le successive operazioni.</a:t>
+            </a:r>
+          </a:p>
+          <a:p>
+            <a:r>
+              <a:rPr lang="it-IT" dirty="0" smtClean="0"/>
+              <a:t>Per questo motivo abbiamo inizializzato prima un array di controllo.</a:t>
+            </a:r>
+          </a:p>
+          <a:p>
+            <a:r>
+              <a:rPr lang="it-IT" dirty="0" smtClean="0"/>
+              <a:t> Ci servirà per testare che effettivamente la sequenza abbia terminato, prima di permettere all’utente di cliccare sui quadrati e quindi di registrare la </a:t>
+            </a:r>
+            <a:r>
+              <a:rPr lang="it-IT" u="sng" dirty="0" smtClean="0"/>
+              <a:t>sua</a:t>
+            </a:r>
+            <a:r>
+              <a:rPr lang="it-IT" dirty="0" smtClean="0"/>
+              <a:t> sequenza.</a:t>
+            </a:r>
+            <a:endParaRPr lang="it-IT" dirty="0"/>
+          </a:p>
+        </p:txBody>
+      </p:sp>
+    </p:spTree>
+    <p:extLst>
+      <p:ext uri="{BB962C8B-B14F-4D97-AF65-F5344CB8AC3E}">
+        <p14:creationId xmlns:p14="http://schemas.microsoft.com/office/powerpoint/2010/main" val="1936845760"/>
+      </p:ext>
+    </p:extLst>
+  </p:cSld>
+  <p:clrMapOvr>
+    <a:masterClrMapping/>
+  </p:clrMapOvr>
+  <p:timing>
+    <p:tnLst>
+      <p:par>
+        <p:cTn id="1" dur="indefinite" restart="never" nodeType="tmRoot"/>
+      </p:par>
+    </p:tnLst>
+  </p:timing>
+</p:sld>
+</file>
+
+<file path=ppt/slides/slide18.xml><?xml version="1.0" encoding="utf-8"?>
+<p:sld xmlns:a="http://schemas.openxmlformats.org/drawingml/2006/main" xmlns:r="http://schemas.openxmlformats.org/officeDocument/2006/relationships" xmlns:p="http://schemas.openxmlformats.org/presentationml/2006/main">
+  <p:cSld>
+    <p:spTree>
+      <p:nvGrpSpPr>
+        <p:cNvPr id="1" name=""/>
+        <p:cNvGrpSpPr/>
+        <p:nvPr/>
+      </p:nvGrpSpPr>
+      <p:grpSpPr>
+        <a:xfrm>
+          <a:off x="0" y="0"/>
+          <a:ext cx="0" cy="0"/>
+          <a:chOff x="0" y="0"/>
+          <a:chExt cx="0" cy="0"/>
+        </a:xfrm>
+      </p:grpSpPr>
+      <p:sp>
+        <p:nvSpPr>
+          <p:cNvPr id="2" name="Titolo 1"/>
+          <p:cNvSpPr>
+            <a:spLocks noGrp="1"/>
+          </p:cNvSpPr>
+          <p:nvPr>
+            <p:ph type="title"/>
+          </p:nvPr>
+        </p:nvSpPr>
+        <p:spPr>
+          <a:xfrm>
+            <a:off x="1484312" y="111034"/>
+            <a:ext cx="10018713" cy="1752599"/>
+          </a:xfrm>
+        </p:spPr>
+        <p:txBody>
+          <a:bodyPr/>
+          <a:lstStyle/>
+          <a:p>
+            <a:r>
+              <a:rPr lang="it-IT" dirty="0" smtClean="0"/>
+              <a:t>Funzione </a:t>
+            </a:r>
+            <a:r>
+              <a:rPr lang="it-IT" dirty="0" err="1" smtClean="0"/>
+              <a:t>colora_quadrato</a:t>
+            </a:r>
+            <a:r>
+              <a:rPr lang="it-IT" dirty="0" smtClean="0"/>
+              <a:t>() </a:t>
+            </a:r>
+            <a:r>
+              <a:rPr lang="it-IT" sz="2000" dirty="0" smtClean="0"/>
+              <a:t>Prima Parte</a:t>
+            </a:r>
+            <a:endParaRPr lang="it-IT" sz="2000" dirty="0"/>
+          </a:p>
+        </p:txBody>
+      </p:sp>
+      <p:sp>
+        <p:nvSpPr>
+          <p:cNvPr id="3" name="Segnaposto contenuto 2"/>
+          <p:cNvSpPr>
+            <a:spLocks noGrp="1"/>
+          </p:cNvSpPr>
+          <p:nvPr>
+            <p:ph sz="half" idx="1"/>
+          </p:nvPr>
+        </p:nvSpPr>
+        <p:spPr>
+          <a:xfrm>
+            <a:off x="1484312" y="1606731"/>
+            <a:ext cx="4903425" cy="4572001"/>
+          </a:xfrm>
+        </p:spPr>
+        <p:txBody>
+          <a:bodyPr>
+            <a:normAutofit fontScale="85000" lnSpcReduction="20000"/>
+          </a:bodyPr>
+          <a:lstStyle/>
+          <a:p>
+            <a:pPr marL="0" indent="0">
+              <a:lnSpc>
+                <a:spcPct val="120000"/>
+              </a:lnSpc>
+              <a:buNone/>
+            </a:pPr>
+            <a:r>
+              <a:rPr lang="it-IT" b="1" dirty="0" err="1"/>
+              <a:t>function</a:t>
+            </a:r>
+            <a:r>
+              <a:rPr lang="it-IT" dirty="0"/>
+              <a:t> </a:t>
+            </a:r>
+            <a:r>
+              <a:rPr lang="it-IT" dirty="0" err="1"/>
+              <a:t>colora_quadrato</a:t>
+            </a:r>
+            <a:r>
+              <a:rPr lang="it-IT" b="1" dirty="0"/>
+              <a:t>()</a:t>
+            </a:r>
+            <a:r>
+              <a:rPr lang="it-IT" dirty="0"/>
+              <a:t> </a:t>
+            </a:r>
+            <a:r>
+              <a:rPr lang="it-IT" b="1" dirty="0"/>
+              <a:t>{</a:t>
+            </a:r>
+            <a:endParaRPr lang="it-IT" dirty="0"/>
+          </a:p>
+          <a:p>
+            <a:pPr marL="0" indent="0">
+              <a:lnSpc>
+                <a:spcPct val="120000"/>
+              </a:lnSpc>
+              <a:buNone/>
+            </a:pPr>
+            <a:r>
+              <a:rPr lang="it-IT" dirty="0"/>
+              <a:t>	</a:t>
+            </a:r>
+            <a:r>
+              <a:rPr lang="it-IT" b="1" dirty="0" err="1"/>
+              <a:t>var</a:t>
+            </a:r>
+            <a:r>
+              <a:rPr lang="it-IT" dirty="0"/>
+              <a:t> </a:t>
+            </a:r>
+            <a:r>
+              <a:rPr lang="it-IT" dirty="0" err="1"/>
+              <a:t>quad</a:t>
+            </a:r>
+            <a:r>
+              <a:rPr lang="it-IT" dirty="0"/>
+              <a:t> </a:t>
+            </a:r>
+            <a:r>
+              <a:rPr lang="it-IT" b="1" dirty="0"/>
+              <a:t>=</a:t>
+            </a:r>
+            <a:r>
+              <a:rPr lang="it-IT" dirty="0"/>
+              <a:t> </a:t>
+            </a:r>
+            <a:r>
+              <a:rPr lang="it-IT" b="1" dirty="0"/>
+              <a:t>(</a:t>
+            </a:r>
+            <a:r>
+              <a:rPr lang="it-IT" dirty="0" err="1"/>
+              <a:t>Math</a:t>
+            </a:r>
+            <a:r>
+              <a:rPr lang="it-IT" b="1" dirty="0" err="1"/>
+              <a:t>.</a:t>
+            </a:r>
+            <a:r>
+              <a:rPr lang="it-IT" dirty="0" err="1"/>
+              <a:t>random</a:t>
+            </a:r>
+            <a:r>
+              <a:rPr lang="it-IT" b="1" dirty="0"/>
+              <a:t>()*</a:t>
+            </a:r>
+            <a:r>
+              <a:rPr lang="it-IT" dirty="0"/>
+              <a:t>100</a:t>
+            </a:r>
+            <a:r>
+              <a:rPr lang="it-IT" b="1" dirty="0"/>
+              <a:t>);</a:t>
+            </a:r>
+            <a:endParaRPr lang="it-IT" dirty="0"/>
+          </a:p>
+          <a:p>
+            <a:pPr marL="0" indent="0">
+              <a:lnSpc>
+                <a:spcPct val="120000"/>
+              </a:lnSpc>
+              <a:buNone/>
+            </a:pPr>
+            <a:r>
+              <a:rPr lang="it-IT" dirty="0"/>
+              <a:t>	</a:t>
+            </a:r>
+            <a:r>
+              <a:rPr lang="it-IT" b="1" dirty="0" err="1"/>
+              <a:t>var</a:t>
+            </a:r>
+            <a:r>
+              <a:rPr lang="it-IT" dirty="0"/>
+              <a:t> id</a:t>
+            </a:r>
+            <a:r>
+              <a:rPr lang="it-IT" b="1" dirty="0"/>
+              <a:t>=</a:t>
+            </a:r>
+            <a:r>
+              <a:rPr lang="it-IT" dirty="0"/>
+              <a:t>"q"</a:t>
+            </a:r>
+            <a:r>
+              <a:rPr lang="it-IT" b="1" dirty="0"/>
+              <a:t>;</a:t>
+            </a:r>
+            <a:endParaRPr lang="it-IT" dirty="0"/>
+          </a:p>
+          <a:p>
+            <a:pPr marL="0" indent="0">
+              <a:lnSpc>
+                <a:spcPct val="120000"/>
+              </a:lnSpc>
+              <a:buNone/>
+            </a:pPr>
+            <a:r>
+              <a:rPr lang="it-IT" dirty="0"/>
+              <a:t>	</a:t>
+            </a:r>
+            <a:r>
+              <a:rPr lang="it-IT" b="1" dirty="0" err="1"/>
+              <a:t>if</a:t>
+            </a:r>
+            <a:r>
+              <a:rPr lang="it-IT" b="1" dirty="0"/>
+              <a:t>(</a:t>
+            </a:r>
+            <a:r>
+              <a:rPr lang="it-IT" dirty="0" err="1"/>
+              <a:t>quad</a:t>
+            </a:r>
+            <a:r>
+              <a:rPr lang="it-IT" b="1" dirty="0"/>
+              <a:t>&lt;</a:t>
+            </a:r>
+            <a:r>
+              <a:rPr lang="it-IT" dirty="0"/>
+              <a:t>25</a:t>
+            </a:r>
+            <a:r>
+              <a:rPr lang="it-IT" b="1" dirty="0"/>
+              <a:t>)</a:t>
+            </a:r>
+            <a:r>
+              <a:rPr lang="it-IT" dirty="0"/>
+              <a:t> </a:t>
+            </a:r>
+            <a:r>
+              <a:rPr lang="it-IT" b="1" dirty="0" smtClean="0"/>
+              <a:t>{</a:t>
+            </a:r>
+            <a:endParaRPr lang="it-IT" dirty="0" smtClean="0"/>
+          </a:p>
+          <a:p>
+            <a:pPr marL="0" indent="0">
+              <a:lnSpc>
+                <a:spcPct val="120000"/>
+              </a:lnSpc>
+              <a:buNone/>
+            </a:pPr>
+            <a:r>
+              <a:rPr lang="it-IT" dirty="0" smtClean="0"/>
+              <a:t>		id</a:t>
+            </a:r>
+            <a:r>
+              <a:rPr lang="it-IT" b="1" dirty="0" smtClean="0"/>
+              <a:t>+=</a:t>
+            </a:r>
+            <a:r>
+              <a:rPr lang="it-IT" dirty="0" smtClean="0"/>
+              <a:t>"1"</a:t>
+            </a:r>
+            <a:r>
+              <a:rPr lang="it-IT" b="1" dirty="0" smtClean="0"/>
+              <a:t>;</a:t>
+            </a:r>
+            <a:endParaRPr lang="it-IT" dirty="0" smtClean="0"/>
+          </a:p>
+          <a:p>
+            <a:pPr marL="0" indent="0">
+              <a:lnSpc>
+                <a:spcPct val="120000"/>
+              </a:lnSpc>
+              <a:buNone/>
+            </a:pPr>
+            <a:r>
+              <a:rPr lang="it-IT" dirty="0"/>
+              <a:t>		sequenza </a:t>
+            </a:r>
+            <a:r>
+              <a:rPr lang="it-IT" b="1" dirty="0"/>
+              <a:t>+=</a:t>
+            </a:r>
+            <a:r>
+              <a:rPr lang="it-IT" dirty="0"/>
+              <a:t> "1"</a:t>
+            </a:r>
+            <a:r>
+              <a:rPr lang="it-IT" b="1" dirty="0"/>
+              <a:t>;</a:t>
+            </a:r>
+            <a:endParaRPr lang="it-IT" dirty="0"/>
+          </a:p>
+          <a:p>
+            <a:pPr marL="0" indent="0">
+              <a:lnSpc>
+                <a:spcPct val="120000"/>
+              </a:lnSpc>
+              <a:buNone/>
+            </a:pPr>
+            <a:r>
+              <a:rPr lang="it-IT" dirty="0"/>
+              <a:t>		</a:t>
+            </a:r>
+            <a:r>
+              <a:rPr lang="it-IT" b="1" dirty="0"/>
+              <a:t>}</a:t>
+            </a:r>
+            <a:endParaRPr lang="it-IT" dirty="0"/>
+          </a:p>
+          <a:p>
+            <a:pPr marL="0" indent="0">
+              <a:lnSpc>
+                <a:spcPct val="120000"/>
+              </a:lnSpc>
+              <a:buNone/>
+            </a:pPr>
+            <a:r>
+              <a:rPr lang="it-IT" dirty="0"/>
+              <a:t>	</a:t>
+            </a:r>
+            <a:r>
+              <a:rPr lang="it-IT" b="1" dirty="0" err="1"/>
+              <a:t>if</a:t>
+            </a:r>
+            <a:r>
+              <a:rPr lang="it-IT" b="1" dirty="0"/>
+              <a:t>(</a:t>
+            </a:r>
+            <a:r>
+              <a:rPr lang="it-IT" dirty="0" err="1"/>
+              <a:t>quad</a:t>
+            </a:r>
+            <a:r>
+              <a:rPr lang="it-IT" b="1" dirty="0"/>
+              <a:t>&gt;=</a:t>
+            </a:r>
+            <a:r>
+              <a:rPr lang="it-IT" dirty="0"/>
+              <a:t>25 </a:t>
+            </a:r>
+            <a:r>
+              <a:rPr lang="it-IT" b="1" dirty="0"/>
+              <a:t>&amp;&amp;</a:t>
+            </a:r>
+            <a:r>
+              <a:rPr lang="it-IT" dirty="0"/>
+              <a:t> </a:t>
+            </a:r>
+            <a:r>
+              <a:rPr lang="it-IT" dirty="0" err="1"/>
+              <a:t>quad</a:t>
+            </a:r>
+            <a:r>
+              <a:rPr lang="it-IT" dirty="0"/>
+              <a:t> </a:t>
+            </a:r>
+            <a:r>
+              <a:rPr lang="it-IT" b="1" dirty="0"/>
+              <a:t>&lt;</a:t>
+            </a:r>
+            <a:r>
+              <a:rPr lang="it-IT" dirty="0"/>
+              <a:t>50</a:t>
+            </a:r>
+            <a:r>
+              <a:rPr lang="it-IT" b="1" dirty="0"/>
+              <a:t>)</a:t>
+            </a:r>
+            <a:r>
+              <a:rPr lang="it-IT" dirty="0"/>
+              <a:t> </a:t>
+            </a:r>
+            <a:r>
+              <a:rPr lang="it-IT" b="1" dirty="0"/>
+              <a:t>{</a:t>
+            </a:r>
+            <a:endParaRPr lang="it-IT" dirty="0"/>
+          </a:p>
+          <a:p>
+            <a:pPr marL="0" indent="0">
+              <a:lnSpc>
+                <a:spcPct val="120000"/>
+              </a:lnSpc>
+              <a:buNone/>
+            </a:pPr>
+            <a:r>
+              <a:rPr lang="it-IT" dirty="0"/>
+              <a:t>		id</a:t>
+            </a:r>
+            <a:r>
+              <a:rPr lang="it-IT" b="1" dirty="0"/>
+              <a:t>+=</a:t>
+            </a:r>
+            <a:r>
+              <a:rPr lang="it-IT" dirty="0"/>
+              <a:t>"2"</a:t>
+            </a:r>
+            <a:r>
+              <a:rPr lang="it-IT" b="1" dirty="0"/>
+              <a:t>;</a:t>
+            </a:r>
+            <a:endParaRPr lang="it-IT" dirty="0"/>
+          </a:p>
+          <a:p>
+            <a:pPr marL="0" indent="0">
+              <a:lnSpc>
+                <a:spcPct val="120000"/>
+              </a:lnSpc>
+              <a:buNone/>
+            </a:pPr>
+            <a:r>
+              <a:rPr lang="it-IT" dirty="0"/>
+              <a:t>		sequenza</a:t>
+            </a:r>
+            <a:r>
+              <a:rPr lang="it-IT" b="1" dirty="0"/>
+              <a:t>+=</a:t>
+            </a:r>
+            <a:r>
+              <a:rPr lang="it-IT" dirty="0"/>
+              <a:t>"2"</a:t>
+            </a:r>
+            <a:r>
+              <a:rPr lang="it-IT" b="1" dirty="0"/>
+              <a:t>;</a:t>
+            </a:r>
+            <a:endParaRPr lang="it-IT" dirty="0"/>
+          </a:p>
+          <a:p>
+            <a:pPr marL="0" indent="0">
+              <a:lnSpc>
+                <a:spcPct val="120000"/>
+              </a:lnSpc>
+              <a:buNone/>
+            </a:pPr>
+            <a:r>
+              <a:rPr lang="it-IT" dirty="0"/>
+              <a:t>	</a:t>
+            </a:r>
+            <a:r>
+              <a:rPr lang="it-IT" b="1" dirty="0" smtClean="0"/>
+              <a:t>}</a:t>
+            </a:r>
+            <a:endParaRPr lang="it-IT" dirty="0"/>
+          </a:p>
+        </p:txBody>
+      </p:sp>
+      <p:sp>
+        <p:nvSpPr>
+          <p:cNvPr id="4" name="Segnaposto contenuto 3"/>
+          <p:cNvSpPr>
+            <a:spLocks noGrp="1"/>
+          </p:cNvSpPr>
+          <p:nvPr>
+            <p:ph sz="half" idx="2"/>
+          </p:nvPr>
+        </p:nvSpPr>
+        <p:spPr>
+          <a:xfrm>
+            <a:off x="6607969" y="1606731"/>
+            <a:ext cx="4895056" cy="4720047"/>
+          </a:xfrm>
+        </p:spPr>
+        <p:txBody>
+          <a:bodyPr>
+            <a:normAutofit fontScale="85000" lnSpcReduction="20000"/>
+          </a:bodyPr>
+          <a:lstStyle/>
+          <a:p>
+            <a:pPr marL="0" indent="0">
+              <a:lnSpc>
+                <a:spcPct val="120000"/>
+              </a:lnSpc>
+              <a:buNone/>
+            </a:pPr>
+            <a:endParaRPr lang="it-IT" b="1" dirty="0" smtClean="0"/>
+          </a:p>
+          <a:p>
+            <a:pPr marL="0" indent="0">
+              <a:lnSpc>
+                <a:spcPct val="120000"/>
+              </a:lnSpc>
+              <a:buNone/>
+            </a:pPr>
+            <a:r>
+              <a:rPr lang="it-IT" b="1" dirty="0" err="1" smtClean="0"/>
+              <a:t>if</a:t>
+            </a:r>
+            <a:r>
+              <a:rPr lang="it-IT" b="1" dirty="0" smtClean="0"/>
+              <a:t>(</a:t>
+            </a:r>
+            <a:r>
+              <a:rPr lang="it-IT" dirty="0" err="1" smtClean="0"/>
+              <a:t>quad</a:t>
+            </a:r>
+            <a:r>
+              <a:rPr lang="it-IT" b="1" dirty="0"/>
+              <a:t>&gt;=</a:t>
+            </a:r>
+            <a:r>
+              <a:rPr lang="it-IT" dirty="0"/>
+              <a:t>50 </a:t>
+            </a:r>
+            <a:r>
+              <a:rPr lang="it-IT" b="1" dirty="0"/>
+              <a:t>&amp;&amp;</a:t>
+            </a:r>
+            <a:r>
+              <a:rPr lang="it-IT" dirty="0"/>
+              <a:t> </a:t>
+            </a:r>
+            <a:r>
+              <a:rPr lang="it-IT" dirty="0" err="1"/>
+              <a:t>quad</a:t>
+            </a:r>
+            <a:r>
+              <a:rPr lang="it-IT" dirty="0"/>
+              <a:t> </a:t>
+            </a:r>
+            <a:r>
+              <a:rPr lang="it-IT" b="1" dirty="0"/>
+              <a:t>&lt;</a:t>
+            </a:r>
+            <a:r>
+              <a:rPr lang="it-IT" dirty="0"/>
+              <a:t>75</a:t>
+            </a:r>
+            <a:r>
+              <a:rPr lang="it-IT" b="1" dirty="0"/>
+              <a:t>)</a:t>
+            </a:r>
+            <a:r>
+              <a:rPr lang="it-IT" dirty="0"/>
+              <a:t> </a:t>
+            </a:r>
+            <a:r>
+              <a:rPr lang="it-IT" b="1" dirty="0"/>
+              <a:t>{</a:t>
+            </a:r>
+            <a:endParaRPr lang="it-IT" dirty="0"/>
+          </a:p>
+          <a:p>
+            <a:pPr marL="0" indent="0">
+              <a:lnSpc>
+                <a:spcPct val="120000"/>
+              </a:lnSpc>
+              <a:buNone/>
+            </a:pPr>
+            <a:r>
+              <a:rPr lang="it-IT" dirty="0"/>
+              <a:t>		id</a:t>
+            </a:r>
+            <a:r>
+              <a:rPr lang="it-IT" b="1" dirty="0"/>
+              <a:t>+=</a:t>
+            </a:r>
+            <a:r>
+              <a:rPr lang="it-IT" dirty="0"/>
+              <a:t>"3"</a:t>
+            </a:r>
+            <a:r>
+              <a:rPr lang="it-IT" b="1" dirty="0"/>
+              <a:t>;</a:t>
+            </a:r>
+            <a:endParaRPr lang="it-IT" dirty="0"/>
+          </a:p>
+          <a:p>
+            <a:pPr marL="0" indent="0">
+              <a:lnSpc>
+                <a:spcPct val="120000"/>
+              </a:lnSpc>
+              <a:buNone/>
+            </a:pPr>
+            <a:r>
+              <a:rPr lang="it-IT" dirty="0"/>
+              <a:t>		sequenza</a:t>
+            </a:r>
+            <a:r>
+              <a:rPr lang="it-IT" b="1" dirty="0"/>
+              <a:t>+=</a:t>
+            </a:r>
+            <a:r>
+              <a:rPr lang="it-IT" dirty="0"/>
+              <a:t>"3"</a:t>
+            </a:r>
+            <a:r>
+              <a:rPr lang="it-IT" b="1" dirty="0"/>
+              <a:t>;</a:t>
+            </a:r>
+            <a:endParaRPr lang="it-IT" dirty="0"/>
+          </a:p>
+          <a:p>
+            <a:pPr marL="0" indent="0">
+              <a:lnSpc>
+                <a:spcPct val="120000"/>
+              </a:lnSpc>
+              <a:buNone/>
+            </a:pPr>
+            <a:r>
+              <a:rPr lang="it-IT" dirty="0"/>
+              <a:t>	</a:t>
+            </a:r>
+            <a:r>
+              <a:rPr lang="it-IT" b="1" dirty="0"/>
+              <a:t>}</a:t>
+            </a:r>
+            <a:endParaRPr lang="it-IT" dirty="0"/>
+          </a:p>
+          <a:p>
+            <a:pPr marL="0" indent="0">
+              <a:lnSpc>
+                <a:spcPct val="120000"/>
+              </a:lnSpc>
+              <a:buNone/>
+            </a:pPr>
+            <a:r>
+              <a:rPr lang="it-IT" dirty="0"/>
+              <a:t>	</a:t>
+            </a:r>
+            <a:r>
+              <a:rPr lang="it-IT" b="1" dirty="0" err="1"/>
+              <a:t>if</a:t>
+            </a:r>
+            <a:r>
+              <a:rPr lang="it-IT" b="1" dirty="0"/>
+              <a:t>(</a:t>
+            </a:r>
+            <a:r>
+              <a:rPr lang="it-IT" dirty="0" err="1"/>
+              <a:t>quad</a:t>
+            </a:r>
+            <a:r>
+              <a:rPr lang="it-IT" b="1" dirty="0"/>
+              <a:t>&gt;=</a:t>
+            </a:r>
+            <a:r>
+              <a:rPr lang="it-IT" dirty="0"/>
+              <a:t>75</a:t>
+            </a:r>
+            <a:r>
+              <a:rPr lang="it-IT" b="1" dirty="0"/>
+              <a:t>)</a:t>
+            </a:r>
+            <a:r>
+              <a:rPr lang="it-IT" dirty="0"/>
+              <a:t> </a:t>
+            </a:r>
+            <a:r>
+              <a:rPr lang="it-IT" b="1" dirty="0"/>
+              <a:t>{</a:t>
+            </a:r>
+            <a:endParaRPr lang="it-IT" dirty="0"/>
+          </a:p>
+          <a:p>
+            <a:pPr marL="0" indent="0">
+              <a:lnSpc>
+                <a:spcPct val="120000"/>
+              </a:lnSpc>
+              <a:buNone/>
+            </a:pPr>
+            <a:r>
+              <a:rPr lang="it-IT" dirty="0"/>
+              <a:t>		sequenza</a:t>
+            </a:r>
+            <a:r>
+              <a:rPr lang="it-IT" b="1" dirty="0"/>
+              <a:t>+=</a:t>
+            </a:r>
+            <a:r>
+              <a:rPr lang="it-IT" dirty="0"/>
+              <a:t>"4"</a:t>
+            </a:r>
+            <a:r>
+              <a:rPr lang="it-IT" b="1" dirty="0"/>
+              <a:t>;</a:t>
+            </a:r>
+            <a:endParaRPr lang="it-IT" dirty="0"/>
+          </a:p>
+          <a:p>
+            <a:pPr marL="0" indent="0">
+              <a:lnSpc>
+                <a:spcPct val="120000"/>
+              </a:lnSpc>
+              <a:buNone/>
+            </a:pPr>
+            <a:r>
+              <a:rPr lang="it-IT" dirty="0"/>
+              <a:t>		id</a:t>
+            </a:r>
+            <a:r>
+              <a:rPr lang="it-IT" b="1" dirty="0"/>
+              <a:t>+=</a:t>
+            </a:r>
+            <a:r>
+              <a:rPr lang="it-IT" dirty="0"/>
+              <a:t>"4"</a:t>
+            </a:r>
+            <a:r>
+              <a:rPr lang="it-IT" b="1" dirty="0"/>
+              <a:t>;</a:t>
+            </a:r>
+            <a:endParaRPr lang="it-IT" dirty="0"/>
+          </a:p>
+          <a:p>
+            <a:pPr marL="0" indent="0">
+              <a:lnSpc>
+                <a:spcPct val="120000"/>
+              </a:lnSpc>
+              <a:buNone/>
+            </a:pPr>
+            <a:r>
+              <a:rPr lang="it-IT" dirty="0"/>
+              <a:t>	</a:t>
+            </a:r>
+            <a:r>
+              <a:rPr lang="it-IT" b="1" dirty="0"/>
+              <a:t>}</a:t>
+            </a:r>
+            <a:endParaRPr lang="it-IT" dirty="0"/>
+          </a:p>
+          <a:p>
+            <a:pPr marL="0" indent="0">
+              <a:lnSpc>
+                <a:spcPct val="120000"/>
+              </a:lnSpc>
+              <a:buNone/>
+            </a:pPr>
+            <a:r>
+              <a:rPr lang="it-IT" dirty="0"/>
+              <a:t>	</a:t>
+            </a:r>
+            <a:r>
+              <a:rPr lang="it-IT" b="1" dirty="0" err="1"/>
+              <a:t>var</a:t>
+            </a:r>
+            <a:r>
+              <a:rPr lang="it-IT" dirty="0"/>
+              <a:t> div </a:t>
+            </a:r>
+            <a:r>
+              <a:rPr lang="it-IT" b="1" dirty="0"/>
+              <a:t>=</a:t>
+            </a:r>
+            <a:r>
+              <a:rPr lang="it-IT" dirty="0"/>
+              <a:t> </a:t>
+            </a:r>
+            <a:r>
+              <a:rPr lang="it-IT" b="1" dirty="0" err="1"/>
+              <a:t>document.</a:t>
+            </a:r>
+            <a:r>
+              <a:rPr lang="it-IT" dirty="0" err="1"/>
+              <a:t>getElementById</a:t>
+            </a:r>
+            <a:r>
+              <a:rPr lang="it-IT" b="1" dirty="0"/>
+              <a:t>(</a:t>
+            </a:r>
+            <a:r>
+              <a:rPr lang="it-IT" dirty="0"/>
+              <a:t> id </a:t>
+            </a:r>
+            <a:r>
+              <a:rPr lang="it-IT" b="1" dirty="0"/>
+              <a:t>);</a:t>
+            </a:r>
+            <a:endParaRPr lang="it-IT" dirty="0"/>
+          </a:p>
+          <a:p>
+            <a:pPr marL="0" indent="0">
+              <a:lnSpc>
+                <a:spcPct val="120000"/>
+              </a:lnSpc>
+              <a:buNone/>
+            </a:pPr>
+            <a:r>
+              <a:rPr lang="it-IT" dirty="0"/>
+              <a:t>	</a:t>
+            </a:r>
+            <a:r>
+              <a:rPr lang="it-IT" dirty="0" err="1"/>
+              <a:t>div</a:t>
+            </a:r>
+            <a:r>
+              <a:rPr lang="it-IT" b="1" dirty="0" err="1"/>
+              <a:t>.</a:t>
+            </a:r>
+            <a:r>
+              <a:rPr lang="it-IT" dirty="0" err="1"/>
+              <a:t>style</a:t>
+            </a:r>
+            <a:r>
+              <a:rPr lang="it-IT" b="1" dirty="0" err="1"/>
+              <a:t>.</a:t>
+            </a:r>
+            <a:r>
+              <a:rPr lang="it-IT" dirty="0" err="1"/>
+              <a:t>backgroundColor</a:t>
+            </a:r>
+            <a:r>
+              <a:rPr lang="it-IT" dirty="0"/>
+              <a:t> </a:t>
+            </a:r>
+            <a:r>
+              <a:rPr lang="it-IT" b="1" dirty="0"/>
+              <a:t>=</a:t>
+            </a:r>
+            <a:r>
+              <a:rPr lang="it-IT" dirty="0"/>
+              <a:t> '</a:t>
+            </a:r>
+            <a:r>
+              <a:rPr lang="it-IT" dirty="0" err="1"/>
+              <a:t>white</a:t>
+            </a:r>
+            <a:r>
+              <a:rPr lang="it-IT" dirty="0"/>
+              <a:t>'</a:t>
+            </a:r>
+            <a:r>
+              <a:rPr lang="it-IT" b="1" dirty="0"/>
+              <a:t>;</a:t>
+            </a:r>
+            <a:endParaRPr lang="it-IT" dirty="0"/>
+          </a:p>
+          <a:p>
+            <a:pPr marL="0" indent="0">
+              <a:lnSpc>
+                <a:spcPct val="120000"/>
+              </a:lnSpc>
+              <a:buNone/>
+            </a:pPr>
+            <a:r>
+              <a:rPr lang="it-IT" dirty="0"/>
+              <a:t>	</a:t>
+            </a:r>
+            <a:r>
+              <a:rPr lang="it-IT" dirty="0" err="1"/>
+              <a:t>ritorna_true</a:t>
+            </a:r>
+            <a:r>
+              <a:rPr lang="it-IT" b="1" dirty="0"/>
+              <a:t>();</a:t>
+            </a:r>
+          </a:p>
+          <a:p>
+            <a:pPr marL="0" indent="0">
+              <a:lnSpc>
+                <a:spcPct val="120000"/>
+              </a:lnSpc>
+              <a:buNone/>
+            </a:pPr>
+            <a:r>
+              <a:rPr lang="it-IT" b="1" dirty="0"/>
+              <a:t>}</a:t>
+            </a:r>
+          </a:p>
+          <a:p>
+            <a:endParaRPr lang="it-IT" dirty="0"/>
+          </a:p>
+        </p:txBody>
+      </p:sp>
+    </p:spTree>
+    <p:extLst>
+      <p:ext uri="{BB962C8B-B14F-4D97-AF65-F5344CB8AC3E}">
+        <p14:creationId xmlns:p14="http://schemas.microsoft.com/office/powerpoint/2010/main" val="1164181885"/>
+      </p:ext>
+    </p:extLst>
+  </p:cSld>
+  <p:clrMapOvr>
+    <a:masterClrMapping/>
+  </p:clrMapOvr>
+  <p:timing>
+    <p:tnLst>
+      <p:par>
+        <p:cTn id="1" dur="indefinite" restart="never" nodeType="tmRoot"/>
+      </p:par>
+    </p:tnLst>
+  </p:timing>
+</p:sld>
+</file>
+
+<file path=ppt/slides/slide19.xml><?xml version="1.0" encoding="utf-8"?>
+<p:sld xmlns:a="http://schemas.openxmlformats.org/drawingml/2006/main" xmlns:r="http://schemas.openxmlformats.org/officeDocument/2006/relationships" xmlns:p="http://schemas.openxmlformats.org/presentationml/2006/main">
+  <p:cSld>
+    <p:spTree>
+      <p:nvGrpSpPr>
+        <p:cNvPr id="1" name=""/>
+        <p:cNvGrpSpPr/>
+        <p:nvPr/>
+      </p:nvGrpSpPr>
+      <p:grpSpPr>
+        <a:xfrm>
+          <a:off x="0" y="0"/>
+          <a:ext cx="0" cy="0"/>
+          <a:chOff x="0" y="0"/>
+          <a:chExt cx="0" cy="0"/>
+        </a:xfrm>
+      </p:grpSpPr>
+      <p:sp>
+        <p:nvSpPr>
+          <p:cNvPr id="2" name="Titolo 1"/>
+          <p:cNvSpPr>
+            <a:spLocks noGrp="1"/>
+          </p:cNvSpPr>
+          <p:nvPr>
+            <p:ph type="title"/>
+          </p:nvPr>
+        </p:nvSpPr>
+        <p:spPr/>
+        <p:txBody>
+          <a:bodyPr/>
+          <a:lstStyle/>
+          <a:p>
+            <a:r>
+              <a:rPr lang="it-IT" dirty="0"/>
+              <a:t>Funzione </a:t>
+            </a:r>
+            <a:r>
+              <a:rPr lang="it-IT" dirty="0" err="1"/>
+              <a:t>colora_quadrato</a:t>
+            </a:r>
+            <a:r>
+              <a:rPr lang="it-IT" dirty="0" smtClean="0"/>
+              <a:t>() </a:t>
+            </a:r>
+            <a:r>
+              <a:rPr lang="it-IT" sz="2000" dirty="0" smtClean="0"/>
+              <a:t>Seconda Parte</a:t>
+            </a:r>
+            <a:endParaRPr lang="it-IT" sz="2000" dirty="0"/>
+          </a:p>
+        </p:txBody>
+      </p:sp>
+      <p:sp>
+        <p:nvSpPr>
+          <p:cNvPr id="3" name="Segnaposto contenuto 2"/>
+          <p:cNvSpPr>
+            <a:spLocks noGrp="1"/>
+          </p:cNvSpPr>
+          <p:nvPr>
+            <p:ph sz="half" idx="1"/>
+          </p:nvPr>
+        </p:nvSpPr>
+        <p:spPr/>
+        <p:txBody>
+          <a:bodyPr/>
+          <a:lstStyle/>
+          <a:p>
+            <a:r>
+              <a:rPr lang="it-IT" dirty="0" smtClean="0"/>
+              <a:t>All’interno di questa funzione andiamo a colorare un quadrato scelto a random tramite la funzione  </a:t>
+            </a:r>
+            <a:r>
+              <a:rPr lang="it-IT" dirty="0" err="1" smtClean="0"/>
+              <a:t>Math.random</a:t>
+            </a:r>
+            <a:r>
+              <a:rPr lang="it-IT" dirty="0" smtClean="0"/>
+              <a:t>().</a:t>
+            </a:r>
+          </a:p>
+          <a:p>
+            <a:r>
+              <a:rPr lang="it-IT" dirty="0" smtClean="0"/>
+              <a:t>Questo ci permette di riempire la sequenza generata dal computer (variabile ‘sequenza’) e di colorare il quadrato di bianco ogni volta che questa funzione viene richiamata. </a:t>
+            </a:r>
+            <a:endParaRPr lang="it-IT" dirty="0"/>
+          </a:p>
+        </p:txBody>
+      </p:sp>
+      <p:sp>
+        <p:nvSpPr>
+          <p:cNvPr id="4" name="Segnaposto contenuto 3"/>
+          <p:cNvSpPr>
+            <a:spLocks noGrp="1"/>
+          </p:cNvSpPr>
+          <p:nvPr>
+            <p:ph sz="half" idx="2"/>
+          </p:nvPr>
+        </p:nvSpPr>
+        <p:spPr/>
+        <p:txBody>
+          <a:bodyPr/>
+          <a:lstStyle/>
+          <a:p>
+            <a:r>
+              <a:rPr lang="it-IT" dirty="0" smtClean="0"/>
+              <a:t>Al termine della funzione andiamo a richiamare la funzione </a:t>
+            </a:r>
+            <a:r>
+              <a:rPr lang="it-IT" dirty="0" err="1" smtClean="0"/>
+              <a:t>ritorna_true</a:t>
+            </a:r>
+            <a:r>
+              <a:rPr lang="it-IT" dirty="0" smtClean="0"/>
+              <a:t>(), che serve per mettere a </a:t>
+            </a:r>
+            <a:r>
+              <a:rPr lang="it-IT" b="1" dirty="0" err="1" smtClean="0"/>
+              <a:t>true</a:t>
+            </a:r>
+            <a:r>
+              <a:rPr lang="it-IT" dirty="0" smtClean="0"/>
+              <a:t> il primo valore a false dell’array ‘finito’.</a:t>
+            </a:r>
+          </a:p>
+          <a:p>
+            <a:r>
+              <a:rPr lang="it-IT" dirty="0" smtClean="0"/>
+              <a:t>Questo ci serve per controllare che l’utente non clicchi e generi parti della sequenza prima che la sequenza generata dal computer sia effettivamente finita.</a:t>
+            </a:r>
+          </a:p>
+          <a:p>
+            <a:endParaRPr lang="it-IT" dirty="0"/>
+          </a:p>
+        </p:txBody>
+      </p:sp>
+    </p:spTree>
+    <p:extLst>
+      <p:ext uri="{BB962C8B-B14F-4D97-AF65-F5344CB8AC3E}">
+        <p14:creationId xmlns:p14="http://schemas.microsoft.com/office/powerpoint/2010/main" val="2124127308"/>
       </p:ext>
     </p:extLst>
   </p:cSld>
@@ -30854,6 +35111,1145 @@
     <p:extLst>
       <p:ext uri="{BB962C8B-B14F-4D97-AF65-F5344CB8AC3E}">
         <p14:creationId xmlns:p14="http://schemas.microsoft.com/office/powerpoint/2010/main" val="4158960175"/>
+      </p:ext>
+    </p:extLst>
+  </p:cSld>
+  <p:clrMapOvr>
+    <a:masterClrMapping/>
+  </p:clrMapOvr>
+  <p:timing>
+    <p:tnLst>
+      <p:par>
+        <p:cTn id="1" dur="indefinite" restart="never" nodeType="tmRoot"/>
+      </p:par>
+    </p:tnLst>
+  </p:timing>
+</p:sld>
+</file>
+
+<file path=ppt/slides/slide20.xml><?xml version="1.0" encoding="utf-8"?>
+<p:sld xmlns:a="http://schemas.openxmlformats.org/drawingml/2006/main" xmlns:r="http://schemas.openxmlformats.org/officeDocument/2006/relationships" xmlns:p="http://schemas.openxmlformats.org/presentationml/2006/main">
+  <p:cSld>
+    <p:spTree>
+      <p:nvGrpSpPr>
+        <p:cNvPr id="1" name=""/>
+        <p:cNvGrpSpPr/>
+        <p:nvPr/>
+      </p:nvGrpSpPr>
+      <p:grpSpPr>
+        <a:xfrm>
+          <a:off x="0" y="0"/>
+          <a:ext cx="0" cy="0"/>
+          <a:chOff x="0" y="0"/>
+          <a:chExt cx="0" cy="0"/>
+        </a:xfrm>
+      </p:grpSpPr>
+      <p:sp>
+        <p:nvSpPr>
+          <p:cNvPr id="2" name="Titolo 1"/>
+          <p:cNvSpPr>
+            <a:spLocks noGrp="1"/>
+          </p:cNvSpPr>
+          <p:nvPr>
+            <p:ph type="title"/>
+          </p:nvPr>
+        </p:nvSpPr>
+        <p:spPr>
+          <a:xfrm>
+            <a:off x="1484310" y="0"/>
+            <a:ext cx="10018713" cy="1752599"/>
+          </a:xfrm>
+        </p:spPr>
+        <p:txBody>
+          <a:bodyPr/>
+          <a:lstStyle/>
+          <a:p>
+            <a:r>
+              <a:rPr lang="it-IT" dirty="0" smtClean="0"/>
+              <a:t>Funzione </a:t>
+            </a:r>
+            <a:r>
+              <a:rPr lang="it-IT" dirty="0" err="1" smtClean="0"/>
+              <a:t>colora_originale</a:t>
+            </a:r>
+            <a:r>
+              <a:rPr lang="it-IT" dirty="0" smtClean="0"/>
+              <a:t>()</a:t>
+            </a:r>
+            <a:endParaRPr lang="it-IT" dirty="0"/>
+          </a:p>
+        </p:txBody>
+      </p:sp>
+      <p:sp>
+        <p:nvSpPr>
+          <p:cNvPr id="3" name="Segnaposto contenuto 2"/>
+          <p:cNvSpPr>
+            <a:spLocks noGrp="1"/>
+          </p:cNvSpPr>
+          <p:nvPr>
+            <p:ph sz="half" idx="1"/>
+          </p:nvPr>
+        </p:nvSpPr>
+        <p:spPr>
+          <a:xfrm>
+            <a:off x="1484310" y="1230086"/>
+            <a:ext cx="10018711" cy="2466704"/>
+          </a:xfrm>
+        </p:spPr>
+        <p:txBody>
+          <a:bodyPr>
+            <a:normAutofit/>
+          </a:bodyPr>
+          <a:lstStyle/>
+          <a:p>
+            <a:pPr marL="0" indent="0">
+              <a:buNone/>
+            </a:pPr>
+            <a:r>
+              <a:rPr lang="it-IT" b="1" dirty="0" err="1"/>
+              <a:t>function</a:t>
+            </a:r>
+            <a:r>
+              <a:rPr lang="it-IT" dirty="0"/>
+              <a:t> </a:t>
+            </a:r>
+            <a:r>
+              <a:rPr lang="it-IT" dirty="0" err="1"/>
+              <a:t>colora_originale</a:t>
+            </a:r>
+            <a:r>
+              <a:rPr lang="it-IT" b="1" dirty="0"/>
+              <a:t>()</a:t>
+            </a:r>
+            <a:r>
+              <a:rPr lang="it-IT" dirty="0"/>
+              <a:t> </a:t>
+            </a:r>
+            <a:r>
+              <a:rPr lang="it-IT" b="1" dirty="0"/>
+              <a:t>{</a:t>
+            </a:r>
+            <a:endParaRPr lang="it-IT" dirty="0"/>
+          </a:p>
+          <a:p>
+            <a:pPr marL="0" indent="0">
+              <a:buNone/>
+            </a:pPr>
+            <a:r>
+              <a:rPr lang="it-IT" dirty="0"/>
+              <a:t>	</a:t>
+            </a:r>
+            <a:r>
+              <a:rPr lang="it-IT" b="1" dirty="0" err="1"/>
+              <a:t>document.</a:t>
+            </a:r>
+            <a:r>
+              <a:rPr lang="it-IT" dirty="0" err="1"/>
+              <a:t>getElementById</a:t>
+            </a:r>
+            <a:r>
+              <a:rPr lang="it-IT" b="1" dirty="0"/>
+              <a:t>(</a:t>
+            </a:r>
+            <a:r>
+              <a:rPr lang="it-IT" dirty="0"/>
+              <a:t> "q1" </a:t>
+            </a:r>
+            <a:r>
+              <a:rPr lang="it-IT" b="1" dirty="0"/>
+              <a:t>).</a:t>
+            </a:r>
+            <a:r>
+              <a:rPr lang="it-IT" dirty="0" err="1"/>
+              <a:t>style</a:t>
+            </a:r>
+            <a:r>
+              <a:rPr lang="it-IT" b="1" dirty="0" err="1"/>
+              <a:t>.</a:t>
+            </a:r>
+            <a:r>
+              <a:rPr lang="it-IT" dirty="0" err="1"/>
+              <a:t>backgroundColor</a:t>
+            </a:r>
+            <a:r>
+              <a:rPr lang="it-IT" dirty="0"/>
+              <a:t> </a:t>
+            </a:r>
+            <a:r>
+              <a:rPr lang="it-IT" b="1" dirty="0"/>
+              <a:t>=</a:t>
+            </a:r>
+            <a:r>
+              <a:rPr lang="it-IT" dirty="0"/>
+              <a:t> "</a:t>
+            </a:r>
+            <a:r>
+              <a:rPr lang="it-IT" dirty="0" err="1"/>
+              <a:t>red</a:t>
+            </a:r>
+            <a:r>
+              <a:rPr lang="it-IT" dirty="0"/>
+              <a:t>"</a:t>
+            </a:r>
+            <a:r>
+              <a:rPr lang="it-IT" b="1" dirty="0"/>
+              <a:t>;</a:t>
+            </a:r>
+            <a:endParaRPr lang="it-IT" dirty="0"/>
+          </a:p>
+          <a:p>
+            <a:pPr marL="0" indent="0">
+              <a:buNone/>
+            </a:pPr>
+            <a:r>
+              <a:rPr lang="it-IT" dirty="0"/>
+              <a:t>	</a:t>
+            </a:r>
+            <a:r>
+              <a:rPr lang="it-IT" b="1" dirty="0" err="1"/>
+              <a:t>document.</a:t>
+            </a:r>
+            <a:r>
+              <a:rPr lang="it-IT" dirty="0" err="1"/>
+              <a:t>getElementById</a:t>
+            </a:r>
+            <a:r>
+              <a:rPr lang="it-IT" b="1" dirty="0"/>
+              <a:t>(</a:t>
+            </a:r>
+            <a:r>
+              <a:rPr lang="it-IT" dirty="0"/>
+              <a:t> "q2" </a:t>
+            </a:r>
+            <a:r>
+              <a:rPr lang="it-IT" b="1" dirty="0"/>
+              <a:t>).</a:t>
+            </a:r>
+            <a:r>
+              <a:rPr lang="it-IT" dirty="0" err="1"/>
+              <a:t>style</a:t>
+            </a:r>
+            <a:r>
+              <a:rPr lang="it-IT" b="1" dirty="0" err="1"/>
+              <a:t>.</a:t>
+            </a:r>
+            <a:r>
+              <a:rPr lang="it-IT" dirty="0" err="1"/>
+              <a:t>backgroundColor</a:t>
+            </a:r>
+            <a:r>
+              <a:rPr lang="it-IT" dirty="0"/>
+              <a:t> </a:t>
+            </a:r>
+            <a:r>
+              <a:rPr lang="it-IT" b="1" dirty="0"/>
+              <a:t>=</a:t>
+            </a:r>
+            <a:r>
+              <a:rPr lang="it-IT" dirty="0"/>
+              <a:t> "green"</a:t>
+            </a:r>
+            <a:r>
+              <a:rPr lang="it-IT" b="1" dirty="0"/>
+              <a:t>;</a:t>
+            </a:r>
+            <a:endParaRPr lang="it-IT" dirty="0"/>
+          </a:p>
+          <a:p>
+            <a:pPr marL="0" indent="0">
+              <a:buNone/>
+            </a:pPr>
+            <a:r>
+              <a:rPr lang="it-IT" dirty="0"/>
+              <a:t>	</a:t>
+            </a:r>
+            <a:r>
+              <a:rPr lang="it-IT" b="1" dirty="0" err="1"/>
+              <a:t>document.</a:t>
+            </a:r>
+            <a:r>
+              <a:rPr lang="it-IT" dirty="0" err="1"/>
+              <a:t>getElementById</a:t>
+            </a:r>
+            <a:r>
+              <a:rPr lang="it-IT" b="1" dirty="0"/>
+              <a:t>(</a:t>
+            </a:r>
+            <a:r>
+              <a:rPr lang="it-IT" dirty="0"/>
+              <a:t> "q3" </a:t>
+            </a:r>
+            <a:r>
+              <a:rPr lang="it-IT" b="1" dirty="0"/>
+              <a:t>).</a:t>
+            </a:r>
+            <a:r>
+              <a:rPr lang="it-IT" dirty="0" err="1"/>
+              <a:t>style</a:t>
+            </a:r>
+            <a:r>
+              <a:rPr lang="it-IT" b="1" dirty="0" err="1"/>
+              <a:t>.</a:t>
+            </a:r>
+            <a:r>
+              <a:rPr lang="it-IT" dirty="0" err="1"/>
+              <a:t>backgroundColor</a:t>
+            </a:r>
+            <a:r>
+              <a:rPr lang="it-IT" dirty="0"/>
+              <a:t> </a:t>
+            </a:r>
+            <a:r>
+              <a:rPr lang="it-IT" b="1" dirty="0"/>
+              <a:t>=</a:t>
+            </a:r>
+            <a:r>
+              <a:rPr lang="it-IT" dirty="0"/>
+              <a:t> "blue"</a:t>
+            </a:r>
+            <a:r>
+              <a:rPr lang="it-IT" b="1" dirty="0"/>
+              <a:t>;</a:t>
+            </a:r>
+            <a:endParaRPr lang="it-IT" dirty="0"/>
+          </a:p>
+          <a:p>
+            <a:pPr marL="0" indent="0">
+              <a:buNone/>
+            </a:pPr>
+            <a:r>
+              <a:rPr lang="it-IT" dirty="0"/>
+              <a:t>	</a:t>
+            </a:r>
+            <a:r>
+              <a:rPr lang="it-IT" b="1" dirty="0" err="1"/>
+              <a:t>document.</a:t>
+            </a:r>
+            <a:r>
+              <a:rPr lang="it-IT" dirty="0" err="1"/>
+              <a:t>getElementById</a:t>
+            </a:r>
+            <a:r>
+              <a:rPr lang="it-IT" b="1" dirty="0"/>
+              <a:t>(</a:t>
+            </a:r>
+            <a:r>
+              <a:rPr lang="it-IT" dirty="0"/>
+              <a:t> "q4" </a:t>
+            </a:r>
+            <a:r>
+              <a:rPr lang="it-IT" b="1" dirty="0"/>
+              <a:t>).</a:t>
+            </a:r>
+            <a:r>
+              <a:rPr lang="it-IT" dirty="0" err="1"/>
+              <a:t>style</a:t>
+            </a:r>
+            <a:r>
+              <a:rPr lang="it-IT" b="1" dirty="0" err="1"/>
+              <a:t>.</a:t>
+            </a:r>
+            <a:r>
+              <a:rPr lang="it-IT" dirty="0" err="1"/>
+              <a:t>backgroundColor</a:t>
+            </a:r>
+            <a:r>
+              <a:rPr lang="it-IT" dirty="0"/>
+              <a:t> </a:t>
+            </a:r>
+            <a:r>
+              <a:rPr lang="it-IT" b="1" dirty="0"/>
+              <a:t>=</a:t>
+            </a:r>
+            <a:r>
+              <a:rPr lang="it-IT" dirty="0"/>
+              <a:t> "</a:t>
+            </a:r>
+            <a:r>
+              <a:rPr lang="it-IT" dirty="0" err="1"/>
+              <a:t>yellow</a:t>
+            </a:r>
+            <a:r>
+              <a:rPr lang="it-IT" dirty="0"/>
+              <a:t>"</a:t>
+            </a:r>
+            <a:r>
+              <a:rPr lang="it-IT" b="1" dirty="0"/>
+              <a:t>;</a:t>
+            </a:r>
+            <a:endParaRPr lang="it-IT" dirty="0"/>
+          </a:p>
+          <a:p>
+            <a:pPr marL="0" indent="0">
+              <a:buNone/>
+            </a:pPr>
+            <a:r>
+              <a:rPr lang="it-IT" b="1" dirty="0"/>
+              <a:t>}</a:t>
+            </a:r>
+            <a:endParaRPr lang="it-IT" dirty="0"/>
+          </a:p>
+        </p:txBody>
+      </p:sp>
+      <p:sp>
+        <p:nvSpPr>
+          <p:cNvPr id="4" name="Segnaposto contenuto 3"/>
+          <p:cNvSpPr>
+            <a:spLocks noGrp="1"/>
+          </p:cNvSpPr>
+          <p:nvPr>
+            <p:ph sz="half" idx="2"/>
+          </p:nvPr>
+        </p:nvSpPr>
+        <p:spPr>
+          <a:xfrm>
+            <a:off x="1484308" y="3696790"/>
+            <a:ext cx="10018712" cy="2103120"/>
+          </a:xfrm>
+        </p:spPr>
+        <p:txBody>
+          <a:bodyPr>
+            <a:normAutofit/>
+          </a:bodyPr>
+          <a:lstStyle/>
+          <a:p>
+            <a:r>
+              <a:rPr lang="it-IT" dirty="0" smtClean="0"/>
+              <a:t>Tramite la funzione </a:t>
+            </a:r>
+            <a:r>
+              <a:rPr lang="it-IT" dirty="0" err="1" smtClean="0"/>
+              <a:t>colora_originale</a:t>
+            </a:r>
+            <a:r>
+              <a:rPr lang="it-IT" dirty="0" smtClean="0"/>
+              <a:t>(), ricoloriamo tutti i quadrati del loro colore originale.</a:t>
+            </a:r>
+          </a:p>
+          <a:p>
+            <a:r>
+              <a:rPr lang="it-IT" dirty="0" smtClean="0"/>
+              <a:t>Concludendo, in tutto il processo, viene colorato un quadrato di bianco e dopo mezzo secondo vengono ricolorati tutti i quadrati dello stesso colore. Questo da l’impressione che il quadrato «lampeggi».</a:t>
+            </a:r>
+          </a:p>
+        </p:txBody>
+      </p:sp>
+    </p:spTree>
+    <p:extLst>
+      <p:ext uri="{BB962C8B-B14F-4D97-AF65-F5344CB8AC3E}">
+        <p14:creationId xmlns:p14="http://schemas.microsoft.com/office/powerpoint/2010/main" val="2676204697"/>
+      </p:ext>
+    </p:extLst>
+  </p:cSld>
+  <p:clrMapOvr>
+    <a:masterClrMapping/>
+  </p:clrMapOvr>
+  <p:timing>
+    <p:tnLst>
+      <p:par>
+        <p:cTn id="1" dur="indefinite" restart="never" nodeType="tmRoot"/>
+      </p:par>
+    </p:tnLst>
+  </p:timing>
+</p:sld>
+</file>
+
+<file path=ppt/slides/slide21.xml><?xml version="1.0" encoding="utf-8"?>
+<p:sld xmlns:a="http://schemas.openxmlformats.org/drawingml/2006/main" xmlns:r="http://schemas.openxmlformats.org/officeDocument/2006/relationships" xmlns:p="http://schemas.openxmlformats.org/presentationml/2006/main">
+  <p:cSld>
+    <p:spTree>
+      <p:nvGrpSpPr>
+        <p:cNvPr id="1" name=""/>
+        <p:cNvGrpSpPr/>
+        <p:nvPr/>
+      </p:nvGrpSpPr>
+      <p:grpSpPr>
+        <a:xfrm>
+          <a:off x="0" y="0"/>
+          <a:ext cx="0" cy="0"/>
+          <a:chOff x="0" y="0"/>
+          <a:chExt cx="0" cy="0"/>
+        </a:xfrm>
+      </p:grpSpPr>
+      <p:sp>
+        <p:nvSpPr>
+          <p:cNvPr id="2" name="Titolo 1"/>
+          <p:cNvSpPr>
+            <a:spLocks noGrp="1"/>
+          </p:cNvSpPr>
+          <p:nvPr>
+            <p:ph type="title"/>
+          </p:nvPr>
+        </p:nvSpPr>
+        <p:spPr>
+          <a:xfrm>
+            <a:off x="1366746" y="0"/>
+            <a:ext cx="10018713" cy="1752599"/>
+          </a:xfrm>
+        </p:spPr>
+        <p:txBody>
+          <a:bodyPr/>
+          <a:lstStyle/>
+          <a:p>
+            <a:r>
+              <a:rPr lang="it-IT" dirty="0"/>
+              <a:t>Funzione </a:t>
+            </a:r>
+            <a:r>
+              <a:rPr lang="it-IT" dirty="0" err="1" smtClean="0"/>
+              <a:t>aggiungi_seq_ins</a:t>
+            </a:r>
+            <a:r>
+              <a:rPr lang="it-IT" dirty="0" smtClean="0"/>
+              <a:t>() </a:t>
+            </a:r>
+            <a:r>
+              <a:rPr lang="it-IT" sz="2000" dirty="0" smtClean="0"/>
+              <a:t>Prima Parte</a:t>
+            </a:r>
+            <a:endParaRPr lang="it-IT" sz="2000" dirty="0"/>
+          </a:p>
+        </p:txBody>
+      </p:sp>
+      <p:sp>
+        <p:nvSpPr>
+          <p:cNvPr id="3" name="Segnaposto contenuto 2"/>
+          <p:cNvSpPr>
+            <a:spLocks noGrp="1"/>
+          </p:cNvSpPr>
+          <p:nvPr>
+            <p:ph idx="1"/>
+          </p:nvPr>
+        </p:nvSpPr>
+        <p:spPr>
+          <a:xfrm>
+            <a:off x="1484310" y="1267097"/>
+            <a:ext cx="10018713" cy="5460274"/>
+          </a:xfrm>
+        </p:spPr>
+        <p:txBody>
+          <a:bodyPr>
+            <a:normAutofit fontScale="77500" lnSpcReduction="20000"/>
+          </a:bodyPr>
+          <a:lstStyle/>
+          <a:p>
+            <a:pPr marL="0" indent="0">
+              <a:buNone/>
+            </a:pPr>
+            <a:r>
+              <a:rPr lang="it-IT" dirty="0" err="1"/>
+              <a:t>function</a:t>
+            </a:r>
+            <a:r>
+              <a:rPr lang="it-IT" dirty="0"/>
+              <a:t> </a:t>
+            </a:r>
+            <a:r>
+              <a:rPr lang="it-IT" dirty="0" err="1"/>
+              <a:t>aggiungi_seq_ins</a:t>
+            </a:r>
+            <a:r>
+              <a:rPr lang="it-IT" dirty="0"/>
+              <a:t>(numero) {</a:t>
+            </a:r>
+          </a:p>
+          <a:p>
+            <a:pPr marL="0" indent="0">
+              <a:buNone/>
+            </a:pPr>
+            <a:r>
+              <a:rPr lang="it-IT" dirty="0"/>
+              <a:t>	</a:t>
+            </a:r>
+            <a:r>
+              <a:rPr lang="it-IT" dirty="0" err="1"/>
+              <a:t>if</a:t>
+            </a:r>
+            <a:r>
+              <a:rPr lang="it-IT" dirty="0"/>
+              <a:t>(</a:t>
+            </a:r>
+            <a:r>
+              <a:rPr lang="it-IT" dirty="0" err="1"/>
+              <a:t>testa_array</a:t>
+            </a:r>
+            <a:r>
+              <a:rPr lang="it-IT" dirty="0"/>
+              <a:t>()) {</a:t>
+            </a:r>
+          </a:p>
+          <a:p>
+            <a:pPr marL="0" indent="0">
+              <a:buNone/>
+            </a:pPr>
+            <a:r>
+              <a:rPr lang="it-IT" dirty="0"/>
+              <a:t>		</a:t>
+            </a:r>
+            <a:r>
+              <a:rPr lang="it-IT" dirty="0" err="1"/>
+              <a:t>sequenza_inserita</a:t>
+            </a:r>
+            <a:r>
+              <a:rPr lang="it-IT" dirty="0"/>
+              <a:t>+=numero;</a:t>
+            </a:r>
+          </a:p>
+          <a:p>
+            <a:pPr marL="0" indent="0">
+              <a:buNone/>
+            </a:pPr>
+            <a:r>
+              <a:rPr lang="it-IT" dirty="0"/>
+              <a:t>		</a:t>
+            </a:r>
+            <a:r>
+              <a:rPr lang="it-IT" dirty="0" err="1"/>
+              <a:t>if</a:t>
+            </a:r>
+            <a:r>
+              <a:rPr lang="it-IT" dirty="0"/>
+              <a:t>(</a:t>
+            </a:r>
+            <a:r>
+              <a:rPr lang="it-IT" dirty="0" err="1"/>
+              <a:t>sequenza_inserita.length</a:t>
+            </a:r>
+            <a:r>
+              <a:rPr lang="it-IT" dirty="0"/>
+              <a:t> == </a:t>
+            </a:r>
+            <a:r>
+              <a:rPr lang="it-IT" dirty="0" err="1"/>
+              <a:t>sequenza.length</a:t>
+            </a:r>
+            <a:r>
+              <a:rPr lang="it-IT" dirty="0"/>
+              <a:t>) {</a:t>
+            </a:r>
+          </a:p>
+          <a:p>
+            <a:pPr marL="0" indent="0">
+              <a:buNone/>
+            </a:pPr>
+            <a:r>
+              <a:rPr lang="it-IT" dirty="0"/>
+              <a:t>			</a:t>
+            </a:r>
+            <a:r>
+              <a:rPr lang="it-IT" dirty="0" err="1"/>
+              <a:t>if</a:t>
+            </a:r>
+            <a:r>
+              <a:rPr lang="it-IT" dirty="0"/>
+              <a:t>(</a:t>
+            </a:r>
+            <a:r>
+              <a:rPr lang="it-IT" dirty="0" err="1"/>
+              <a:t>sequenza_inserita</a:t>
+            </a:r>
+            <a:r>
+              <a:rPr lang="it-IT" dirty="0"/>
+              <a:t>==sequenza) {</a:t>
+            </a:r>
+          </a:p>
+          <a:p>
+            <a:pPr marL="0" indent="0">
+              <a:buNone/>
+            </a:pPr>
+            <a:r>
+              <a:rPr lang="it-IT" dirty="0"/>
+              <a:t>				</a:t>
+            </a:r>
+            <a:r>
+              <a:rPr lang="it-IT" dirty="0" err="1"/>
+              <a:t>alert</a:t>
+            </a:r>
+            <a:r>
+              <a:rPr lang="it-IT" dirty="0"/>
+              <a:t>("Perfetto sequenza indovinata!");</a:t>
+            </a:r>
+          </a:p>
+          <a:p>
+            <a:pPr marL="0" indent="0">
+              <a:buNone/>
+            </a:pPr>
+            <a:r>
+              <a:rPr lang="it-IT" dirty="0"/>
+              <a:t>				punteggio += 100;</a:t>
+            </a:r>
+          </a:p>
+          <a:p>
+            <a:pPr marL="0" indent="0">
+              <a:buNone/>
+            </a:pPr>
+            <a:r>
+              <a:rPr lang="it-IT" dirty="0"/>
+              <a:t>				</a:t>
+            </a:r>
+            <a:r>
+              <a:rPr lang="it-IT" dirty="0" err="1"/>
+              <a:t>var</a:t>
+            </a:r>
+            <a:r>
+              <a:rPr lang="it-IT" dirty="0"/>
+              <a:t> testo = "Punteggio Attuale: ";</a:t>
+            </a:r>
+          </a:p>
+          <a:p>
+            <a:pPr marL="0" indent="0">
+              <a:buNone/>
+            </a:pPr>
+            <a:r>
+              <a:rPr lang="it-IT" dirty="0"/>
+              <a:t>				</a:t>
+            </a:r>
+            <a:r>
+              <a:rPr lang="it-IT" dirty="0" err="1"/>
+              <a:t>document.getElementById</a:t>
+            </a:r>
+            <a:r>
+              <a:rPr lang="it-IT" dirty="0"/>
+              <a:t>("</a:t>
+            </a:r>
+            <a:r>
+              <a:rPr lang="it-IT" dirty="0" err="1"/>
+              <a:t>p_attuale</a:t>
+            </a:r>
+            <a:r>
+              <a:rPr lang="it-IT" dirty="0"/>
+              <a:t>").</a:t>
+            </a:r>
+            <a:r>
+              <a:rPr lang="it-IT" dirty="0" err="1"/>
+              <a:t>innerHTML</a:t>
+            </a:r>
+            <a:r>
+              <a:rPr lang="it-IT" dirty="0"/>
+              <a:t> = </a:t>
+            </a:r>
+            <a:r>
+              <a:rPr lang="it-IT" dirty="0" err="1"/>
+              <a:t>testo.concat</a:t>
+            </a:r>
+            <a:r>
+              <a:rPr lang="it-IT" dirty="0"/>
+              <a:t>(punteggio);</a:t>
+            </a:r>
+          </a:p>
+          <a:p>
+            <a:pPr marL="0" indent="0">
+              <a:buNone/>
+            </a:pPr>
+            <a:r>
+              <a:rPr lang="it-IT" dirty="0"/>
+              <a:t>				volte+=1;</a:t>
+            </a:r>
+          </a:p>
+          <a:p>
+            <a:pPr marL="0" indent="0">
+              <a:buNone/>
+            </a:pPr>
+            <a:r>
+              <a:rPr lang="it-IT" dirty="0"/>
+              <a:t>				inizia(volte);</a:t>
+            </a:r>
+          </a:p>
+          <a:p>
+            <a:pPr marL="0" indent="0">
+              <a:buNone/>
+            </a:pPr>
+            <a:r>
+              <a:rPr lang="it-IT" dirty="0"/>
+              <a:t>			} else {</a:t>
+            </a:r>
+          </a:p>
+          <a:p>
+            <a:pPr marL="0" indent="0">
+              <a:buNone/>
+            </a:pPr>
+            <a:r>
+              <a:rPr lang="it-IT" dirty="0"/>
+              <a:t>				 </a:t>
+            </a:r>
+            <a:r>
+              <a:rPr lang="it-IT" dirty="0" err="1"/>
+              <a:t>alert</a:t>
+            </a:r>
+            <a:r>
+              <a:rPr lang="it-IT" dirty="0"/>
+              <a:t>("Hai perso!");</a:t>
+            </a:r>
+          </a:p>
+          <a:p>
+            <a:pPr marL="0" indent="0">
+              <a:buNone/>
+            </a:pPr>
+            <a:r>
+              <a:rPr lang="it-IT" dirty="0"/>
+              <a:t>				 </a:t>
+            </a:r>
+            <a:r>
+              <a:rPr lang="it-IT" dirty="0" err="1"/>
+              <a:t>document.getElementById</a:t>
+            </a:r>
+            <a:r>
+              <a:rPr lang="it-IT" dirty="0"/>
+              <a:t>('</a:t>
+            </a:r>
+            <a:r>
+              <a:rPr lang="it-IT" dirty="0" err="1"/>
+              <a:t>button_restart</a:t>
+            </a:r>
+            <a:r>
+              <a:rPr lang="it-IT" dirty="0"/>
+              <a:t>').</a:t>
+            </a:r>
+            <a:r>
+              <a:rPr lang="it-IT" dirty="0" err="1"/>
+              <a:t>style.display</a:t>
+            </a:r>
+            <a:r>
+              <a:rPr lang="it-IT" dirty="0"/>
+              <a:t> = '</a:t>
+            </a:r>
+            <a:r>
+              <a:rPr lang="it-IT" dirty="0" err="1"/>
+              <a:t>block</a:t>
+            </a:r>
+            <a:r>
+              <a:rPr lang="it-IT" dirty="0"/>
+              <a:t>';</a:t>
+            </a:r>
+          </a:p>
+          <a:p>
+            <a:pPr marL="0" indent="0">
+              <a:buNone/>
+            </a:pPr>
+            <a:r>
+              <a:rPr lang="it-IT" dirty="0"/>
+              <a:t>			</a:t>
+            </a:r>
+            <a:r>
+              <a:rPr lang="it-IT" dirty="0" smtClean="0"/>
+              <a:t>} } } }</a:t>
+            </a:r>
+            <a:endParaRPr lang="it-IT" dirty="0"/>
+          </a:p>
+        </p:txBody>
+      </p:sp>
+    </p:spTree>
+    <p:extLst>
+      <p:ext uri="{BB962C8B-B14F-4D97-AF65-F5344CB8AC3E}">
+        <p14:creationId xmlns:p14="http://schemas.microsoft.com/office/powerpoint/2010/main" val="4247767227"/>
+      </p:ext>
+    </p:extLst>
+  </p:cSld>
+  <p:clrMapOvr>
+    <a:masterClrMapping/>
+  </p:clrMapOvr>
+  <p:timing>
+    <p:tnLst>
+      <p:par>
+        <p:cTn id="1" dur="indefinite" restart="never" nodeType="tmRoot"/>
+      </p:par>
+    </p:tnLst>
+  </p:timing>
+</p:sld>
+</file>
+
+<file path=ppt/slides/slide22.xml><?xml version="1.0" encoding="utf-8"?>
+<p:sld xmlns:a="http://schemas.openxmlformats.org/drawingml/2006/main" xmlns:r="http://schemas.openxmlformats.org/officeDocument/2006/relationships" xmlns:p="http://schemas.openxmlformats.org/presentationml/2006/main">
+  <p:cSld>
+    <p:spTree>
+      <p:nvGrpSpPr>
+        <p:cNvPr id="1" name=""/>
+        <p:cNvGrpSpPr/>
+        <p:nvPr/>
+      </p:nvGrpSpPr>
+      <p:grpSpPr>
+        <a:xfrm>
+          <a:off x="0" y="0"/>
+          <a:ext cx="0" cy="0"/>
+          <a:chOff x="0" y="0"/>
+          <a:chExt cx="0" cy="0"/>
+        </a:xfrm>
+      </p:grpSpPr>
+      <p:sp>
+        <p:nvSpPr>
+          <p:cNvPr id="2" name="Titolo 1"/>
+          <p:cNvSpPr>
+            <a:spLocks noGrp="1"/>
+          </p:cNvSpPr>
+          <p:nvPr>
+            <p:ph type="title"/>
+          </p:nvPr>
+        </p:nvSpPr>
+        <p:spPr/>
+        <p:txBody>
+          <a:bodyPr/>
+          <a:lstStyle/>
+          <a:p>
+            <a:r>
+              <a:rPr lang="it-IT" dirty="0"/>
+              <a:t>Funzione </a:t>
+            </a:r>
+            <a:r>
+              <a:rPr lang="it-IT" dirty="0" err="1"/>
+              <a:t>aggiungi_seq_ins</a:t>
+            </a:r>
+            <a:r>
+              <a:rPr lang="it-IT" dirty="0" smtClean="0"/>
+              <a:t>() </a:t>
+            </a:r>
+            <a:r>
+              <a:rPr lang="it-IT" sz="2000" dirty="0" smtClean="0"/>
+              <a:t>Seconda Parte</a:t>
+            </a:r>
+            <a:endParaRPr lang="it-IT" sz="2000" dirty="0"/>
+          </a:p>
+        </p:txBody>
+      </p:sp>
+      <p:sp>
+        <p:nvSpPr>
+          <p:cNvPr id="4" name="Segnaposto contenuto 3"/>
+          <p:cNvSpPr>
+            <a:spLocks noGrp="1"/>
+          </p:cNvSpPr>
+          <p:nvPr>
+            <p:ph sz="half" idx="2"/>
+          </p:nvPr>
+        </p:nvSpPr>
+        <p:spPr>
+          <a:xfrm>
+            <a:off x="6607967" y="2011681"/>
+            <a:ext cx="4895056" cy="4441370"/>
+          </a:xfrm>
+        </p:spPr>
+        <p:txBody>
+          <a:bodyPr/>
+          <a:lstStyle/>
+          <a:p>
+            <a:r>
+              <a:rPr lang="it-IT" dirty="0" smtClean="0"/>
+              <a:t>Dopo aver salvato il numero del quadrato premuto all’interno della variabile ‘</a:t>
+            </a:r>
+            <a:r>
+              <a:rPr lang="it-IT" dirty="0" err="1" smtClean="0"/>
+              <a:t>sequenza_inserita</a:t>
+            </a:r>
+            <a:r>
+              <a:rPr lang="it-IT" dirty="0" smtClean="0"/>
+              <a:t>’, ne confrontiamo la lunghezza della stringa ‘sequenza’ (generata dal computer). Se le lunghezze sono uguali vuol dire che sono stati premuti tanti quadrati quanti sono stati quelli stampati dal computer.</a:t>
+            </a:r>
+          </a:p>
+          <a:p>
+            <a:r>
+              <a:rPr lang="it-IT" dirty="0" smtClean="0"/>
+              <a:t>Quindi… Adesso possiamo confrontare le sequenze! Se le sequenze sono uguali l’utente ha passato il turno, poiché ha ripetuto correttamente la sequenza generata dal computer. </a:t>
+            </a:r>
+            <a:endParaRPr lang="it-IT" dirty="0"/>
+          </a:p>
+          <a:p>
+            <a:r>
+              <a:rPr lang="it-IT" dirty="0" smtClean="0"/>
+              <a:t>Continua…</a:t>
+            </a:r>
+            <a:endParaRPr lang="it-IT" dirty="0"/>
+          </a:p>
+        </p:txBody>
+      </p:sp>
+      <p:sp>
+        <p:nvSpPr>
+          <p:cNvPr id="6" name="Segnaposto contenuto 5"/>
+          <p:cNvSpPr>
+            <a:spLocks noGrp="1"/>
+          </p:cNvSpPr>
+          <p:nvPr>
+            <p:ph sz="half" idx="1"/>
+          </p:nvPr>
+        </p:nvSpPr>
+        <p:spPr>
+          <a:xfrm>
+            <a:off x="1484312" y="2011681"/>
+            <a:ext cx="4895055" cy="4441370"/>
+          </a:xfrm>
+        </p:spPr>
+        <p:txBody>
+          <a:bodyPr/>
+          <a:lstStyle/>
+          <a:p>
+            <a:r>
+              <a:rPr lang="it-IT" dirty="0" smtClean="0"/>
+              <a:t>Questa funzione è la funzione che racchiude un po’ tutti i ragionamenti fatti in precedenza .</a:t>
+            </a:r>
+          </a:p>
+          <a:p>
+            <a:r>
+              <a:rPr lang="it-IT" dirty="0" smtClean="0"/>
+              <a:t>Per prima cosa controlliamo se la funzione </a:t>
+            </a:r>
+            <a:r>
+              <a:rPr lang="it-IT" dirty="0" err="1" smtClean="0"/>
+              <a:t>testa_array</a:t>
+            </a:r>
+            <a:r>
+              <a:rPr lang="it-IT" dirty="0" smtClean="0"/>
+              <a:t>() ritorna </a:t>
+            </a:r>
+            <a:r>
+              <a:rPr lang="it-IT" b="1" dirty="0" err="1" smtClean="0"/>
+              <a:t>true</a:t>
+            </a:r>
+            <a:r>
+              <a:rPr lang="it-IT" dirty="0" smtClean="0"/>
+              <a:t>. Se non lo fa, vuol dire che è ancora in corso la «stampa» della sequenza da parte del computer e quindi non accettiamo input.</a:t>
+            </a:r>
+          </a:p>
+          <a:p>
+            <a:r>
+              <a:rPr lang="it-IT" dirty="0" smtClean="0"/>
+              <a:t>Invece, se riceviamo </a:t>
+            </a:r>
+            <a:r>
+              <a:rPr lang="it-IT" b="1" dirty="0" err="1" smtClean="0"/>
+              <a:t>true</a:t>
+            </a:r>
+            <a:r>
+              <a:rPr lang="it-IT" dirty="0" smtClean="0"/>
+              <a:t> vuol dire che la sequenza di stampa da parte del computer è terminata. Possiamo registrare il numero del quadrato premuto.</a:t>
+            </a:r>
+            <a:endParaRPr lang="it-IT" dirty="0"/>
+          </a:p>
+        </p:txBody>
+      </p:sp>
+    </p:spTree>
+    <p:extLst>
+      <p:ext uri="{BB962C8B-B14F-4D97-AF65-F5344CB8AC3E}">
+        <p14:creationId xmlns:p14="http://schemas.microsoft.com/office/powerpoint/2010/main" val="2597928816"/>
+      </p:ext>
+    </p:extLst>
+  </p:cSld>
+  <p:clrMapOvr>
+    <a:masterClrMapping/>
+  </p:clrMapOvr>
+  <p:timing>
+    <p:tnLst>
+      <p:par>
+        <p:cTn id="1" dur="indefinite" restart="never" nodeType="tmRoot"/>
+      </p:par>
+    </p:tnLst>
+  </p:timing>
+</p:sld>
+</file>
+
+<file path=ppt/slides/slide23.xml><?xml version="1.0" encoding="utf-8"?>
+<p:sld xmlns:a="http://schemas.openxmlformats.org/drawingml/2006/main" xmlns:r="http://schemas.openxmlformats.org/officeDocument/2006/relationships" xmlns:p="http://schemas.openxmlformats.org/presentationml/2006/main">
+  <p:cSld>
+    <p:spTree>
+      <p:nvGrpSpPr>
+        <p:cNvPr id="1" name=""/>
+        <p:cNvGrpSpPr/>
+        <p:nvPr/>
+      </p:nvGrpSpPr>
+      <p:grpSpPr>
+        <a:xfrm>
+          <a:off x="0" y="0"/>
+          <a:ext cx="0" cy="0"/>
+          <a:chOff x="0" y="0"/>
+          <a:chExt cx="0" cy="0"/>
+        </a:xfrm>
+      </p:grpSpPr>
+      <p:sp>
+        <p:nvSpPr>
+          <p:cNvPr id="2" name="Titolo 1"/>
+          <p:cNvSpPr>
+            <a:spLocks noGrp="1"/>
+          </p:cNvSpPr>
+          <p:nvPr>
+            <p:ph type="title"/>
+          </p:nvPr>
+        </p:nvSpPr>
+        <p:spPr/>
+        <p:txBody>
+          <a:bodyPr/>
+          <a:lstStyle/>
+          <a:p>
+            <a:r>
+              <a:rPr lang="it-IT" dirty="0"/>
+              <a:t>Funzione </a:t>
+            </a:r>
+            <a:r>
+              <a:rPr lang="it-IT" dirty="0" err="1"/>
+              <a:t>aggiungi_seq_ins</a:t>
+            </a:r>
+            <a:r>
+              <a:rPr lang="it-IT" dirty="0"/>
+              <a:t>() </a:t>
+            </a:r>
+            <a:r>
+              <a:rPr lang="it-IT" sz="2000" dirty="0" smtClean="0"/>
+              <a:t>Terza </a:t>
+            </a:r>
+            <a:r>
+              <a:rPr lang="it-IT" sz="2000" dirty="0"/>
+              <a:t>Parte</a:t>
+            </a:r>
+          </a:p>
+        </p:txBody>
+      </p:sp>
+      <p:sp>
+        <p:nvSpPr>
+          <p:cNvPr id="3" name="Segnaposto contenuto 2"/>
+          <p:cNvSpPr>
+            <a:spLocks noGrp="1"/>
+          </p:cNvSpPr>
+          <p:nvPr>
+            <p:ph sz="half" idx="1"/>
+          </p:nvPr>
+        </p:nvSpPr>
+        <p:spPr/>
+        <p:txBody>
+          <a:bodyPr/>
+          <a:lstStyle/>
+          <a:p>
+            <a:r>
+              <a:rPr lang="it-IT" dirty="0" smtClean="0"/>
+              <a:t>Quindi se la sequenza è stata indovinata, aumento e stampo il punteggio,  aumento il numero di volte (cioè il numero di volte che i quadrati devono lampeggiare) e richiamo la funzione Inizia passando come parametro il nuovo numero di volte. </a:t>
+            </a:r>
+          </a:p>
+          <a:p>
+            <a:endParaRPr lang="it-IT" dirty="0"/>
+          </a:p>
+        </p:txBody>
+      </p:sp>
+      <p:sp>
+        <p:nvSpPr>
+          <p:cNvPr id="4" name="Segnaposto contenuto 3"/>
+          <p:cNvSpPr>
+            <a:spLocks noGrp="1"/>
+          </p:cNvSpPr>
+          <p:nvPr>
+            <p:ph sz="half" idx="2"/>
+          </p:nvPr>
+        </p:nvSpPr>
+        <p:spPr/>
+        <p:txBody>
+          <a:bodyPr/>
+          <a:lstStyle/>
+          <a:p>
+            <a:r>
+              <a:rPr lang="it-IT" dirty="0" smtClean="0"/>
+              <a:t>Se invece la sequenza non è stata indovinata, compare un avviso e un pulsante che ti permette di ricominciare la partita. Per farlo, il pulsante non fa nient’altro che ricaricare la pagina. Tutto si azzera e ricomincia il procedimento!  </a:t>
+            </a:r>
+            <a:endParaRPr lang="it-IT" dirty="0"/>
+          </a:p>
+        </p:txBody>
+      </p:sp>
+    </p:spTree>
+    <p:extLst>
+      <p:ext uri="{BB962C8B-B14F-4D97-AF65-F5344CB8AC3E}">
+        <p14:creationId xmlns:p14="http://schemas.microsoft.com/office/powerpoint/2010/main" val="153317738"/>
       </p:ext>
     </p:extLst>
   </p:cSld>
@@ -32098,6 +37494,13 @@
   <p:clrMapOvr>
     <a:masterClrMapping/>
   </p:clrMapOvr>
+  <p:timing>
+    <p:tnLst>
+      <p:par>
+        <p:cTn id="1" dur="indefinite" restart="never" nodeType="tmRoot"/>
+      </p:par>
+    </p:tnLst>
+  </p:timing>
 </p:sld>
 </file>
 
@@ -32333,6 +37736,13 @@
   <p:clrMapOvr>
     <a:masterClrMapping/>
   </p:clrMapOvr>
+  <p:timing>
+    <p:tnLst>
+      <p:par>
+        <p:cTn id="1" dur="indefinite" restart="never" nodeType="tmRoot"/>
+      </p:par>
+    </p:tnLst>
+  </p:timing>
 </p:sld>
 </file>
 
@@ -32579,6 +37989,13 @@
   <p:clrMapOvr>
     <a:masterClrMapping/>
   </p:clrMapOvr>
+  <p:timing>
+    <p:tnLst>
+      <p:par>
+        <p:cTn id="1" dur="indefinite" restart="never" nodeType="tmRoot"/>
+      </p:par>
+    </p:tnLst>
+  </p:timing>
 </p:sld>
 </file>
 
@@ -32657,14 +38074,31 @@
           <a:p>
             <a:r>
               <a:rPr lang="it-IT" dirty="0" smtClean="0"/>
-              <a:t>Ora inizieremo il progetto in locale. Creiamo sul desktop una cartella chiamata «PROGETTO».</a:t>
-            </a:r>
-            <a:endParaRPr lang="it-IT" dirty="0"/>
-          </a:p>
-          <a:p>
+              <a:t>Bene siamo pronti! Adesso possiamo spostarci sul desktop e </a:t>
+            </a:r>
+            <a:r>
+              <a:rPr lang="it-IT" dirty="0"/>
+              <a:t>scaricare all’indirizzo </a:t>
+            </a:r>
+            <a:r>
+              <a:rPr lang="it-IT" dirty="0">
+                <a:hlinkClick r:id="rId2"/>
+              </a:rPr>
+              <a:t>https://</a:t>
+            </a:r>
+            <a:r>
+              <a:rPr lang="it-IT" dirty="0" smtClean="0">
+                <a:hlinkClick r:id="rId2"/>
+              </a:rPr>
+              <a:t>github.com/lpleo/galileiWebApp</a:t>
+            </a:r>
+            <a:r>
+              <a:rPr lang="it-IT" dirty="0"/>
+              <a:t> </a:t>
+            </a:r>
             <a:r>
               <a:rPr lang="it-IT" dirty="0" smtClean="0"/>
-              <a:t>Ora creiamo un nuovo file, e lo chiamiamo «index.html».</a:t>
+              <a:t>l’applicazione. Vi troverete davanti 3 cartelle, una contenente queste slide, una contenente le soluzioni e la cartella che ci interessa, denominata Esercizio.</a:t>
             </a:r>
           </a:p>
         </p:txBody>
@@ -32684,7 +38118,41 @@
           <a:bodyPr/>
           <a:lstStyle/>
           <a:p>
+            <a:r>
+              <a:rPr lang="it-IT" dirty="0" smtClean="0"/>
+              <a:t>Dentro la cartella Esercizio troviamo tre file:</a:t>
+            </a:r>
             <a:endParaRPr lang="it-IT" dirty="0"/>
+          </a:p>
+          <a:p>
+            <a:pPr marL="342900" indent="-342900">
+              <a:buFont typeface="+mj-lt"/>
+              <a:buAutoNum type="arabicPeriod"/>
+            </a:pPr>
+            <a:r>
+              <a:rPr lang="it-IT" dirty="0" smtClean="0"/>
+              <a:t>Index.html (completo)</a:t>
+            </a:r>
+          </a:p>
+          <a:p>
+            <a:pPr marL="342900" indent="-342900">
+              <a:buFont typeface="+mj-lt"/>
+              <a:buAutoNum type="arabicPeriod"/>
+            </a:pPr>
+            <a:r>
+              <a:rPr lang="it-IT" dirty="0" smtClean="0"/>
+              <a:t>Stile.css (completo)</a:t>
+            </a:r>
+          </a:p>
+          <a:p>
+            <a:pPr marL="342900" indent="-342900">
+              <a:buFont typeface="+mj-lt"/>
+              <a:buAutoNum type="arabicPeriod"/>
+            </a:pPr>
+            <a:r>
+              <a:rPr lang="it-IT" dirty="0" smtClean="0"/>
+              <a:t>Logica.js (il vero esercizio!)</a:t>
+            </a:r>
           </a:p>
         </p:txBody>
       </p:sp>
@@ -32698,6 +38166,13 @@
   <p:clrMapOvr>
     <a:masterClrMapping/>
   </p:clrMapOvr>
+  <p:timing>
+    <p:tnLst>
+      <p:par>
+        <p:cTn id="1" dur="indefinite" restart="never" nodeType="tmRoot"/>
+      </p:par>
+    </p:tnLst>
+  </p:timing>
 </p:sld>
 </file>
 
